--- a/簡報/高鐵專案簡報.pptx
+++ b/簡報/高鐵專案簡報.pptx
@@ -8,21 +8,22 @@
     <p:sldId id="263" r:id="rId2"/>
     <p:sldId id="273" r:id="rId3"/>
     <p:sldId id="265" r:id="rId4"/>
-    <p:sldId id="256" r:id="rId5"/>
-    <p:sldId id="264" r:id="rId6"/>
-    <p:sldId id="267" r:id="rId7"/>
-    <p:sldId id="257" r:id="rId8"/>
-    <p:sldId id="268" r:id="rId9"/>
-    <p:sldId id="258" r:id="rId10"/>
-    <p:sldId id="269" r:id="rId11"/>
-    <p:sldId id="259" r:id="rId12"/>
-    <p:sldId id="270" r:id="rId13"/>
-    <p:sldId id="260" r:id="rId14"/>
-    <p:sldId id="271" r:id="rId15"/>
-    <p:sldId id="261" r:id="rId16"/>
-    <p:sldId id="272" r:id="rId17"/>
-    <p:sldId id="262" r:id="rId18"/>
-    <p:sldId id="266" r:id="rId19"/>
+    <p:sldId id="274" r:id="rId5"/>
+    <p:sldId id="256" r:id="rId6"/>
+    <p:sldId id="264" r:id="rId7"/>
+    <p:sldId id="267" r:id="rId8"/>
+    <p:sldId id="257" r:id="rId9"/>
+    <p:sldId id="268" r:id="rId10"/>
+    <p:sldId id="258" r:id="rId11"/>
+    <p:sldId id="269" r:id="rId12"/>
+    <p:sldId id="259" r:id="rId13"/>
+    <p:sldId id="270" r:id="rId14"/>
+    <p:sldId id="260" r:id="rId15"/>
+    <p:sldId id="271" r:id="rId16"/>
+    <p:sldId id="261" r:id="rId17"/>
+    <p:sldId id="272" r:id="rId18"/>
+    <p:sldId id="262" r:id="rId19"/>
+    <p:sldId id="266" r:id="rId20"/>
   </p:sldIdLst>
   <p:sldSz cx="12192000" cy="6858000"/>
   <p:notesSz cx="6858000" cy="9144000"/>
@@ -121,6 +122,11 @@
       </a:defRPr>
     </a:lvl9pPr>
   </p:defaultTextStyle>
+  <p:extLst>
+    <p:ext uri="{EFAFB233-063F-42B5-8137-9DF3F51BA10A}">
+      <p15:sldGuideLst xmlns:p15="http://schemas.microsoft.com/office/powerpoint/2012/main"/>
+    </p:ext>
+  </p:extLst>
 </p:presentation>
 </file>
 
@@ -3434,7 +3440,7 @@
           <p:cNvPr id="5" name="內容版面配置區 4">
             <a:extLst>
               <a:ext uri="{FF2B5EF4-FFF2-40B4-BE49-F238E27FC236}">
-                <a16:creationId xmlns:a16="http://schemas.microsoft.com/office/drawing/2014/main" id="{7318E2A8-621F-4CC2-8468-E4438DA5647A}"/>
+                <a16:creationId xmlns:a16="http://schemas.microsoft.com/office/drawing/2014/main" id="{961C831A-D469-4BB6-8541-69BEEB643298}"/>
               </a:ext>
             </a:extLst>
           </p:cNvPr>
@@ -3459,15 +3465,15 @@
         </p:blipFill>
         <p:spPr>
           <a:xfrm>
-            <a:off x="1330296" y="748291"/>
-            <a:ext cx="9531408" cy="5361417"/>
+            <a:off x="818860" y="649437"/>
+            <a:ext cx="10554280" cy="5559125"/>
           </a:xfrm>
         </p:spPr>
       </p:pic>
     </p:spTree>
     <p:extLst>
       <p:ext uri="{BB962C8B-B14F-4D97-AF65-F5344CB8AC3E}">
-        <p14:creationId xmlns:p14="http://schemas.microsoft.com/office/powerpoint/2010/main" val="2851548731"/>
+        <p14:creationId xmlns:p14="http://schemas.microsoft.com/office/powerpoint/2010/main" val="3998865729"/>
       </p:ext>
     </p:extLst>
   </p:cSld>
@@ -3499,7 +3505,7 @@
           <p:cNvPr id="5" name="內容版面配置區 4">
             <a:extLst>
               <a:ext uri="{FF2B5EF4-FFF2-40B4-BE49-F238E27FC236}">
-                <a16:creationId xmlns:a16="http://schemas.microsoft.com/office/drawing/2014/main" id="{2480975A-2438-4449-A65D-F50DF286BFE3}"/>
+                <a16:creationId xmlns:a16="http://schemas.microsoft.com/office/drawing/2014/main" id="{7318E2A8-621F-4CC2-8468-E4438DA5647A}"/>
               </a:ext>
             </a:extLst>
           </p:cNvPr>
@@ -3524,15 +3530,15 @@
         </p:blipFill>
         <p:spPr>
           <a:xfrm>
-            <a:off x="3544414" y="302805"/>
-            <a:ext cx="5103171" cy="6252390"/>
+            <a:off x="1330296" y="748291"/>
+            <a:ext cx="9531408" cy="5361417"/>
           </a:xfrm>
         </p:spPr>
       </p:pic>
     </p:spTree>
     <p:extLst>
       <p:ext uri="{BB962C8B-B14F-4D97-AF65-F5344CB8AC3E}">
-        <p14:creationId xmlns:p14="http://schemas.microsoft.com/office/powerpoint/2010/main" val="717080238"/>
+        <p14:creationId xmlns:p14="http://schemas.microsoft.com/office/powerpoint/2010/main" val="2851548731"/>
       </p:ext>
     </p:extLst>
   </p:cSld>
@@ -3561,10 +3567,10 @@
       </p:grpSpPr>
       <p:pic>
         <p:nvPicPr>
-          <p:cNvPr id="9" name="內容版面配置區 8">
-            <a:extLst>
-              <a:ext uri="{FF2B5EF4-FFF2-40B4-BE49-F238E27FC236}">
-                <a16:creationId xmlns:a16="http://schemas.microsoft.com/office/drawing/2014/main" id="{DFBBD03E-A78E-483A-9208-C96015B29A4C}"/>
+          <p:cNvPr id="5" name="內容版面配置區 4">
+            <a:extLst>
+              <a:ext uri="{FF2B5EF4-FFF2-40B4-BE49-F238E27FC236}">
+                <a16:creationId xmlns:a16="http://schemas.microsoft.com/office/drawing/2014/main" id="{2480975A-2438-4449-A65D-F50DF286BFE3}"/>
               </a:ext>
             </a:extLst>
           </p:cNvPr>
@@ -3589,15 +3595,15 @@
         </p:blipFill>
         <p:spPr>
           <a:xfrm>
-            <a:off x="1308328" y="735934"/>
-            <a:ext cx="9575344" cy="5386131"/>
+            <a:off x="3544414" y="302805"/>
+            <a:ext cx="5103171" cy="6252390"/>
           </a:xfrm>
         </p:spPr>
       </p:pic>
     </p:spTree>
     <p:extLst>
       <p:ext uri="{BB962C8B-B14F-4D97-AF65-F5344CB8AC3E}">
-        <p14:creationId xmlns:p14="http://schemas.microsoft.com/office/powerpoint/2010/main" val="963379626"/>
+        <p14:creationId xmlns:p14="http://schemas.microsoft.com/office/powerpoint/2010/main" val="717080238"/>
       </p:ext>
     </p:extLst>
   </p:cSld>
@@ -3626,10 +3632,10 @@
       </p:grpSpPr>
       <p:pic>
         <p:nvPicPr>
-          <p:cNvPr id="5" name="內容版面配置區 4">
-            <a:extLst>
-              <a:ext uri="{FF2B5EF4-FFF2-40B4-BE49-F238E27FC236}">
-                <a16:creationId xmlns:a16="http://schemas.microsoft.com/office/drawing/2014/main" id="{1BFC2C5D-006D-4723-BD01-04ABC9BAF96F}"/>
+          <p:cNvPr id="9" name="內容版面配置區 8">
+            <a:extLst>
+              <a:ext uri="{FF2B5EF4-FFF2-40B4-BE49-F238E27FC236}">
+                <a16:creationId xmlns:a16="http://schemas.microsoft.com/office/drawing/2014/main" id="{DFBBD03E-A78E-483A-9208-C96015B29A4C}"/>
               </a:ext>
             </a:extLst>
           </p:cNvPr>
@@ -3654,15 +3660,15 @@
         </p:blipFill>
         <p:spPr>
           <a:xfrm>
-            <a:off x="2141869" y="588168"/>
-            <a:ext cx="7908261" cy="5681663"/>
+            <a:off x="1308328" y="735934"/>
+            <a:ext cx="9575344" cy="5386131"/>
           </a:xfrm>
         </p:spPr>
       </p:pic>
     </p:spTree>
     <p:extLst>
       <p:ext uri="{BB962C8B-B14F-4D97-AF65-F5344CB8AC3E}">
-        <p14:creationId xmlns:p14="http://schemas.microsoft.com/office/powerpoint/2010/main" val="98813183"/>
+        <p14:creationId xmlns:p14="http://schemas.microsoft.com/office/powerpoint/2010/main" val="963379626"/>
       </p:ext>
     </p:extLst>
   </p:cSld>
@@ -3694,7 +3700,7 @@
           <p:cNvPr id="5" name="內容版面配置區 4">
             <a:extLst>
               <a:ext uri="{FF2B5EF4-FFF2-40B4-BE49-F238E27FC236}">
-                <a16:creationId xmlns:a16="http://schemas.microsoft.com/office/drawing/2014/main" id="{DCE2844D-3523-4A17-94D1-F92408C64E9A}"/>
+                <a16:creationId xmlns:a16="http://schemas.microsoft.com/office/drawing/2014/main" id="{1BFC2C5D-006D-4723-BD01-04ABC9BAF96F}"/>
               </a:ext>
             </a:extLst>
           </p:cNvPr>
@@ -3719,15 +3725,60 @@
         </p:blipFill>
         <p:spPr>
           <a:xfrm>
-            <a:off x="1374231" y="773005"/>
-            <a:ext cx="9443538" cy="5311990"/>
+            <a:off x="2141869" y="588168"/>
+            <a:ext cx="7908261" cy="5681663"/>
           </a:xfrm>
         </p:spPr>
       </p:pic>
+      <p:sp>
+        <p:nvSpPr>
+          <p:cNvPr id="2" name="文字方塊 1">
+            <a:hlinkClick r:id="rId3"/>
+            <a:extLst>
+              <a:ext uri="{FF2B5EF4-FFF2-40B4-BE49-F238E27FC236}">
+                <a16:creationId xmlns:a16="http://schemas.microsoft.com/office/drawing/2014/main" id="{254A6E37-2883-4D0A-B07D-E46267C911E2}"/>
+              </a:ext>
+            </a:extLst>
+          </p:cNvPr>
+          <p:cNvSpPr txBox="1"/>
+          <p:nvPr/>
+        </p:nvSpPr>
+        <p:spPr>
+          <a:xfrm>
+            <a:off x="8016446" y="6085165"/>
+            <a:ext cx="1521254" cy="369332"/>
+          </a:xfrm>
+          <a:prstGeom prst="rect">
+            <a:avLst/>
+          </a:prstGeom>
+          <a:noFill/>
+        </p:spPr>
+        <p:txBody>
+          <a:bodyPr wrap="square" rtlCol="0">
+            <a:spAutoFit/>
+          </a:bodyPr>
+          <a:lstStyle/>
+          <a:p>
+            <a:r>
+              <a:rPr lang="en-US" altLang="zh-TW" dirty="0"/>
+              <a:t>TDX</a:t>
+            </a:r>
+            <a:r>
+              <a:rPr lang="zh-TW" altLang="en-US" dirty="0"/>
+              <a:t> </a:t>
+            </a:r>
+            <a:r>
+              <a:rPr lang="en-US" altLang="zh-TW" dirty="0" err="1"/>
+              <a:t>OpenAPI</a:t>
+            </a:r>
+            <a:endParaRPr lang="zh-TW" altLang="en-US" dirty="0"/>
+          </a:p>
+        </p:txBody>
+      </p:sp>
     </p:spTree>
     <p:extLst>
       <p:ext uri="{BB962C8B-B14F-4D97-AF65-F5344CB8AC3E}">
-        <p14:creationId xmlns:p14="http://schemas.microsoft.com/office/powerpoint/2010/main" val="534344179"/>
+        <p14:creationId xmlns:p14="http://schemas.microsoft.com/office/powerpoint/2010/main" val="98813183"/>
       </p:ext>
     </p:extLst>
   </p:cSld>
@@ -3759,7 +3810,7 @@
           <p:cNvPr id="5" name="內容版面配置區 4">
             <a:extLst>
               <a:ext uri="{FF2B5EF4-FFF2-40B4-BE49-F238E27FC236}">
-                <a16:creationId xmlns:a16="http://schemas.microsoft.com/office/drawing/2014/main" id="{5369B8A9-D185-4B2A-89A7-FBF5089EDF37}"/>
+                <a16:creationId xmlns:a16="http://schemas.microsoft.com/office/drawing/2014/main" id="{DCE2844D-3523-4A17-94D1-F92408C64E9A}"/>
               </a:ext>
             </a:extLst>
           </p:cNvPr>
@@ -3784,15 +3835,15 @@
         </p:blipFill>
         <p:spPr>
           <a:xfrm>
-            <a:off x="3145668" y="269975"/>
-            <a:ext cx="5900664" cy="6318049"/>
+            <a:off x="1374231" y="773005"/>
+            <a:ext cx="9443538" cy="5311990"/>
           </a:xfrm>
         </p:spPr>
       </p:pic>
     </p:spTree>
     <p:extLst>
       <p:ext uri="{BB962C8B-B14F-4D97-AF65-F5344CB8AC3E}">
-        <p14:creationId xmlns:p14="http://schemas.microsoft.com/office/powerpoint/2010/main" val="4217340375"/>
+        <p14:creationId xmlns:p14="http://schemas.microsoft.com/office/powerpoint/2010/main" val="534344179"/>
       </p:ext>
     </p:extLst>
   </p:cSld>
@@ -3824,7 +3875,7 @@
           <p:cNvPr id="5" name="內容版面配置區 4">
             <a:extLst>
               <a:ext uri="{FF2B5EF4-FFF2-40B4-BE49-F238E27FC236}">
-                <a16:creationId xmlns:a16="http://schemas.microsoft.com/office/drawing/2014/main" id="{AA343310-D3EF-4CD8-97AD-17C067E41AFF}"/>
+                <a16:creationId xmlns:a16="http://schemas.microsoft.com/office/drawing/2014/main" id="{5369B8A9-D185-4B2A-89A7-FBF5089EDF37}"/>
               </a:ext>
             </a:extLst>
           </p:cNvPr>
@@ -3849,15 +3900,15 @@
         </p:blipFill>
         <p:spPr>
           <a:xfrm>
-            <a:off x="1165539" y="655616"/>
-            <a:ext cx="9860921" cy="5546768"/>
+            <a:off x="3145668" y="269975"/>
+            <a:ext cx="5900664" cy="6318049"/>
           </a:xfrm>
         </p:spPr>
       </p:pic>
     </p:spTree>
     <p:extLst>
       <p:ext uri="{BB962C8B-B14F-4D97-AF65-F5344CB8AC3E}">
-        <p14:creationId xmlns:p14="http://schemas.microsoft.com/office/powerpoint/2010/main" val="3181357263"/>
+        <p14:creationId xmlns:p14="http://schemas.microsoft.com/office/powerpoint/2010/main" val="4217340375"/>
       </p:ext>
     </p:extLst>
   </p:cSld>
@@ -3889,6 +3940,71 @@
           <p:cNvPr id="5" name="內容版面配置區 4">
             <a:extLst>
               <a:ext uri="{FF2B5EF4-FFF2-40B4-BE49-F238E27FC236}">
+                <a16:creationId xmlns:a16="http://schemas.microsoft.com/office/drawing/2014/main" id="{AA343310-D3EF-4CD8-97AD-17C067E41AFF}"/>
+              </a:ext>
+            </a:extLst>
+          </p:cNvPr>
+          <p:cNvPicPr>
+            <a:picLocks noGrp="1" noChangeAspect="1"/>
+          </p:cNvPicPr>
+          <p:nvPr>
+            <p:ph idx="1"/>
+          </p:nvPr>
+        </p:nvPicPr>
+        <p:blipFill>
+          <a:blip r:embed="rId2">
+            <a:extLst>
+              <a:ext uri="{28A0092B-C50C-407E-A947-70E740481C1C}">
+                <a14:useLocalDpi xmlns:a14="http://schemas.microsoft.com/office/drawing/2010/main" val="0"/>
+              </a:ext>
+            </a:extLst>
+          </a:blip>
+          <a:stretch>
+            <a:fillRect/>
+          </a:stretch>
+        </p:blipFill>
+        <p:spPr>
+          <a:xfrm>
+            <a:off x="1165539" y="655616"/>
+            <a:ext cx="9860921" cy="5546768"/>
+          </a:xfrm>
+        </p:spPr>
+      </p:pic>
+    </p:spTree>
+    <p:extLst>
+      <p:ext uri="{BB962C8B-B14F-4D97-AF65-F5344CB8AC3E}">
+        <p14:creationId xmlns:p14="http://schemas.microsoft.com/office/powerpoint/2010/main" val="3181357263"/>
+      </p:ext>
+    </p:extLst>
+  </p:cSld>
+  <p:clrMapOvr>
+    <a:masterClrMapping/>
+  </p:clrMapOvr>
+</p:sld>
+</file>
+
+<file path=ppt/slides/slide18.xml><?xml version="1.0" encoding="utf-8"?>
+<p:sld xmlns:a="http://schemas.openxmlformats.org/drawingml/2006/main" xmlns:r="http://schemas.openxmlformats.org/officeDocument/2006/relationships" xmlns:p="http://schemas.openxmlformats.org/presentationml/2006/main">
+  <p:cSld>
+    <p:spTree>
+      <p:nvGrpSpPr>
+        <p:cNvPr id="1" name=""/>
+        <p:cNvGrpSpPr/>
+        <p:nvPr/>
+      </p:nvGrpSpPr>
+      <p:grpSpPr>
+        <a:xfrm>
+          <a:off x="0" y="0"/>
+          <a:ext cx="0" cy="0"/>
+          <a:chOff x="0" y="0"/>
+          <a:chExt cx="0" cy="0"/>
+        </a:xfrm>
+      </p:grpSpPr>
+      <p:pic>
+        <p:nvPicPr>
+          <p:cNvPr id="5" name="內容版面配置區 4">
+            <a:extLst>
+              <a:ext uri="{FF2B5EF4-FFF2-40B4-BE49-F238E27FC236}">
                 <a16:creationId xmlns:a16="http://schemas.microsoft.com/office/drawing/2014/main" id="{50381AF9-521E-4ED6-9188-CA665E0E5EFD}"/>
               </a:ext>
             </a:extLst>
@@ -3932,7 +4048,7 @@
 </p:sld>
 </file>
 
-<file path=ppt/slides/slide18.xml><?xml version="1.0" encoding="utf-8"?>
+<file path=ppt/slides/slide19.xml><?xml version="1.0" encoding="utf-8"?>
 <p:sld xmlns:a="http://schemas.openxmlformats.org/drawingml/2006/main" xmlns:r="http://schemas.openxmlformats.org/officeDocument/2006/relationships" xmlns:p="http://schemas.openxmlformats.org/presentationml/2006/main">
   <p:cSld>
     <p:spTree>
@@ -4101,7 +4217,7 @@
           <a:lstStyle/>
           <a:p>
             <a:r>
-              <a:rPr lang="zh-TW" altLang="en-US" dirty="0"/>
+              <a:rPr lang="zh-TW" altLang="en-US" b="1" dirty="0"/>
               <a:t>實際功能</a:t>
             </a:r>
           </a:p>
@@ -4175,7 +4291,7 @@
             </a:pPr>
             <a:r>
               <a:rPr lang="zh-TW" altLang="en-US" sz="4000" dirty="0"/>
-              <a:t>查看票夾</a:t>
+              <a:t>查看票夾，刪除訂票</a:t>
             </a:r>
             <a:endParaRPr lang="en-US" altLang="zh-TW" sz="4000" dirty="0"/>
           </a:p>
@@ -4222,6 +4338,168 @@
           <p:cNvPr id="2" name="標題 1">
             <a:extLst>
               <a:ext uri="{FF2B5EF4-FFF2-40B4-BE49-F238E27FC236}">
+                <a16:creationId xmlns:a16="http://schemas.microsoft.com/office/drawing/2014/main" id="{8468B9D4-48C8-46E7-94C9-83A13342CD5C}"/>
+              </a:ext>
+            </a:extLst>
+          </p:cNvPr>
+          <p:cNvSpPr>
+            <a:spLocks noGrp="1"/>
+          </p:cNvSpPr>
+          <p:nvPr>
+            <p:ph type="title"/>
+          </p:nvPr>
+        </p:nvSpPr>
+        <p:spPr/>
+        <p:txBody>
+          <a:bodyPr>
+            <a:normAutofit/>
+          </a:bodyPr>
+          <a:lstStyle/>
+          <a:p>
+            <a:r>
+              <a:rPr lang="zh-TW" altLang="en-US" b="1" dirty="0"/>
+              <a:t>使用技術</a:t>
+            </a:r>
+          </a:p>
+        </p:txBody>
+      </p:sp>
+      <p:sp>
+        <p:nvSpPr>
+          <p:cNvPr id="3" name="內容版面配置區 2">
+            <a:extLst>
+              <a:ext uri="{FF2B5EF4-FFF2-40B4-BE49-F238E27FC236}">
+                <a16:creationId xmlns:a16="http://schemas.microsoft.com/office/drawing/2014/main" id="{C7FFE553-F7E3-4F13-A4EA-A56DD809FFBE}"/>
+              </a:ext>
+            </a:extLst>
+          </p:cNvPr>
+          <p:cNvSpPr>
+            <a:spLocks noGrp="1"/>
+          </p:cNvSpPr>
+          <p:nvPr>
+            <p:ph idx="1"/>
+          </p:nvPr>
+        </p:nvSpPr>
+        <p:spPr/>
+        <p:txBody>
+          <a:bodyPr>
+            <a:normAutofit lnSpcReduction="10000"/>
+          </a:bodyPr>
+          <a:lstStyle/>
+          <a:p>
+            <a:pPr marL="514350" indent="-514350">
+              <a:buAutoNum type="arabicPeriod"/>
+            </a:pPr>
+            <a:r>
+              <a:rPr lang="en-US" altLang="zh-TW" sz="4000" dirty="0" err="1"/>
+              <a:t>SpringMVC</a:t>
+            </a:r>
+            <a:endParaRPr lang="en-US" altLang="zh-TW" sz="4000" dirty="0"/>
+          </a:p>
+          <a:p>
+            <a:pPr marL="514350" indent="-514350">
+              <a:buAutoNum type="arabicPeriod"/>
+            </a:pPr>
+            <a:r>
+              <a:rPr lang="en-US" altLang="zh-TW" sz="4000" dirty="0"/>
+              <a:t>Java</a:t>
+            </a:r>
+          </a:p>
+          <a:p>
+            <a:pPr marL="514350" indent="-514350">
+              <a:buAutoNum type="arabicPeriod"/>
+            </a:pPr>
+            <a:r>
+              <a:rPr lang="en-US" altLang="zh-TW" sz="4000" dirty="0" err="1"/>
+              <a:t>Jsp</a:t>
+            </a:r>
+            <a:endParaRPr lang="en-US" altLang="zh-TW" sz="4000" dirty="0"/>
+          </a:p>
+          <a:p>
+            <a:pPr marL="514350" indent="-514350">
+              <a:buAutoNum type="arabicPeriod"/>
+            </a:pPr>
+            <a:r>
+              <a:rPr lang="en-US" altLang="zh-TW" sz="4000" dirty="0" err="1"/>
+              <a:t>HttpServletResponse</a:t>
+            </a:r>
+            <a:endParaRPr lang="en-US" altLang="zh-TW" sz="4000" dirty="0"/>
+          </a:p>
+          <a:p>
+            <a:pPr marL="514350" indent="-514350">
+              <a:buAutoNum type="arabicPeriod"/>
+            </a:pPr>
+            <a:r>
+              <a:rPr lang="en-US" altLang="zh-TW" sz="4000" dirty="0"/>
+              <a:t>MySQL</a:t>
+            </a:r>
+          </a:p>
+          <a:p>
+            <a:pPr marL="514350" indent="-514350">
+              <a:buAutoNum type="arabicPeriod"/>
+            </a:pPr>
+            <a:r>
+              <a:rPr lang="en-US" altLang="zh-TW" sz="4000" dirty="0" err="1"/>
+              <a:t>OpenAPI</a:t>
+            </a:r>
+            <a:endParaRPr lang="en-US" altLang="zh-TW" sz="4000" dirty="0"/>
+          </a:p>
+          <a:p>
+            <a:pPr marL="514350" indent="-514350">
+              <a:buAutoNum type="arabicPeriod"/>
+            </a:pPr>
+            <a:r>
+              <a:rPr lang="en-US" altLang="zh-TW" sz="4000" dirty="0"/>
+              <a:t>AES</a:t>
+            </a:r>
+            <a:r>
+              <a:rPr lang="zh-TW" altLang="en-US" sz="4000" dirty="0"/>
+              <a:t>加密</a:t>
+            </a:r>
+            <a:endParaRPr lang="en-US" altLang="zh-TW" sz="4000" dirty="0"/>
+          </a:p>
+          <a:p>
+            <a:pPr marL="514350" indent="-514350">
+              <a:buAutoNum type="arabicPeriod"/>
+            </a:pPr>
+            <a:endParaRPr lang="zh-TW" altLang="en-US" dirty="0"/>
+          </a:p>
+        </p:txBody>
+      </p:sp>
+    </p:spTree>
+    <p:extLst>
+      <p:ext uri="{BB962C8B-B14F-4D97-AF65-F5344CB8AC3E}">
+        <p14:creationId xmlns:p14="http://schemas.microsoft.com/office/powerpoint/2010/main" val="2709538636"/>
+      </p:ext>
+    </p:extLst>
+  </p:cSld>
+  <p:clrMapOvr>
+    <a:masterClrMapping/>
+  </p:clrMapOvr>
+</p:sld>
+</file>
+
+<file path=ppt/slides/slide5.xml><?xml version="1.0" encoding="utf-8"?>
+<p:sld xmlns:a="http://schemas.openxmlformats.org/drawingml/2006/main" xmlns:r="http://schemas.openxmlformats.org/officeDocument/2006/relationships" xmlns:p="http://schemas.openxmlformats.org/presentationml/2006/main">
+  <p:cSld>
+    <p:spTree>
+      <p:nvGrpSpPr>
+        <p:cNvPr id="1" name=""/>
+        <p:cNvGrpSpPr/>
+        <p:nvPr/>
+      </p:nvGrpSpPr>
+      <p:grpSpPr>
+        <a:xfrm>
+          <a:off x="0" y="0"/>
+          <a:ext cx="0" cy="0"/>
+          <a:chOff x="0" y="0"/>
+          <a:chExt cx="0" cy="0"/>
+        </a:xfrm>
+      </p:grpSpPr>
+      <p:sp>
+        <p:nvSpPr>
+          <p:cNvPr id="2" name="標題 1">
+            <a:extLst>
+              <a:ext uri="{FF2B5EF4-FFF2-40B4-BE49-F238E27FC236}">
                 <a16:creationId xmlns:a16="http://schemas.microsoft.com/office/drawing/2014/main" id="{83CC6649-995B-4B44-ACA7-9703354EDC7D}"/>
               </a:ext>
             </a:extLst>
@@ -4302,75 +4580,6 @@
 </p:sld>
 </file>
 
-<file path=ppt/slides/slide5.xml><?xml version="1.0" encoding="utf-8"?>
-<p:sld xmlns:a="http://schemas.openxmlformats.org/drawingml/2006/main" xmlns:r="http://schemas.openxmlformats.org/officeDocument/2006/relationships" xmlns:p="http://schemas.openxmlformats.org/presentationml/2006/main">
-  <p:cSld>
-    <p:spTree>
-      <p:nvGrpSpPr>
-        <p:cNvPr id="1" name=""/>
-        <p:cNvGrpSpPr/>
-        <p:nvPr/>
-      </p:nvGrpSpPr>
-      <p:grpSpPr>
-        <a:xfrm>
-          <a:off x="0" y="0"/>
-          <a:ext cx="0" cy="0"/>
-          <a:chOff x="0" y="0"/>
-          <a:chExt cx="0" cy="0"/>
-        </a:xfrm>
-      </p:grpSpPr>
-      <p:sp>
-        <p:nvSpPr>
-          <p:cNvPr id="2" name="標題 1">
-            <a:extLst>
-              <a:ext uri="{FF2B5EF4-FFF2-40B4-BE49-F238E27FC236}">
-                <a16:creationId xmlns:a16="http://schemas.microsoft.com/office/drawing/2014/main" id="{A4DA2CE8-D3DF-47C8-90AF-0DDCC7757E0B}"/>
-              </a:ext>
-            </a:extLst>
-          </p:cNvPr>
-          <p:cNvSpPr>
-            <a:spLocks noGrp="1"/>
-          </p:cNvSpPr>
-          <p:nvPr>
-            <p:ph type="title"/>
-          </p:nvPr>
-        </p:nvSpPr>
-        <p:spPr>
-          <a:xfrm>
-            <a:off x="838200" y="2301145"/>
-            <a:ext cx="10515600" cy="1325563"/>
-          </a:xfrm>
-        </p:spPr>
-        <p:txBody>
-          <a:bodyPr/>
-          <a:lstStyle/>
-          <a:p>
-            <a:pPr algn="ctr"/>
-            <a:r>
-              <a:rPr lang="en-US" altLang="zh-TW" dirty="0"/>
-              <a:t> </a:t>
-            </a:r>
-            <a:r>
-              <a:rPr lang="en-US" altLang="zh-TW" sz="8000" b="1" dirty="0"/>
-              <a:t>backend workflow </a:t>
-            </a:r>
-            <a:endParaRPr lang="zh-TW" altLang="en-US" sz="8000" b="1" dirty="0"/>
-          </a:p>
-        </p:txBody>
-      </p:sp>
-    </p:spTree>
-    <p:extLst>
-      <p:ext uri="{BB962C8B-B14F-4D97-AF65-F5344CB8AC3E}">
-        <p14:creationId xmlns:p14="http://schemas.microsoft.com/office/powerpoint/2010/main" val="1974825197"/>
-      </p:ext>
-    </p:extLst>
-  </p:cSld>
-  <p:clrMapOvr>
-    <a:masterClrMapping/>
-  </p:clrMapOvr>
-</p:sld>
-</file>
-
 <file path=ppt/slides/slide6.xml><?xml version="1.0" encoding="utf-8"?>
 <p:sld xmlns:a="http://schemas.openxmlformats.org/drawingml/2006/main" xmlns:r="http://schemas.openxmlformats.org/officeDocument/2006/relationships" xmlns:p="http://schemas.openxmlformats.org/presentationml/2006/main">
   <p:cSld>
@@ -4388,45 +4597,49 @@
           <a:chExt cx="0" cy="0"/>
         </a:xfrm>
       </p:grpSpPr>
-      <p:pic>
-        <p:nvPicPr>
-          <p:cNvPr id="5" name="內容版面配置區 4">
-            <a:extLst>
-              <a:ext uri="{FF2B5EF4-FFF2-40B4-BE49-F238E27FC236}">
-                <a16:creationId xmlns:a16="http://schemas.microsoft.com/office/drawing/2014/main" id="{E218E064-9290-4B81-8155-9DD67EF299E4}"/>
-              </a:ext>
-            </a:extLst>
-          </p:cNvPr>
-          <p:cNvPicPr>
-            <a:picLocks noGrp="1" noChangeAspect="1"/>
-          </p:cNvPicPr>
-          <p:nvPr>
-            <p:ph idx="1"/>
-          </p:nvPr>
-        </p:nvPicPr>
-        <p:blipFill>
-          <a:blip r:embed="rId2">
-            <a:extLst>
-              <a:ext uri="{28A0092B-C50C-407E-A947-70E740481C1C}">
-                <a14:useLocalDpi xmlns:a14="http://schemas.microsoft.com/office/drawing/2010/main" val="0"/>
-              </a:ext>
-            </a:extLst>
-          </a:blip>
-          <a:stretch>
-            <a:fillRect/>
-          </a:stretch>
-        </p:blipFill>
+      <p:sp>
+        <p:nvSpPr>
+          <p:cNvPr id="2" name="標題 1">
+            <a:extLst>
+              <a:ext uri="{FF2B5EF4-FFF2-40B4-BE49-F238E27FC236}">
+                <a16:creationId xmlns:a16="http://schemas.microsoft.com/office/drawing/2014/main" id="{A4DA2CE8-D3DF-47C8-90AF-0DDCC7757E0B}"/>
+              </a:ext>
+            </a:extLst>
+          </p:cNvPr>
+          <p:cNvSpPr>
+            <a:spLocks noGrp="1"/>
+          </p:cNvSpPr>
+          <p:nvPr>
+            <p:ph type="title"/>
+          </p:nvPr>
+        </p:nvSpPr>
         <p:spPr>
           <a:xfrm>
-            <a:off x="1330296" y="748291"/>
-            <a:ext cx="9531408" cy="5361417"/>
+            <a:off x="838200" y="2301145"/>
+            <a:ext cx="10515600" cy="1325563"/>
           </a:xfrm>
         </p:spPr>
-      </p:pic>
+        <p:txBody>
+          <a:bodyPr/>
+          <a:lstStyle/>
+          <a:p>
+            <a:pPr algn="ctr"/>
+            <a:r>
+              <a:rPr lang="en-US" altLang="zh-TW" dirty="0"/>
+              <a:t> </a:t>
+            </a:r>
+            <a:r>
+              <a:rPr lang="en-US" altLang="zh-TW" sz="8000" b="1" dirty="0"/>
+              <a:t>backend workflow </a:t>
+            </a:r>
+            <a:endParaRPr lang="zh-TW" altLang="en-US" sz="8000" b="1" dirty="0"/>
+          </a:p>
+        </p:txBody>
+      </p:sp>
     </p:spTree>
     <p:extLst>
       <p:ext uri="{BB962C8B-B14F-4D97-AF65-F5344CB8AC3E}">
-        <p14:creationId xmlns:p14="http://schemas.microsoft.com/office/powerpoint/2010/main" val="1119738517"/>
+        <p14:creationId xmlns:p14="http://schemas.microsoft.com/office/powerpoint/2010/main" val="1974825197"/>
       </p:ext>
     </p:extLst>
   </p:cSld>
@@ -4458,7 +4671,7 @@
           <p:cNvPr id="5" name="內容版面配置區 4">
             <a:extLst>
               <a:ext uri="{FF2B5EF4-FFF2-40B4-BE49-F238E27FC236}">
-                <a16:creationId xmlns:a16="http://schemas.microsoft.com/office/drawing/2014/main" id="{7555E41B-F930-42AF-93E3-56FA261EA590}"/>
+                <a16:creationId xmlns:a16="http://schemas.microsoft.com/office/drawing/2014/main" id="{E218E064-9290-4B81-8155-9DD67EF299E4}"/>
               </a:ext>
             </a:extLst>
           </p:cNvPr>
@@ -4483,15 +4696,15 @@
         </p:blipFill>
         <p:spPr>
           <a:xfrm>
-            <a:off x="3246362" y="575297"/>
-            <a:ext cx="5699275" cy="5707406"/>
+            <a:off x="1330296" y="748291"/>
+            <a:ext cx="9531408" cy="5361417"/>
           </a:xfrm>
         </p:spPr>
       </p:pic>
     </p:spTree>
     <p:extLst>
       <p:ext uri="{BB962C8B-B14F-4D97-AF65-F5344CB8AC3E}">
-        <p14:creationId xmlns:p14="http://schemas.microsoft.com/office/powerpoint/2010/main" val="2281124813"/>
+        <p14:creationId xmlns:p14="http://schemas.microsoft.com/office/powerpoint/2010/main" val="1119738517"/>
       </p:ext>
     </p:extLst>
   </p:cSld>
@@ -4523,7 +4736,7 @@
           <p:cNvPr id="5" name="內容版面配置區 4">
             <a:extLst>
               <a:ext uri="{FF2B5EF4-FFF2-40B4-BE49-F238E27FC236}">
-                <a16:creationId xmlns:a16="http://schemas.microsoft.com/office/drawing/2014/main" id="{88175744-9C83-4B54-9F71-1EF72D6B31A4}"/>
+                <a16:creationId xmlns:a16="http://schemas.microsoft.com/office/drawing/2014/main" id="{7555E41B-F930-42AF-93E3-56FA261EA590}"/>
               </a:ext>
             </a:extLst>
           </p:cNvPr>
@@ -4548,15 +4761,15 @@
         </p:blipFill>
         <p:spPr>
           <a:xfrm>
-            <a:off x="1176523" y="661794"/>
-            <a:ext cx="9838953" cy="5534411"/>
+            <a:off x="3246362" y="575297"/>
+            <a:ext cx="5699275" cy="5707406"/>
           </a:xfrm>
         </p:spPr>
       </p:pic>
     </p:spTree>
     <p:extLst>
       <p:ext uri="{BB962C8B-B14F-4D97-AF65-F5344CB8AC3E}">
-        <p14:creationId xmlns:p14="http://schemas.microsoft.com/office/powerpoint/2010/main" val="2938067245"/>
+        <p14:creationId xmlns:p14="http://schemas.microsoft.com/office/powerpoint/2010/main" val="2281124813"/>
       </p:ext>
     </p:extLst>
   </p:cSld>
@@ -4588,7 +4801,7 @@
           <p:cNvPr id="5" name="內容版面配置區 4">
             <a:extLst>
               <a:ext uri="{FF2B5EF4-FFF2-40B4-BE49-F238E27FC236}">
-                <a16:creationId xmlns:a16="http://schemas.microsoft.com/office/drawing/2014/main" id="{961C831A-D469-4BB6-8541-69BEEB643298}"/>
+                <a16:creationId xmlns:a16="http://schemas.microsoft.com/office/drawing/2014/main" id="{88175744-9C83-4B54-9F71-1EF72D6B31A4}"/>
               </a:ext>
             </a:extLst>
           </p:cNvPr>
@@ -4613,15 +4826,15 @@
         </p:blipFill>
         <p:spPr>
           <a:xfrm>
-            <a:off x="818860" y="649437"/>
-            <a:ext cx="10554280" cy="5559125"/>
+            <a:off x="1176523" y="661794"/>
+            <a:ext cx="9838953" cy="5534411"/>
           </a:xfrm>
         </p:spPr>
       </p:pic>
     </p:spTree>
     <p:extLst>
       <p:ext uri="{BB962C8B-B14F-4D97-AF65-F5344CB8AC3E}">
-        <p14:creationId xmlns:p14="http://schemas.microsoft.com/office/powerpoint/2010/main" val="3998865729"/>
+        <p14:creationId xmlns:p14="http://schemas.microsoft.com/office/powerpoint/2010/main" val="2938067245"/>
       </p:ext>
     </p:extLst>
   </p:cSld>

--- a/簡報/高鐵專案簡報.pptx
+++ b/簡報/高鐵專案簡報.pptx
@@ -4382,7 +4382,7 @@
         <p:spPr/>
         <p:txBody>
           <a:bodyPr>
-            <a:normAutofit lnSpcReduction="10000"/>
+            <a:normAutofit/>
           </a:bodyPr>
           <a:lstStyle/>
           <a:p>
@@ -4411,16 +4411,6 @@
             <a:r>
               <a:rPr lang="en-US" altLang="zh-TW" sz="4000" dirty="0" err="1"/>
               <a:t>Jsp</a:t>
-            </a:r>
-            <a:endParaRPr lang="en-US" altLang="zh-TW" sz="4000" dirty="0"/>
-          </a:p>
-          <a:p>
-            <a:pPr marL="514350" indent="-514350">
-              <a:buAutoNum type="arabicPeriod"/>
-            </a:pPr>
-            <a:r>
-              <a:rPr lang="en-US" altLang="zh-TW" sz="4000" dirty="0" err="1"/>
-              <a:t>HttpServletResponse</a:t>
             </a:r>
             <a:endParaRPr lang="en-US" altLang="zh-TW" sz="4000" dirty="0"/>
           </a:p>

--- a/簡報/高鐵專案簡報.pptx
+++ b/簡報/高鐵專案簡報.pptx
@@ -23,7 +23,8 @@
     <p:sldId id="261" r:id="rId17"/>
     <p:sldId id="272" r:id="rId18"/>
     <p:sldId id="262" r:id="rId19"/>
-    <p:sldId id="266" r:id="rId20"/>
+    <p:sldId id="275" r:id="rId20"/>
+    <p:sldId id="266" r:id="rId21"/>
   </p:sldIdLst>
   <p:sldSz cx="12192000" cy="6858000"/>
   <p:notesSz cx="6858000" cy="9144000"/>
@@ -4065,36 +4066,74 @@
           <a:chExt cx="0" cy="0"/>
         </a:xfrm>
       </p:grpSpPr>
-      <p:sp>
-        <p:nvSpPr>
-          <p:cNvPr id="2" name="標題 1">
-            <a:extLst>
-              <a:ext uri="{FF2B5EF4-FFF2-40B4-BE49-F238E27FC236}">
-                <a16:creationId xmlns:a16="http://schemas.microsoft.com/office/drawing/2014/main" id="{30DDE62A-B7EC-4B78-8AB2-AE21540B03FE}"/>
-              </a:ext>
-            </a:extLst>
-          </p:cNvPr>
-          <p:cNvSpPr>
-            <a:spLocks noGrp="1"/>
-          </p:cNvSpPr>
-          <p:nvPr>
-            <p:ph type="title"/>
-          </p:nvPr>
-        </p:nvSpPr>
+      <p:pic>
+        <p:nvPicPr>
+          <p:cNvPr id="5" name="內容版面配置區 4">
+            <a:extLst>
+              <a:ext uri="{FF2B5EF4-FFF2-40B4-BE49-F238E27FC236}">
+                <a16:creationId xmlns:a16="http://schemas.microsoft.com/office/drawing/2014/main" id="{31C5F935-7997-467D-827A-1AE49349B950}"/>
+              </a:ext>
+            </a:extLst>
+          </p:cNvPr>
+          <p:cNvPicPr>
+            <a:picLocks noGrp="1" noChangeAspect="1"/>
+          </p:cNvPicPr>
+          <p:nvPr>
+            <p:ph idx="1"/>
+          </p:nvPr>
+        </p:nvPicPr>
+        <p:blipFill>
+          <a:blip r:embed="rId2">
+            <a:extLst>
+              <a:ext uri="{28A0092B-C50C-407E-A947-70E740481C1C}">
+                <a14:useLocalDpi xmlns:a14="http://schemas.microsoft.com/office/drawing/2010/main" val="0"/>
+              </a:ext>
+            </a:extLst>
+          </a:blip>
+          <a:stretch>
+            <a:fillRect/>
+          </a:stretch>
+        </p:blipFill>
         <p:spPr>
           <a:xfrm>
-            <a:off x="838200" y="2766218"/>
-            <a:ext cx="10515600" cy="1325563"/>
+            <a:off x="967831" y="544405"/>
+            <a:ext cx="10256338" cy="5769190"/>
           </a:xfrm>
         </p:spPr>
-        <p:txBody>
-          <a:bodyPr/>
-          <a:lstStyle/>
-          <a:p>
-            <a:pPr algn="ctr"/>
-            <a:r>
-              <a:rPr lang="en-US" altLang="zh-TW" dirty="0"/>
-              <a:t>The End</a:t>
+      </p:pic>
+      <p:sp>
+        <p:nvSpPr>
+          <p:cNvPr id="2" name="文字方塊 1">
+            <a:extLst>
+              <a:ext uri="{FF2B5EF4-FFF2-40B4-BE49-F238E27FC236}">
+                <a16:creationId xmlns:a16="http://schemas.microsoft.com/office/drawing/2014/main" id="{28B70DFC-0E09-47EA-B375-A7A2EEFC4F18}"/>
+              </a:ext>
+            </a:extLst>
+          </p:cNvPr>
+          <p:cNvSpPr txBox="1"/>
+          <p:nvPr/>
+        </p:nvSpPr>
+        <p:spPr>
+          <a:xfrm>
+            <a:off x="5597610" y="6128929"/>
+            <a:ext cx="996779" cy="369332"/>
+          </a:xfrm>
+          <a:prstGeom prst="rect">
+            <a:avLst/>
+          </a:prstGeom>
+          <a:noFill/>
+        </p:spPr>
+        <p:txBody>
+          <a:bodyPr wrap="square" rtlCol="0">
+            <a:spAutoFit/>
+          </a:bodyPr>
+          <a:lstStyle/>
+          <a:p>
+            <a:r>
+              <a:rPr lang="en-US" altLang="zh-TW" dirty="0">
+                <a:hlinkClick r:id="rId3"/>
+              </a:rPr>
+              <a:t>swagger</a:t>
             </a:r>
             <a:endParaRPr lang="zh-TW" altLang="en-US" dirty="0"/>
           </a:p>
@@ -4103,7 +4142,7 @@
     </p:spTree>
     <p:extLst>
       <p:ext uri="{BB962C8B-B14F-4D97-AF65-F5344CB8AC3E}">
-        <p14:creationId xmlns:p14="http://schemas.microsoft.com/office/powerpoint/2010/main" val="4167982009"/>
+        <p14:creationId xmlns:p14="http://schemas.microsoft.com/office/powerpoint/2010/main" val="941968686"/>
       </p:ext>
     </p:extLst>
   </p:cSld>
@@ -4169,6 +4208,71 @@
     <p:extLst>
       <p:ext uri="{BB962C8B-B14F-4D97-AF65-F5344CB8AC3E}">
         <p14:creationId xmlns:p14="http://schemas.microsoft.com/office/powerpoint/2010/main" val="244258764"/>
+      </p:ext>
+    </p:extLst>
+  </p:cSld>
+  <p:clrMapOvr>
+    <a:masterClrMapping/>
+  </p:clrMapOvr>
+</p:sld>
+</file>
+
+<file path=ppt/slides/slide20.xml><?xml version="1.0" encoding="utf-8"?>
+<p:sld xmlns:a="http://schemas.openxmlformats.org/drawingml/2006/main" xmlns:r="http://schemas.openxmlformats.org/officeDocument/2006/relationships" xmlns:p="http://schemas.openxmlformats.org/presentationml/2006/main">
+  <p:cSld>
+    <p:spTree>
+      <p:nvGrpSpPr>
+        <p:cNvPr id="1" name=""/>
+        <p:cNvGrpSpPr/>
+        <p:nvPr/>
+      </p:nvGrpSpPr>
+      <p:grpSpPr>
+        <a:xfrm>
+          <a:off x="0" y="0"/>
+          <a:ext cx="0" cy="0"/>
+          <a:chOff x="0" y="0"/>
+          <a:chExt cx="0" cy="0"/>
+        </a:xfrm>
+      </p:grpSpPr>
+      <p:sp>
+        <p:nvSpPr>
+          <p:cNvPr id="2" name="標題 1">
+            <a:extLst>
+              <a:ext uri="{FF2B5EF4-FFF2-40B4-BE49-F238E27FC236}">
+                <a16:creationId xmlns:a16="http://schemas.microsoft.com/office/drawing/2014/main" id="{30DDE62A-B7EC-4B78-8AB2-AE21540B03FE}"/>
+              </a:ext>
+            </a:extLst>
+          </p:cNvPr>
+          <p:cNvSpPr>
+            <a:spLocks noGrp="1"/>
+          </p:cNvSpPr>
+          <p:nvPr>
+            <p:ph type="title"/>
+          </p:nvPr>
+        </p:nvSpPr>
+        <p:spPr>
+          <a:xfrm>
+            <a:off x="838200" y="2766218"/>
+            <a:ext cx="10515600" cy="1325563"/>
+          </a:xfrm>
+        </p:spPr>
+        <p:txBody>
+          <a:bodyPr/>
+          <a:lstStyle/>
+          <a:p>
+            <a:pPr algn="ctr"/>
+            <a:r>
+              <a:rPr lang="en-US" altLang="zh-TW" dirty="0"/>
+              <a:t>The End</a:t>
+            </a:r>
+            <a:endParaRPr lang="zh-TW" altLang="en-US" dirty="0"/>
+          </a:p>
+        </p:txBody>
+      </p:sp>
+    </p:spTree>
+    <p:extLst>
+      <p:ext uri="{BB962C8B-B14F-4D97-AF65-F5344CB8AC3E}">
+        <p14:creationId xmlns:p14="http://schemas.microsoft.com/office/powerpoint/2010/main" val="4167982009"/>
       </p:ext>
     </p:extLst>
   </p:cSld>
@@ -4382,7 +4486,7 @@
         <p:spPr/>
         <p:txBody>
           <a:bodyPr>
-            <a:normAutofit/>
+            <a:normAutofit lnSpcReduction="10000"/>
           </a:bodyPr>
           <a:lstStyle/>
           <a:p>
@@ -4446,6 +4550,15 @@
               <a:t>加密</a:t>
             </a:r>
             <a:endParaRPr lang="en-US" altLang="zh-TW" sz="4000" dirty="0"/>
+          </a:p>
+          <a:p>
+            <a:pPr marL="514350" indent="-514350">
+              <a:buAutoNum type="arabicPeriod"/>
+            </a:pPr>
+            <a:r>
+              <a:rPr lang="en-US" altLang="zh-TW" sz="4000" dirty="0"/>
+              <a:t>Swagger</a:t>
+            </a:r>
           </a:p>
           <a:p>
             <a:pPr marL="514350" indent="-514350">

--- a/簡報/高鐵專案簡報.pptx
+++ b/簡報/高鐵專案簡報.pptx
@@ -2,7 +2,7 @@
 <file path=ppt/presentation.xml><?xml version="1.0" encoding="utf-8"?>
 <p:presentation xmlns:a="http://schemas.openxmlformats.org/drawingml/2006/main" xmlns:r="http://schemas.openxmlformats.org/officeDocument/2006/relationships" xmlns:p="http://schemas.openxmlformats.org/presentationml/2006/main" saveSubsetFonts="1">
   <p:sldMasterIdLst>
-    <p:sldMasterId id="2147483648" r:id="rId1"/>
+    <p:sldMasterId id="2147483660" r:id="rId1"/>
   </p:sldMasterIdLst>
   <p:sldIdLst>
     <p:sldId id="263" r:id="rId2"/>
@@ -24,15 +24,19 @@
     <p:sldId id="272" r:id="rId18"/>
     <p:sldId id="262" r:id="rId19"/>
     <p:sldId id="275" r:id="rId20"/>
-    <p:sldId id="266" r:id="rId21"/>
+    <p:sldId id="276" r:id="rId21"/>
+    <p:sldId id="277" r:id="rId22"/>
+    <p:sldId id="278" r:id="rId23"/>
+    <p:sldId id="279" r:id="rId24"/>
+    <p:sldId id="266" r:id="rId25"/>
   </p:sldIdLst>
   <p:sldSz cx="12192000" cy="6858000"/>
   <p:notesSz cx="6858000" cy="9144000"/>
   <p:defaultTextStyle>
     <a:defPPr>
-      <a:defRPr lang="zh-TW"/>
+      <a:defRPr lang="en-US"/>
     </a:defPPr>
-    <a:lvl1pPr marL="0" algn="l" defTabSz="914400" rtl="0" eaLnBrk="1" latinLnBrk="0" hangingPunct="1">
+    <a:lvl1pPr marL="0" algn="l" defTabSz="457200" rtl="0" eaLnBrk="1" latinLnBrk="0" hangingPunct="1">
       <a:defRPr sz="1800" kern="1200">
         <a:solidFill>
           <a:schemeClr val="tx1"/>
@@ -42,7 +46,7 @@
         <a:cs typeface="+mn-cs"/>
       </a:defRPr>
     </a:lvl1pPr>
-    <a:lvl2pPr marL="457200" algn="l" defTabSz="914400" rtl="0" eaLnBrk="1" latinLnBrk="0" hangingPunct="1">
+    <a:lvl2pPr marL="457200" algn="l" defTabSz="457200" rtl="0" eaLnBrk="1" latinLnBrk="0" hangingPunct="1">
       <a:defRPr sz="1800" kern="1200">
         <a:solidFill>
           <a:schemeClr val="tx1"/>
@@ -52,7 +56,7 @@
         <a:cs typeface="+mn-cs"/>
       </a:defRPr>
     </a:lvl2pPr>
-    <a:lvl3pPr marL="914400" algn="l" defTabSz="914400" rtl="0" eaLnBrk="1" latinLnBrk="0" hangingPunct="1">
+    <a:lvl3pPr marL="914400" algn="l" defTabSz="457200" rtl="0" eaLnBrk="1" latinLnBrk="0" hangingPunct="1">
       <a:defRPr sz="1800" kern="1200">
         <a:solidFill>
           <a:schemeClr val="tx1"/>
@@ -62,7 +66,7 @@
         <a:cs typeface="+mn-cs"/>
       </a:defRPr>
     </a:lvl3pPr>
-    <a:lvl4pPr marL="1371600" algn="l" defTabSz="914400" rtl="0" eaLnBrk="1" latinLnBrk="0" hangingPunct="1">
+    <a:lvl4pPr marL="1371600" algn="l" defTabSz="457200" rtl="0" eaLnBrk="1" latinLnBrk="0" hangingPunct="1">
       <a:defRPr sz="1800" kern="1200">
         <a:solidFill>
           <a:schemeClr val="tx1"/>
@@ -72,7 +76,7 @@
         <a:cs typeface="+mn-cs"/>
       </a:defRPr>
     </a:lvl4pPr>
-    <a:lvl5pPr marL="1828800" algn="l" defTabSz="914400" rtl="0" eaLnBrk="1" latinLnBrk="0" hangingPunct="1">
+    <a:lvl5pPr marL="1828800" algn="l" defTabSz="457200" rtl="0" eaLnBrk="1" latinLnBrk="0" hangingPunct="1">
       <a:defRPr sz="1800" kern="1200">
         <a:solidFill>
           <a:schemeClr val="tx1"/>
@@ -82,7 +86,7 @@
         <a:cs typeface="+mn-cs"/>
       </a:defRPr>
     </a:lvl5pPr>
-    <a:lvl6pPr marL="2286000" algn="l" defTabSz="914400" rtl="0" eaLnBrk="1" latinLnBrk="0" hangingPunct="1">
+    <a:lvl6pPr marL="2286000" algn="l" defTabSz="457200" rtl="0" eaLnBrk="1" latinLnBrk="0" hangingPunct="1">
       <a:defRPr sz="1800" kern="1200">
         <a:solidFill>
           <a:schemeClr val="tx1"/>
@@ -92,7 +96,7 @@
         <a:cs typeface="+mn-cs"/>
       </a:defRPr>
     </a:lvl6pPr>
-    <a:lvl7pPr marL="2743200" algn="l" defTabSz="914400" rtl="0" eaLnBrk="1" latinLnBrk="0" hangingPunct="1">
+    <a:lvl7pPr marL="2743200" algn="l" defTabSz="457200" rtl="0" eaLnBrk="1" latinLnBrk="0" hangingPunct="1">
       <a:defRPr sz="1800" kern="1200">
         <a:solidFill>
           <a:schemeClr val="tx1"/>
@@ -102,7 +106,7 @@
         <a:cs typeface="+mn-cs"/>
       </a:defRPr>
     </a:lvl7pPr>
-    <a:lvl8pPr marL="3200400" algn="l" defTabSz="914400" rtl="0" eaLnBrk="1" latinLnBrk="0" hangingPunct="1">
+    <a:lvl8pPr marL="3200400" algn="l" defTabSz="457200" rtl="0" eaLnBrk="1" latinLnBrk="0" hangingPunct="1">
       <a:defRPr sz="1800" kern="1200">
         <a:solidFill>
           <a:schemeClr val="tx1"/>
@@ -112,7 +116,7 @@
         <a:cs typeface="+mn-cs"/>
       </a:defRPr>
     </a:lvl8pPr>
-    <a:lvl9pPr marL="3657600" algn="l" defTabSz="914400" rtl="0" eaLnBrk="1" latinLnBrk="0" hangingPunct="1">
+    <a:lvl9pPr marL="3657600" algn="l" defTabSz="457200" rtl="0" eaLnBrk="1" latinLnBrk="0" hangingPunct="1">
       <a:defRPr sz="1800" kern="1200">
         <a:solidFill>
           <a:schemeClr val="tx1"/>
@@ -132,7 +136,7 @@
 </file>
 
 <file path=ppt/slideLayouts/slideLayout1.xml><?xml version="1.0" encoding="utf-8"?>
-<p:sldLayout xmlns:a="http://schemas.openxmlformats.org/drawingml/2006/main" xmlns:r="http://schemas.openxmlformats.org/officeDocument/2006/relationships" xmlns:p="http://schemas.openxmlformats.org/presentationml/2006/main" type="title" preserve="1">
+<p:sldLayout xmlns:a="http://schemas.openxmlformats.org/drawingml/2006/main" xmlns:r="http://schemas.openxmlformats.org/officeDocument/2006/relationships" xmlns:p="http://schemas.openxmlformats.org/presentationml/2006/main" showMasterSp="0" type="title" preserve="1">
   <p:cSld name="標題投影片">
     <p:spTree>
       <p:nvGrpSpPr>
@@ -150,13 +154,262 @@
       </p:grpSpPr>
       <p:sp>
         <p:nvSpPr>
-          <p:cNvPr id="2" name="標題 1">
-            <a:extLst>
-              <a:ext uri="{FF2B5EF4-FFF2-40B4-BE49-F238E27FC236}">
-                <a16:creationId xmlns:a16="http://schemas.microsoft.com/office/drawing/2014/main" id="{FD3618AB-8FFF-4B91-8790-02A362DCD128}"/>
-              </a:ext>
-            </a:extLst>
-          </p:cNvPr>
+          <p:cNvPr id="7" name="Rectangle 6"/>
+          <p:cNvSpPr/>
+          <p:nvPr/>
+        </p:nvSpPr>
+        <p:spPr>
+          <a:xfrm>
+            <a:off x="920834" y="1346946"/>
+            <a:ext cx="10222992" cy="80683"/>
+          </a:xfrm>
+          <a:prstGeom prst="rect">
+            <a:avLst/>
+          </a:prstGeom>
+          <a:blipFill dpi="0" rotWithShape="1">
+            <a:blip r:embed="rId2">
+              <a:alphaModFix amt="85000"/>
+              <a:lum bright="70000" contrast="-70000"/>
+              <a:extLst>
+                <a:ext uri="{BEBA8EAE-BF5A-486C-A8C5-ECC9F3942E4B}">
+                  <a14:imgProps xmlns:a14="http://schemas.microsoft.com/office/drawing/2010/main">
+                    <a14:imgLayer r:embed="rId3">
+                      <a14:imgEffect>
+                        <a14:sharpenSoften amount="61000"/>
+                      </a14:imgEffect>
+                    </a14:imgLayer>
+                  </a14:imgProps>
+                </a:ext>
+                <a:ext uri="{28A0092B-C50C-407E-A947-70E740481C1C}">
+                  <a14:useLocalDpi xmlns:a14="http://schemas.microsoft.com/office/drawing/2010/main" val="0"/>
+                </a:ext>
+              </a:extLst>
+            </a:blip>
+            <a:srcRect/>
+            <a:tile tx="0" ty="-762000" sx="92000" sy="89000" flip="xy" algn="ctr"/>
+          </a:blipFill>
+          <a:ln>
+            <a:noFill/>
+          </a:ln>
+        </p:spPr>
+        <p:style>
+          <a:lnRef idx="2">
+            <a:schemeClr val="accent1">
+              <a:shade val="50000"/>
+            </a:schemeClr>
+          </a:lnRef>
+          <a:fillRef idx="1">
+            <a:schemeClr val="accent1"/>
+          </a:fillRef>
+          <a:effectRef idx="0">
+            <a:schemeClr val="accent1"/>
+          </a:effectRef>
+          <a:fontRef idx="minor">
+            <a:schemeClr val="lt1"/>
+          </a:fontRef>
+        </p:style>
+      </p:sp>
+      <p:sp>
+        <p:nvSpPr>
+          <p:cNvPr id="8" name="Rectangle 7"/>
+          <p:cNvSpPr/>
+          <p:nvPr/>
+        </p:nvSpPr>
+        <p:spPr>
+          <a:xfrm>
+            <a:off x="920834" y="4299696"/>
+            <a:ext cx="10222992" cy="80683"/>
+          </a:xfrm>
+          <a:prstGeom prst="rect">
+            <a:avLst/>
+          </a:prstGeom>
+          <a:blipFill dpi="0" rotWithShape="1">
+            <a:blip r:embed="rId2">
+              <a:alphaModFix amt="85000"/>
+              <a:lum bright="70000" contrast="-70000"/>
+              <a:extLst>
+                <a:ext uri="{BEBA8EAE-BF5A-486C-A8C5-ECC9F3942E4B}">
+                  <a14:imgProps xmlns:a14="http://schemas.microsoft.com/office/drawing/2010/main">
+                    <a14:imgLayer r:embed="rId3">
+                      <a14:imgEffect>
+                        <a14:sharpenSoften amount="61000"/>
+                      </a14:imgEffect>
+                    </a14:imgLayer>
+                  </a14:imgProps>
+                </a:ext>
+                <a:ext uri="{28A0092B-C50C-407E-A947-70E740481C1C}">
+                  <a14:useLocalDpi xmlns:a14="http://schemas.microsoft.com/office/drawing/2010/main" val="0"/>
+                </a:ext>
+              </a:extLst>
+            </a:blip>
+            <a:srcRect/>
+            <a:tile tx="0" ty="-717550" sx="92000" sy="89000" flip="xy" algn="ctr"/>
+          </a:blipFill>
+          <a:ln>
+            <a:noFill/>
+          </a:ln>
+        </p:spPr>
+        <p:style>
+          <a:lnRef idx="2">
+            <a:schemeClr val="accent1">
+              <a:shade val="50000"/>
+            </a:schemeClr>
+          </a:lnRef>
+          <a:fillRef idx="1">
+            <a:schemeClr val="accent1"/>
+          </a:fillRef>
+          <a:effectRef idx="0">
+            <a:schemeClr val="accent1"/>
+          </a:effectRef>
+          <a:fontRef idx="minor">
+            <a:schemeClr val="lt1"/>
+          </a:fontRef>
+        </p:style>
+      </p:sp>
+      <p:sp>
+        <p:nvSpPr>
+          <p:cNvPr id="9" name="Rectangle 8"/>
+          <p:cNvSpPr/>
+          <p:nvPr/>
+        </p:nvSpPr>
+        <p:spPr>
+          <a:xfrm>
+            <a:off x="920834" y="1484779"/>
+            <a:ext cx="10222992" cy="2743200"/>
+          </a:xfrm>
+          <a:prstGeom prst="rect">
+            <a:avLst/>
+          </a:prstGeom>
+          <a:blipFill dpi="0" rotWithShape="1">
+            <a:blip r:embed="rId2">
+              <a:alphaModFix amt="85000"/>
+              <a:lum bright="70000" contrast="-70000"/>
+              <a:extLst>
+                <a:ext uri="{BEBA8EAE-BF5A-486C-A8C5-ECC9F3942E4B}">
+                  <a14:imgProps xmlns:a14="http://schemas.microsoft.com/office/drawing/2010/main">
+                    <a14:imgLayer r:embed="rId3">
+                      <a14:imgEffect>
+                        <a14:sharpenSoften amount="61000"/>
+                      </a14:imgEffect>
+                    </a14:imgLayer>
+                  </a14:imgProps>
+                </a:ext>
+                <a:ext uri="{28A0092B-C50C-407E-A947-70E740481C1C}">
+                  <a14:useLocalDpi xmlns:a14="http://schemas.microsoft.com/office/drawing/2010/main" val="0"/>
+                </a:ext>
+              </a:extLst>
+            </a:blip>
+            <a:srcRect/>
+            <a:tile tx="0" ty="-704850" sx="92000" sy="89000" flip="xy" algn="ctr"/>
+          </a:blipFill>
+          <a:ln>
+            <a:noFill/>
+          </a:ln>
+        </p:spPr>
+        <p:style>
+          <a:lnRef idx="2">
+            <a:schemeClr val="accent1">
+              <a:shade val="50000"/>
+            </a:schemeClr>
+          </a:lnRef>
+          <a:fillRef idx="1">
+            <a:schemeClr val="accent1"/>
+          </a:fillRef>
+          <a:effectRef idx="0">
+            <a:schemeClr val="accent1"/>
+          </a:effectRef>
+          <a:fontRef idx="minor">
+            <a:schemeClr val="lt1"/>
+          </a:fontRef>
+        </p:style>
+      </p:sp>
+      <p:grpSp>
+        <p:nvGrpSpPr>
+          <p:cNvPr id="10" name="Group 9"/>
+          <p:cNvGrpSpPr/>
+          <p:nvPr/>
+        </p:nvGrpSpPr>
+        <p:grpSpPr>
+          <a:xfrm>
+            <a:off x="9649215" y="4068923"/>
+            <a:ext cx="1080904" cy="1080902"/>
+            <a:chOff x="9685338" y="4460675"/>
+            <a:chExt cx="1080904" cy="1080902"/>
+          </a:xfrm>
+        </p:grpSpPr>
+        <p:sp>
+          <p:nvSpPr>
+            <p:cNvPr id="11" name="Oval 10"/>
+            <p:cNvSpPr/>
+            <p:nvPr/>
+          </p:nvSpPr>
+          <p:spPr>
+            <a:xfrm>
+              <a:off x="9685338" y="4460675"/>
+              <a:ext cx="1080904" cy="1080902"/>
+            </a:xfrm>
+            <a:prstGeom prst="ellipse">
+              <a:avLst/>
+            </a:prstGeom>
+            <a:blipFill dpi="0" rotWithShape="1">
+              <a:blip r:embed="rId4">
+                <a:duotone>
+                  <a:schemeClr val="accent1">
+                    <a:shade val="45000"/>
+                    <a:satMod val="135000"/>
+                  </a:schemeClr>
+                  <a:prstClr val="white"/>
+                </a:duotone>
+                <a:extLst>
+                  <a:ext uri="{BEBA8EAE-BF5A-486C-A8C5-ECC9F3942E4B}">
+                    <a14:imgProps xmlns:a14="http://schemas.microsoft.com/office/drawing/2010/main">
+                      <a14:imgLayer r:embed="rId5">
+                        <a14:imgEffect>
+                          <a14:saturation sat="95000"/>
+                        </a14:imgEffect>
+                      </a14:imgLayer>
+                    </a14:imgProps>
+                  </a:ext>
+                </a:extLst>
+              </a:blip>
+              <a:srcRect/>
+              <a:tile tx="0" ty="0" sx="85000" sy="85000" flip="none" algn="tl"/>
+            </a:blipFill>
+            <a:ln w="25400" cap="flat" cmpd="sng" algn="ctr">
+              <a:noFill/>
+              <a:prstDash val="solid"/>
+            </a:ln>
+            <a:effectLst/>
+          </p:spPr>
+        </p:sp>
+        <p:sp>
+          <p:nvSpPr>
+            <p:cNvPr id="12" name="Oval 11"/>
+            <p:cNvSpPr/>
+            <p:nvPr/>
+          </p:nvSpPr>
+          <p:spPr>
+            <a:xfrm>
+              <a:off x="9793429" y="4568765"/>
+              <a:ext cx="864723" cy="864722"/>
+            </a:xfrm>
+            <a:prstGeom prst="ellipse">
+              <a:avLst/>
+            </a:prstGeom>
+            <a:noFill/>
+            <a:ln w="25400" cap="flat" cmpd="sng" algn="ctr">
+              <a:solidFill>
+                <a:sysClr val="window" lastClr="FFFFFF"/>
+              </a:solidFill>
+              <a:prstDash val="solid"/>
+            </a:ln>
+            <a:effectLst/>
+          </p:spPr>
+        </p:sp>
+      </p:grpSp>
+      <p:sp>
+        <p:nvSpPr>
+          <p:cNvPr id="2" name="Title 1"/>
           <p:cNvSpPr>
             <a:spLocks noGrp="1"/>
           </p:cNvSpPr>
@@ -166,15 +419,26 @@
         </p:nvSpPr>
         <p:spPr>
           <a:xfrm>
-            <a:off x="1524000" y="1122363"/>
-            <a:ext cx="9144000" cy="2387600"/>
+            <a:off x="1051560" y="1432223"/>
+            <a:ext cx="9966960" cy="3035808"/>
           </a:xfrm>
         </p:spPr>
         <p:txBody>
-          <a:bodyPr anchor="b"/>
+          <a:bodyPr anchor="ctr">
+            <a:noAutofit/>
+          </a:bodyPr>
           <a:lstStyle>
-            <a:lvl1pPr algn="ctr">
-              <a:defRPr sz="6000"/>
+            <a:lvl1pPr algn="l">
+              <a:lnSpc>
+                <a:spcPct val="80000"/>
+              </a:lnSpc>
+              <a:defRPr sz="9600" cap="all" baseline="0">
+                <a:blipFill dpi="0" rotWithShape="1">
+                  <a:blip r:embed="rId4"/>
+                  <a:srcRect/>
+                  <a:tile tx="6350" ty="-127000" sx="65000" sy="64000" flip="none" algn="tl"/>
+                </a:blipFill>
+              </a:defRPr>
             </a:lvl1pPr>
           </a:lstStyle>
           <a:p>
@@ -182,18 +446,13 @@
               <a:rPr lang="zh-TW" altLang="en-US"/>
               <a:t>按一下以編輯母片標題樣式</a:t>
             </a:r>
-          </a:p>
-        </p:txBody>
-      </p:sp>
-      <p:sp>
-        <p:nvSpPr>
-          <p:cNvPr id="3" name="副標題 2">
-            <a:extLst>
-              <a:ext uri="{FF2B5EF4-FFF2-40B4-BE49-F238E27FC236}">
-                <a16:creationId xmlns:a16="http://schemas.microsoft.com/office/drawing/2014/main" id="{EC1A38C3-4418-405D-BECE-324E21C6C3D8}"/>
-              </a:ext>
-            </a:extLst>
-          </p:cNvPr>
+            <a:endParaRPr lang="en-US" dirty="0"/>
+          </a:p>
+        </p:txBody>
+      </p:sp>
+      <p:sp>
+        <p:nvSpPr>
+          <p:cNvPr id="3" name="Subtitle 2"/>
           <p:cNvSpPr>
             <a:spLocks noGrp="1"/>
           </p:cNvSpPr>
@@ -203,48 +462,54 @@
         </p:nvSpPr>
         <p:spPr>
           <a:xfrm>
-            <a:off x="1524000" y="3602038"/>
-            <a:ext cx="9144000" cy="1655762"/>
+            <a:off x="1069848" y="4389120"/>
+            <a:ext cx="7891272" cy="1069848"/>
           </a:xfrm>
         </p:spPr>
         <p:txBody>
-          <a:bodyPr/>
+          <a:bodyPr>
+            <a:normAutofit/>
+          </a:bodyPr>
           <a:lstStyle>
-            <a:lvl1pPr marL="0" indent="0" algn="ctr">
+            <a:lvl1pPr marL="0" indent="0" algn="l">
               <a:buNone/>
-              <a:defRPr sz="2400"/>
+              <a:defRPr sz="2200">
+                <a:solidFill>
+                  <a:schemeClr val="tx1"/>
+                </a:solidFill>
+              </a:defRPr>
             </a:lvl1pPr>
             <a:lvl2pPr marL="457200" indent="0" algn="ctr">
               <a:buNone/>
-              <a:defRPr sz="2000"/>
+              <a:defRPr sz="2200"/>
             </a:lvl2pPr>
             <a:lvl3pPr marL="914400" indent="0" algn="ctr">
               <a:buNone/>
-              <a:defRPr sz="1800"/>
+              <a:defRPr sz="2200"/>
             </a:lvl3pPr>
             <a:lvl4pPr marL="1371600" indent="0" algn="ctr">
               <a:buNone/>
-              <a:defRPr sz="1600"/>
+              <a:defRPr sz="2000"/>
             </a:lvl4pPr>
             <a:lvl5pPr marL="1828800" indent="0" algn="ctr">
               <a:buNone/>
-              <a:defRPr sz="1600"/>
+              <a:defRPr sz="2000"/>
             </a:lvl5pPr>
             <a:lvl6pPr marL="2286000" indent="0" algn="ctr">
               <a:buNone/>
-              <a:defRPr sz="1600"/>
+              <a:defRPr sz="2000"/>
             </a:lvl6pPr>
             <a:lvl7pPr marL="2743200" indent="0" algn="ctr">
               <a:buNone/>
-              <a:defRPr sz="1600"/>
+              <a:defRPr sz="2000"/>
             </a:lvl7pPr>
             <a:lvl8pPr marL="3200400" indent="0" algn="ctr">
               <a:buNone/>
-              <a:defRPr sz="1600"/>
+              <a:defRPr sz="2000"/>
             </a:lvl8pPr>
             <a:lvl9pPr marL="3657600" indent="0" algn="ctr">
               <a:buNone/>
-              <a:defRPr sz="1600"/>
+              <a:defRPr sz="2000"/>
             </a:lvl9pPr>
           </a:lstStyle>
           <a:p>
@@ -252,18 +517,13 @@
               <a:rPr lang="zh-TW" altLang="en-US"/>
               <a:t>按一下以編輯母片子標題樣式</a:t>
             </a:r>
-          </a:p>
-        </p:txBody>
-      </p:sp>
-      <p:sp>
-        <p:nvSpPr>
-          <p:cNvPr id="4" name="日期版面配置區 3">
-            <a:extLst>
-              <a:ext uri="{FF2B5EF4-FFF2-40B4-BE49-F238E27FC236}">
-                <a16:creationId xmlns:a16="http://schemas.microsoft.com/office/drawing/2014/main" id="{7F113A92-494B-4FFA-9655-39E9D90683B0}"/>
-              </a:ext>
-            </a:extLst>
-          </p:cNvPr>
+            <a:endParaRPr lang="en-US" dirty="0"/>
+          </a:p>
+        </p:txBody>
+      </p:sp>
+      <p:sp>
+        <p:nvSpPr>
+          <p:cNvPr id="4" name="Date Placeholder 3"/>
           <p:cNvSpPr>
             <a:spLocks noGrp="1"/>
           </p:cNvSpPr>
@@ -278,7 +538,7 @@
           <a:p>
             <a:fld id="{22C6A78A-30B0-4E89-A598-CD8E7107BD21}" type="datetimeFigureOut">
               <a:rPr lang="zh-TW" altLang="en-US" smtClean="0"/>
-              <a:t>2024/1/19</a:t>
+              <a:t>2024/1/22</a:t>
             </a:fld>
             <a:endParaRPr lang="zh-TW" altLang="en-US"/>
           </a:p>
@@ -286,13 +546,7 @@
       </p:sp>
       <p:sp>
         <p:nvSpPr>
-          <p:cNvPr id="5" name="頁尾版面配置區 4">
-            <a:extLst>
-              <a:ext uri="{FF2B5EF4-FFF2-40B4-BE49-F238E27FC236}">
-                <a16:creationId xmlns:a16="http://schemas.microsoft.com/office/drawing/2014/main" id="{48CE06FD-BF44-4D7A-B2D2-BFB1EBC96918}"/>
-              </a:ext>
-            </a:extLst>
-          </p:cNvPr>
+          <p:cNvPr id="5" name="Footer Placeholder 4"/>
           <p:cNvSpPr>
             <a:spLocks noGrp="1"/>
           </p:cNvSpPr>
@@ -311,13 +565,7 @@
       </p:sp>
       <p:sp>
         <p:nvSpPr>
-          <p:cNvPr id="6" name="投影片編號版面配置區 5">
-            <a:extLst>
-              <a:ext uri="{FF2B5EF4-FFF2-40B4-BE49-F238E27FC236}">
-                <a16:creationId xmlns:a16="http://schemas.microsoft.com/office/drawing/2014/main" id="{CE9772C2-F058-47FD-ACBA-65C3FB5EB157}"/>
-              </a:ext>
-            </a:extLst>
-          </p:cNvPr>
+          <p:cNvPr id="6" name="Slide Number Placeholder 5"/>
           <p:cNvSpPr>
             <a:spLocks noGrp="1"/>
           </p:cNvSpPr>
@@ -325,10 +573,19 @@
             <p:ph type="sldNum" sz="quarter" idx="12"/>
           </p:nvPr>
         </p:nvSpPr>
-        <p:spPr/>
+        <p:spPr>
+          <a:xfrm>
+            <a:off x="9592733" y="4289334"/>
+            <a:ext cx="1193868" cy="640080"/>
+          </a:xfrm>
+        </p:spPr>
         <p:txBody>
           <a:bodyPr/>
-          <a:lstStyle/>
+          <a:lstStyle>
+            <a:lvl1pPr>
+              <a:defRPr sz="2800"/>
+            </a:lvl1pPr>
+          </a:lstStyle>
           <a:p>
             <a:fld id="{EE4098FA-1D65-4098-B592-CCD3A9A577E4}" type="slidenum">
               <a:rPr lang="zh-TW" altLang="en-US" smtClean="0"/>
@@ -341,7 +598,7 @@
     </p:spTree>
     <p:extLst>
       <p:ext uri="{BB962C8B-B14F-4D97-AF65-F5344CB8AC3E}">
-        <p14:creationId xmlns:p14="http://schemas.microsoft.com/office/powerpoint/2010/main" val="1591447425"/>
+        <p14:creationId xmlns:p14="http://schemas.microsoft.com/office/powerpoint/2010/main" val="2300752034"/>
       </p:ext>
     </p:extLst>
   </p:cSld>
@@ -370,13 +627,7 @@
       </p:grpSpPr>
       <p:sp>
         <p:nvSpPr>
-          <p:cNvPr id="2" name="標題 1">
-            <a:extLst>
-              <a:ext uri="{FF2B5EF4-FFF2-40B4-BE49-F238E27FC236}">
-                <a16:creationId xmlns:a16="http://schemas.microsoft.com/office/drawing/2014/main" id="{745117A2-F8E0-4495-82F4-C303AD005B3F}"/>
-              </a:ext>
-            </a:extLst>
-          </p:cNvPr>
+          <p:cNvPr id="2" name="Title 1"/>
           <p:cNvSpPr>
             <a:spLocks noGrp="1"/>
           </p:cNvSpPr>
@@ -393,18 +644,13 @@
               <a:rPr lang="zh-TW" altLang="en-US"/>
               <a:t>按一下以編輯母片標題樣式</a:t>
             </a:r>
-          </a:p>
-        </p:txBody>
-      </p:sp>
-      <p:sp>
-        <p:nvSpPr>
-          <p:cNvPr id="3" name="直排文字版面配置區 2">
-            <a:extLst>
-              <a:ext uri="{FF2B5EF4-FFF2-40B4-BE49-F238E27FC236}">
-                <a16:creationId xmlns:a16="http://schemas.microsoft.com/office/drawing/2014/main" id="{3A0F310A-90AF-46A8-835A-8D6BF57B9EF7}"/>
-              </a:ext>
-            </a:extLst>
-          </p:cNvPr>
+            <a:endParaRPr lang="en-US" dirty="0"/>
+          </a:p>
+        </p:txBody>
+      </p:sp>
+      <p:sp>
+        <p:nvSpPr>
+          <p:cNvPr id="3" name="Vertical Text Placeholder 2"/>
           <p:cNvSpPr>
             <a:spLocks noGrp="1"/>
           </p:cNvSpPr>
@@ -450,18 +696,13 @@
               <a:rPr lang="zh-TW" altLang="en-US"/>
               <a:t>第五層</a:t>
             </a:r>
-          </a:p>
-        </p:txBody>
-      </p:sp>
-      <p:sp>
-        <p:nvSpPr>
-          <p:cNvPr id="4" name="日期版面配置區 3">
-            <a:extLst>
-              <a:ext uri="{FF2B5EF4-FFF2-40B4-BE49-F238E27FC236}">
-                <a16:creationId xmlns:a16="http://schemas.microsoft.com/office/drawing/2014/main" id="{54722878-5919-439B-B9DD-EB5F57A3FC9C}"/>
-              </a:ext>
-            </a:extLst>
-          </p:cNvPr>
+            <a:endParaRPr lang="en-US" dirty="0"/>
+          </a:p>
+        </p:txBody>
+      </p:sp>
+      <p:sp>
+        <p:nvSpPr>
+          <p:cNvPr id="4" name="Date Placeholder 3"/>
           <p:cNvSpPr>
             <a:spLocks noGrp="1"/>
           </p:cNvSpPr>
@@ -476,7 +717,7 @@
           <a:p>
             <a:fld id="{22C6A78A-30B0-4E89-A598-CD8E7107BD21}" type="datetimeFigureOut">
               <a:rPr lang="zh-TW" altLang="en-US" smtClean="0"/>
-              <a:t>2024/1/19</a:t>
+              <a:t>2024/1/22</a:t>
             </a:fld>
             <a:endParaRPr lang="zh-TW" altLang="en-US"/>
           </a:p>
@@ -484,13 +725,7 @@
       </p:sp>
       <p:sp>
         <p:nvSpPr>
-          <p:cNvPr id="5" name="頁尾版面配置區 4">
-            <a:extLst>
-              <a:ext uri="{FF2B5EF4-FFF2-40B4-BE49-F238E27FC236}">
-                <a16:creationId xmlns:a16="http://schemas.microsoft.com/office/drawing/2014/main" id="{B21EB9A0-C6BC-4A23-BEF8-FCA5860D5FC6}"/>
-              </a:ext>
-            </a:extLst>
-          </p:cNvPr>
+          <p:cNvPr id="5" name="Footer Placeholder 4"/>
           <p:cNvSpPr>
             <a:spLocks noGrp="1"/>
           </p:cNvSpPr>
@@ -509,13 +744,7 @@
       </p:sp>
       <p:sp>
         <p:nvSpPr>
-          <p:cNvPr id="6" name="投影片編號版面配置區 5">
-            <a:extLst>
-              <a:ext uri="{FF2B5EF4-FFF2-40B4-BE49-F238E27FC236}">
-                <a16:creationId xmlns:a16="http://schemas.microsoft.com/office/drawing/2014/main" id="{CBB4E2EA-4874-4992-A449-CDB7EB8E13AC}"/>
-              </a:ext>
-            </a:extLst>
-          </p:cNvPr>
+          <p:cNvPr id="6" name="Slide Number Placeholder 5"/>
           <p:cNvSpPr>
             <a:spLocks noGrp="1"/>
           </p:cNvSpPr>
@@ -539,7 +768,7 @@
     </p:spTree>
     <p:extLst>
       <p:ext uri="{BB962C8B-B14F-4D97-AF65-F5344CB8AC3E}">
-        <p14:creationId xmlns:p14="http://schemas.microsoft.com/office/powerpoint/2010/main" val="3028606957"/>
+        <p14:creationId xmlns:p14="http://schemas.microsoft.com/office/powerpoint/2010/main" val="2199020078"/>
       </p:ext>
     </p:extLst>
   </p:cSld>
@@ -568,13 +797,7 @@
       </p:grpSpPr>
       <p:sp>
         <p:nvSpPr>
-          <p:cNvPr id="2" name="直排標題 1">
-            <a:extLst>
-              <a:ext uri="{FF2B5EF4-FFF2-40B4-BE49-F238E27FC236}">
-                <a16:creationId xmlns:a16="http://schemas.microsoft.com/office/drawing/2014/main" id="{1A867B32-3F12-4593-8FD7-DE1C1A63D2C5}"/>
-              </a:ext>
-            </a:extLst>
-          </p:cNvPr>
+          <p:cNvPr id="2" name="Vertical Title 1"/>
           <p:cNvSpPr>
             <a:spLocks noGrp="1"/>
           </p:cNvSpPr>
@@ -584,8 +807,8 @@
         </p:nvSpPr>
         <p:spPr>
           <a:xfrm>
-            <a:off x="8724900" y="365125"/>
-            <a:ext cx="2628900" cy="5811838"/>
+            <a:off x="8724900" y="533400"/>
+            <a:ext cx="2552700" cy="5638800"/>
           </a:xfrm>
         </p:spPr>
         <p:txBody>
@@ -596,18 +819,13 @@
               <a:rPr lang="zh-TW" altLang="en-US"/>
               <a:t>按一下以編輯母片標題樣式</a:t>
             </a:r>
-          </a:p>
-        </p:txBody>
-      </p:sp>
-      <p:sp>
-        <p:nvSpPr>
-          <p:cNvPr id="3" name="直排文字版面配置區 2">
-            <a:extLst>
-              <a:ext uri="{FF2B5EF4-FFF2-40B4-BE49-F238E27FC236}">
-                <a16:creationId xmlns:a16="http://schemas.microsoft.com/office/drawing/2014/main" id="{BAEABECB-120E-479D-AD10-1FECA7C21698}"/>
-              </a:ext>
-            </a:extLst>
-          </p:cNvPr>
+            <a:endParaRPr lang="en-US" dirty="0"/>
+          </a:p>
+        </p:txBody>
+      </p:sp>
+      <p:sp>
+        <p:nvSpPr>
+          <p:cNvPr id="3" name="Vertical Text Placeholder 2"/>
           <p:cNvSpPr>
             <a:spLocks noGrp="1"/>
           </p:cNvSpPr>
@@ -617,8 +835,8 @@
         </p:nvSpPr>
         <p:spPr>
           <a:xfrm>
-            <a:off x="838200" y="365125"/>
-            <a:ext cx="7734300" cy="5811838"/>
+            <a:off x="1066800" y="533400"/>
+            <a:ext cx="7505700" cy="5638800"/>
           </a:xfrm>
         </p:spPr>
         <p:txBody>
@@ -658,18 +876,13 @@
               <a:rPr lang="zh-TW" altLang="en-US"/>
               <a:t>第五層</a:t>
             </a:r>
-          </a:p>
-        </p:txBody>
-      </p:sp>
-      <p:sp>
-        <p:nvSpPr>
-          <p:cNvPr id="4" name="日期版面配置區 3">
-            <a:extLst>
-              <a:ext uri="{FF2B5EF4-FFF2-40B4-BE49-F238E27FC236}">
-                <a16:creationId xmlns:a16="http://schemas.microsoft.com/office/drawing/2014/main" id="{C0FA3010-D3E3-4095-AC7A-C3D038844480}"/>
-              </a:ext>
-            </a:extLst>
-          </p:cNvPr>
+            <a:endParaRPr lang="en-US" dirty="0"/>
+          </a:p>
+        </p:txBody>
+      </p:sp>
+      <p:sp>
+        <p:nvSpPr>
+          <p:cNvPr id="4" name="Date Placeholder 3"/>
           <p:cNvSpPr>
             <a:spLocks noGrp="1"/>
           </p:cNvSpPr>
@@ -684,7 +897,7 @@
           <a:p>
             <a:fld id="{22C6A78A-30B0-4E89-A598-CD8E7107BD21}" type="datetimeFigureOut">
               <a:rPr lang="zh-TW" altLang="en-US" smtClean="0"/>
-              <a:t>2024/1/19</a:t>
+              <a:t>2024/1/22</a:t>
             </a:fld>
             <a:endParaRPr lang="zh-TW" altLang="en-US"/>
           </a:p>
@@ -692,13 +905,7 @@
       </p:sp>
       <p:sp>
         <p:nvSpPr>
-          <p:cNvPr id="5" name="頁尾版面配置區 4">
-            <a:extLst>
-              <a:ext uri="{FF2B5EF4-FFF2-40B4-BE49-F238E27FC236}">
-                <a16:creationId xmlns:a16="http://schemas.microsoft.com/office/drawing/2014/main" id="{11D5CCBC-504D-4E88-9C5E-6A746923DC94}"/>
-              </a:ext>
-            </a:extLst>
-          </p:cNvPr>
+          <p:cNvPr id="5" name="Footer Placeholder 4"/>
           <p:cNvSpPr>
             <a:spLocks noGrp="1"/>
           </p:cNvSpPr>
@@ -717,13 +924,7 @@
       </p:sp>
       <p:sp>
         <p:nvSpPr>
-          <p:cNvPr id="6" name="投影片編號版面配置區 5">
-            <a:extLst>
-              <a:ext uri="{FF2B5EF4-FFF2-40B4-BE49-F238E27FC236}">
-                <a16:creationId xmlns:a16="http://schemas.microsoft.com/office/drawing/2014/main" id="{E4305CD1-7DF3-49FF-AF5A-F2F92D92B7FD}"/>
-              </a:ext>
-            </a:extLst>
-          </p:cNvPr>
+          <p:cNvPr id="6" name="Slide Number Placeholder 5"/>
           <p:cNvSpPr>
             <a:spLocks noGrp="1"/>
           </p:cNvSpPr>
@@ -747,7 +948,7 @@
     </p:spTree>
     <p:extLst>
       <p:ext uri="{BB962C8B-B14F-4D97-AF65-F5344CB8AC3E}">
-        <p14:creationId xmlns:p14="http://schemas.microsoft.com/office/powerpoint/2010/main" val="1200772016"/>
+        <p14:creationId xmlns:p14="http://schemas.microsoft.com/office/powerpoint/2010/main" val="1240914339"/>
       </p:ext>
     </p:extLst>
   </p:cSld>
@@ -776,13 +977,7 @@
       </p:grpSpPr>
       <p:sp>
         <p:nvSpPr>
-          <p:cNvPr id="2" name="標題 1">
-            <a:extLst>
-              <a:ext uri="{FF2B5EF4-FFF2-40B4-BE49-F238E27FC236}">
-                <a16:creationId xmlns:a16="http://schemas.microsoft.com/office/drawing/2014/main" id="{CBAE7B3A-5F16-403C-AE4A-DC9F8DCEAC56}"/>
-              </a:ext>
-            </a:extLst>
-          </p:cNvPr>
+          <p:cNvPr id="2" name="Title 1"/>
           <p:cNvSpPr>
             <a:spLocks noGrp="1"/>
           </p:cNvSpPr>
@@ -799,18 +994,13 @@
               <a:rPr lang="zh-TW" altLang="en-US"/>
               <a:t>按一下以編輯母片標題樣式</a:t>
             </a:r>
-          </a:p>
-        </p:txBody>
-      </p:sp>
-      <p:sp>
-        <p:nvSpPr>
-          <p:cNvPr id="3" name="內容版面配置區 2">
-            <a:extLst>
-              <a:ext uri="{FF2B5EF4-FFF2-40B4-BE49-F238E27FC236}">
-                <a16:creationId xmlns:a16="http://schemas.microsoft.com/office/drawing/2014/main" id="{7A653562-529A-449F-80AE-C9572CB389CB}"/>
-              </a:ext>
-            </a:extLst>
-          </p:cNvPr>
+            <a:endParaRPr lang="en-US" dirty="0"/>
+          </a:p>
+        </p:txBody>
+      </p:sp>
+      <p:sp>
+        <p:nvSpPr>
+          <p:cNvPr id="3" name="Content Placeholder 2"/>
           <p:cNvSpPr>
             <a:spLocks noGrp="1"/>
           </p:cNvSpPr>
@@ -856,18 +1046,13 @@
               <a:rPr lang="zh-TW" altLang="en-US"/>
               <a:t>第五層</a:t>
             </a:r>
-          </a:p>
-        </p:txBody>
-      </p:sp>
-      <p:sp>
-        <p:nvSpPr>
-          <p:cNvPr id="4" name="日期版面配置區 3">
-            <a:extLst>
-              <a:ext uri="{FF2B5EF4-FFF2-40B4-BE49-F238E27FC236}">
-                <a16:creationId xmlns:a16="http://schemas.microsoft.com/office/drawing/2014/main" id="{AA85D195-BF98-4D54-B7C6-1CC9C224EB5F}"/>
-              </a:ext>
-            </a:extLst>
-          </p:cNvPr>
+            <a:endParaRPr lang="en-US" dirty="0"/>
+          </a:p>
+        </p:txBody>
+      </p:sp>
+      <p:sp>
+        <p:nvSpPr>
+          <p:cNvPr id="4" name="Date Placeholder 3"/>
           <p:cNvSpPr>
             <a:spLocks noGrp="1"/>
           </p:cNvSpPr>
@@ -882,7 +1067,7 @@
           <a:p>
             <a:fld id="{22C6A78A-30B0-4E89-A598-CD8E7107BD21}" type="datetimeFigureOut">
               <a:rPr lang="zh-TW" altLang="en-US" smtClean="0"/>
-              <a:t>2024/1/19</a:t>
+              <a:t>2024/1/22</a:t>
             </a:fld>
             <a:endParaRPr lang="zh-TW" altLang="en-US"/>
           </a:p>
@@ -890,13 +1075,7 @@
       </p:sp>
       <p:sp>
         <p:nvSpPr>
-          <p:cNvPr id="5" name="頁尾版面配置區 4">
-            <a:extLst>
-              <a:ext uri="{FF2B5EF4-FFF2-40B4-BE49-F238E27FC236}">
-                <a16:creationId xmlns:a16="http://schemas.microsoft.com/office/drawing/2014/main" id="{46B42EEE-5E9D-4196-BE6A-BEC3A9731E04}"/>
-              </a:ext>
-            </a:extLst>
-          </p:cNvPr>
+          <p:cNvPr id="5" name="Footer Placeholder 4"/>
           <p:cNvSpPr>
             <a:spLocks noGrp="1"/>
           </p:cNvSpPr>
@@ -915,13 +1094,7 @@
       </p:sp>
       <p:sp>
         <p:nvSpPr>
-          <p:cNvPr id="6" name="投影片編號版面配置區 5">
-            <a:extLst>
-              <a:ext uri="{FF2B5EF4-FFF2-40B4-BE49-F238E27FC236}">
-                <a16:creationId xmlns:a16="http://schemas.microsoft.com/office/drawing/2014/main" id="{8C915A4D-7EFB-43C3-B99D-62F0BB704EC6}"/>
-              </a:ext>
-            </a:extLst>
-          </p:cNvPr>
+          <p:cNvPr id="6" name="Slide Number Placeholder 5"/>
           <p:cNvSpPr>
             <a:spLocks noGrp="1"/>
           </p:cNvSpPr>
@@ -945,7 +1118,7 @@
     </p:spTree>
     <p:extLst>
       <p:ext uri="{BB962C8B-B14F-4D97-AF65-F5344CB8AC3E}">
-        <p14:creationId xmlns:p14="http://schemas.microsoft.com/office/powerpoint/2010/main" val="2269061489"/>
+        <p14:creationId xmlns:p14="http://schemas.microsoft.com/office/powerpoint/2010/main" val="1246222559"/>
       </p:ext>
     </p:extLst>
   </p:cSld>
@@ -956,7 +1129,7 @@
 </file>
 
 <file path=ppt/slideLayouts/slideLayout3.xml><?xml version="1.0" encoding="utf-8"?>
-<p:sldLayout xmlns:a="http://schemas.openxmlformats.org/drawingml/2006/main" xmlns:r="http://schemas.openxmlformats.org/officeDocument/2006/relationships" xmlns:p="http://schemas.openxmlformats.org/presentationml/2006/main" type="secHead" preserve="1">
+<p:sldLayout xmlns:a="http://schemas.openxmlformats.org/drawingml/2006/main" xmlns:r="http://schemas.openxmlformats.org/officeDocument/2006/relationships" xmlns:p="http://schemas.openxmlformats.org/presentationml/2006/main" showMasterSp="0" type="secHead" preserve="1">
   <p:cSld name="章節標題">
     <p:spTree>
       <p:nvGrpSpPr>
@@ -974,13 +1147,64 @@
       </p:grpSpPr>
       <p:sp>
         <p:nvSpPr>
-          <p:cNvPr id="2" name="標題 1">
-            <a:extLst>
-              <a:ext uri="{FF2B5EF4-FFF2-40B4-BE49-F238E27FC236}">
-                <a16:creationId xmlns:a16="http://schemas.microsoft.com/office/drawing/2014/main" id="{26182CAF-8FE7-4BB5-8EC0-3421212249DF}"/>
-              </a:ext>
-            </a:extLst>
-          </p:cNvPr>
+          <p:cNvPr id="7" name="Rectangle 6"/>
+          <p:cNvSpPr/>
+          <p:nvPr/>
+        </p:nvSpPr>
+        <p:spPr>
+          <a:xfrm>
+            <a:off x="0" y="4917989"/>
+            <a:ext cx="12192000" cy="1940010"/>
+          </a:xfrm>
+          <a:prstGeom prst="rect">
+            <a:avLst/>
+          </a:prstGeom>
+          <a:blipFill dpi="0" rotWithShape="1">
+            <a:blip r:embed="rId2">
+              <a:alphaModFix amt="85000"/>
+              <a:lum bright="70000" contrast="-70000"/>
+              <a:extLst>
+                <a:ext uri="{BEBA8EAE-BF5A-486C-A8C5-ECC9F3942E4B}">
+                  <a14:imgProps xmlns:a14="http://schemas.microsoft.com/office/drawing/2010/main">
+                    <a14:imgLayer r:embed="rId3">
+                      <a14:imgEffect>
+                        <a14:sharpenSoften amount="61000"/>
+                      </a14:imgEffect>
+                    </a14:imgLayer>
+                  </a14:imgProps>
+                </a:ext>
+                <a:ext uri="{28A0092B-C50C-407E-A947-70E740481C1C}">
+                  <a14:useLocalDpi xmlns:a14="http://schemas.microsoft.com/office/drawing/2010/main" val="0"/>
+                </a:ext>
+              </a:extLst>
+            </a:blip>
+            <a:srcRect/>
+            <a:tile tx="0" ty="-704850" sx="92000" sy="89000" flip="xy" algn="ctr"/>
+          </a:blipFill>
+          <a:ln>
+            <a:noFill/>
+          </a:ln>
+        </p:spPr>
+        <p:style>
+          <a:lnRef idx="2">
+            <a:schemeClr val="accent1">
+              <a:shade val="50000"/>
+            </a:schemeClr>
+          </a:lnRef>
+          <a:fillRef idx="1">
+            <a:schemeClr val="accent1"/>
+          </a:fillRef>
+          <a:effectRef idx="0">
+            <a:schemeClr val="accent1"/>
+          </a:effectRef>
+          <a:fontRef idx="minor">
+            <a:schemeClr val="lt1"/>
+          </a:fontRef>
+        </p:style>
+      </p:sp>
+      <p:sp>
+        <p:nvSpPr>
+          <p:cNvPr id="2" name="Title 1"/>
           <p:cNvSpPr>
             <a:spLocks noGrp="1"/>
           </p:cNvSpPr>
@@ -990,15 +1214,20 @@
         </p:nvSpPr>
         <p:spPr>
           <a:xfrm>
-            <a:off x="831850" y="1709738"/>
-            <a:ext cx="10515600" cy="2852737"/>
+            <a:off x="2167128" y="1225296"/>
+            <a:ext cx="9281160" cy="3520440"/>
           </a:xfrm>
         </p:spPr>
         <p:txBody>
-          <a:bodyPr anchor="b"/>
+          <a:bodyPr anchor="ctr">
+            <a:normAutofit/>
+          </a:bodyPr>
           <a:lstStyle>
             <a:lvl1pPr>
-              <a:defRPr sz="6000"/>
+              <a:lnSpc>
+                <a:spcPct val="80000"/>
+              </a:lnSpc>
+              <a:defRPr sz="8000" b="0"/>
             </a:lvl1pPr>
           </a:lstStyle>
           <a:p>
@@ -1006,18 +1235,13 @@
               <a:rPr lang="zh-TW" altLang="en-US"/>
               <a:t>按一下以編輯母片標題樣式</a:t>
             </a:r>
-          </a:p>
-        </p:txBody>
-      </p:sp>
-      <p:sp>
-        <p:nvSpPr>
-          <p:cNvPr id="3" name="文字版面配置區 2">
-            <a:extLst>
-              <a:ext uri="{FF2B5EF4-FFF2-40B4-BE49-F238E27FC236}">
-                <a16:creationId xmlns:a16="http://schemas.microsoft.com/office/drawing/2014/main" id="{890AE45E-8BB2-4E1C-9AC4-5EA5197AF025}"/>
-              </a:ext>
-            </a:extLst>
-          </p:cNvPr>
+            <a:endParaRPr lang="en-US" dirty="0"/>
+          </a:p>
+        </p:txBody>
+      </p:sp>
+      <p:sp>
+        <p:nvSpPr>
+          <p:cNvPr id="3" name="Text Placeholder 2"/>
           <p:cNvSpPr>
             <a:spLocks noGrp="1"/>
           </p:cNvSpPr>
@@ -1027,26 +1251,26 @@
         </p:nvSpPr>
         <p:spPr>
           <a:xfrm>
-            <a:off x="831850" y="4589463"/>
-            <a:ext cx="10515600" cy="1500187"/>
+            <a:off x="2165774" y="5020056"/>
+            <a:ext cx="9052560" cy="1066800"/>
           </a:xfrm>
         </p:spPr>
         <p:txBody>
-          <a:bodyPr/>
+          <a:bodyPr anchor="t">
+            <a:normAutofit/>
+          </a:bodyPr>
           <a:lstStyle>
             <a:lvl1pPr marL="0" indent="0">
               <a:buNone/>
-              <a:defRPr sz="2400">
+              <a:defRPr sz="2000">
                 <a:solidFill>
-                  <a:schemeClr val="tx1">
-                    <a:tint val="75000"/>
-                  </a:schemeClr>
+                  <a:schemeClr val="tx1"/>
                 </a:solidFill>
               </a:defRPr>
             </a:lvl1pPr>
             <a:lvl2pPr marL="457200" indent="0">
               <a:buNone/>
-              <a:defRPr sz="2000">
+              <a:defRPr sz="1800">
                 <a:solidFill>
                   <a:schemeClr val="tx1">
                     <a:tint val="75000"/>
@@ -1056,7 +1280,7 @@
             </a:lvl2pPr>
             <a:lvl3pPr marL="914400" indent="0">
               <a:buNone/>
-              <a:defRPr sz="1800">
+              <a:defRPr sz="1600">
                 <a:solidFill>
                   <a:schemeClr val="tx1">
                     <a:tint val="75000"/>
@@ -1066,7 +1290,7 @@
             </a:lvl3pPr>
             <a:lvl4pPr marL="1371600" indent="0">
               <a:buNone/>
-              <a:defRPr sz="1600">
+              <a:defRPr sz="1400">
                 <a:solidFill>
                   <a:schemeClr val="tx1">
                     <a:tint val="75000"/>
@@ -1076,7 +1300,7 @@
             </a:lvl4pPr>
             <a:lvl5pPr marL="1828800" indent="0">
               <a:buNone/>
-              <a:defRPr sz="1600">
+              <a:defRPr sz="1400">
                 <a:solidFill>
                   <a:schemeClr val="tx1">
                     <a:tint val="75000"/>
@@ -1086,7 +1310,7 @@
             </a:lvl5pPr>
             <a:lvl6pPr marL="2286000" indent="0">
               <a:buNone/>
-              <a:defRPr sz="1600">
+              <a:defRPr sz="1400">
                 <a:solidFill>
                   <a:schemeClr val="tx1">
                     <a:tint val="75000"/>
@@ -1096,7 +1320,7 @@
             </a:lvl6pPr>
             <a:lvl7pPr marL="2743200" indent="0">
               <a:buNone/>
-              <a:defRPr sz="1600">
+              <a:defRPr sz="1400">
                 <a:solidFill>
                   <a:schemeClr val="tx1">
                     <a:tint val="75000"/>
@@ -1106,7 +1330,7 @@
             </a:lvl7pPr>
             <a:lvl8pPr marL="3200400" indent="0">
               <a:buNone/>
-              <a:defRPr sz="1600">
+              <a:defRPr sz="1400">
                 <a:solidFill>
                   <a:schemeClr val="tx1">
                     <a:tint val="75000"/>
@@ -1116,7 +1340,7 @@
             </a:lvl8pPr>
             <a:lvl9pPr marL="3657600" indent="0">
               <a:buNone/>
-              <a:defRPr sz="1600">
+              <a:defRPr sz="1400">
                 <a:solidFill>
                   <a:schemeClr val="tx1">
                     <a:tint val="75000"/>
@@ -1136,13 +1360,7 @@
       </p:sp>
       <p:sp>
         <p:nvSpPr>
-          <p:cNvPr id="4" name="日期版面配置區 3">
-            <a:extLst>
-              <a:ext uri="{FF2B5EF4-FFF2-40B4-BE49-F238E27FC236}">
-                <a16:creationId xmlns:a16="http://schemas.microsoft.com/office/drawing/2014/main" id="{093A4435-7955-4DAB-8560-386762A71180}"/>
-              </a:ext>
-            </a:extLst>
-          </p:cNvPr>
+          <p:cNvPr id="4" name="Date Placeholder 3"/>
           <p:cNvSpPr>
             <a:spLocks noGrp="1"/>
           </p:cNvSpPr>
@@ -1150,14 +1368,19 @@
             <p:ph type="dt" sz="half" idx="10"/>
           </p:nvPr>
         </p:nvSpPr>
-        <p:spPr/>
+        <p:spPr>
+          <a:xfrm>
+            <a:off x="8593667" y="6272784"/>
+            <a:ext cx="2644309" cy="365125"/>
+          </a:xfrm>
+        </p:spPr>
         <p:txBody>
           <a:bodyPr/>
           <a:lstStyle/>
           <a:p>
             <a:fld id="{22C6A78A-30B0-4E89-A598-CD8E7107BD21}" type="datetimeFigureOut">
               <a:rPr lang="zh-TW" altLang="en-US" smtClean="0"/>
-              <a:t>2024/1/19</a:t>
+              <a:t>2024/1/22</a:t>
             </a:fld>
             <a:endParaRPr lang="zh-TW" altLang="en-US"/>
           </a:p>
@@ -1165,13 +1388,7 @@
       </p:sp>
       <p:sp>
         <p:nvSpPr>
-          <p:cNvPr id="5" name="頁尾版面配置區 4">
-            <a:extLst>
-              <a:ext uri="{FF2B5EF4-FFF2-40B4-BE49-F238E27FC236}">
-                <a16:creationId xmlns:a16="http://schemas.microsoft.com/office/drawing/2014/main" id="{7FBE39D3-D9CB-4F73-BD45-D002B09E04FA}"/>
-              </a:ext>
-            </a:extLst>
-          </p:cNvPr>
+          <p:cNvPr id="5" name="Footer Placeholder 4"/>
           <p:cNvSpPr>
             <a:spLocks noGrp="1"/>
           </p:cNvSpPr>
@@ -1179,7 +1396,12 @@
             <p:ph type="ftr" sz="quarter" idx="11"/>
           </p:nvPr>
         </p:nvSpPr>
-        <p:spPr/>
+        <p:spPr>
+          <a:xfrm>
+            <a:off x="2182708" y="6272784"/>
+            <a:ext cx="6327648" cy="365125"/>
+          </a:xfrm>
+        </p:spPr>
         <p:txBody>
           <a:bodyPr/>
           <a:lstStyle/>
@@ -1188,15 +1410,93 @@
           </a:p>
         </p:txBody>
       </p:sp>
-      <p:sp>
-        <p:nvSpPr>
-          <p:cNvPr id="6" name="投影片編號版面配置區 5">
-            <a:extLst>
-              <a:ext uri="{FF2B5EF4-FFF2-40B4-BE49-F238E27FC236}">
-                <a16:creationId xmlns:a16="http://schemas.microsoft.com/office/drawing/2014/main" id="{17279C2F-329F-4B4B-81C0-9E8C2BA685CC}"/>
-              </a:ext>
-            </a:extLst>
-          </p:cNvPr>
+      <p:grpSp>
+        <p:nvGrpSpPr>
+          <p:cNvPr id="8" name="Group 7"/>
+          <p:cNvGrpSpPr/>
+          <p:nvPr/>
+        </p:nvGrpSpPr>
+        <p:grpSpPr>
+          <a:xfrm>
+            <a:off x="897399" y="2325848"/>
+            <a:ext cx="1080904" cy="1080902"/>
+            <a:chOff x="9685338" y="4460675"/>
+            <a:chExt cx="1080904" cy="1080902"/>
+          </a:xfrm>
+        </p:grpSpPr>
+        <p:sp>
+          <p:nvSpPr>
+            <p:cNvPr id="9" name="Oval 8"/>
+            <p:cNvSpPr/>
+            <p:nvPr/>
+          </p:nvSpPr>
+          <p:spPr>
+            <a:xfrm>
+              <a:off x="9685338" y="4460675"/>
+              <a:ext cx="1080904" cy="1080902"/>
+            </a:xfrm>
+            <a:prstGeom prst="ellipse">
+              <a:avLst/>
+            </a:prstGeom>
+            <a:blipFill dpi="0" rotWithShape="1">
+              <a:blip r:embed="rId4">
+                <a:duotone>
+                  <a:schemeClr val="accent1">
+                    <a:shade val="45000"/>
+                    <a:satMod val="135000"/>
+                  </a:schemeClr>
+                  <a:prstClr val="white"/>
+                </a:duotone>
+                <a:extLst>
+                  <a:ext uri="{BEBA8EAE-BF5A-486C-A8C5-ECC9F3942E4B}">
+                    <a14:imgProps xmlns:a14="http://schemas.microsoft.com/office/drawing/2010/main">
+                      <a14:imgLayer r:embed="rId5">
+                        <a14:imgEffect>
+                          <a14:saturation sat="95000"/>
+                        </a14:imgEffect>
+                      </a14:imgLayer>
+                    </a14:imgProps>
+                  </a:ext>
+                </a:extLst>
+              </a:blip>
+              <a:srcRect/>
+              <a:tile tx="0" ty="0" sx="85000" sy="85000" flip="none" algn="tl"/>
+            </a:blipFill>
+            <a:ln w="25400" cap="flat" cmpd="sng" algn="ctr">
+              <a:noFill/>
+              <a:prstDash val="solid"/>
+            </a:ln>
+            <a:effectLst/>
+          </p:spPr>
+        </p:sp>
+        <p:sp>
+          <p:nvSpPr>
+            <p:cNvPr id="10" name="Oval 9"/>
+            <p:cNvSpPr/>
+            <p:nvPr/>
+          </p:nvSpPr>
+          <p:spPr>
+            <a:xfrm>
+              <a:off x="9793429" y="4568765"/>
+              <a:ext cx="864723" cy="864722"/>
+            </a:xfrm>
+            <a:prstGeom prst="ellipse">
+              <a:avLst/>
+            </a:prstGeom>
+            <a:noFill/>
+            <a:ln w="25400" cap="flat" cmpd="sng" algn="ctr">
+              <a:solidFill>
+                <a:sysClr val="window" lastClr="FFFFFF"/>
+              </a:solidFill>
+              <a:prstDash val="solid"/>
+            </a:ln>
+            <a:effectLst/>
+          </p:spPr>
+        </p:sp>
+      </p:grpSp>
+      <p:sp>
+        <p:nvSpPr>
+          <p:cNvPr id="6" name="Slide Number Placeholder 5"/>
           <p:cNvSpPr>
             <a:spLocks noGrp="1"/>
           </p:cNvSpPr>
@@ -1204,10 +1504,19 @@
             <p:ph type="sldNum" sz="quarter" idx="12"/>
           </p:nvPr>
         </p:nvSpPr>
-        <p:spPr/>
+        <p:spPr>
+          <a:xfrm>
+            <a:off x="843702" y="2506133"/>
+            <a:ext cx="1188298" cy="720332"/>
+          </a:xfrm>
+        </p:spPr>
         <p:txBody>
           <a:bodyPr/>
-          <a:lstStyle/>
+          <a:lstStyle>
+            <a:lvl1pPr>
+              <a:defRPr sz="2800"/>
+            </a:lvl1pPr>
+          </a:lstStyle>
           <a:p>
             <a:fld id="{EE4098FA-1D65-4098-B592-CCD3A9A577E4}" type="slidenum">
               <a:rPr lang="zh-TW" altLang="en-US" smtClean="0"/>
@@ -1220,7 +1529,7 @@
     </p:spTree>
     <p:extLst>
       <p:ext uri="{BB962C8B-B14F-4D97-AF65-F5344CB8AC3E}">
-        <p14:creationId xmlns:p14="http://schemas.microsoft.com/office/powerpoint/2010/main" val="644756686"/>
+        <p14:creationId xmlns:p14="http://schemas.microsoft.com/office/powerpoint/2010/main" val="412302297"/>
       </p:ext>
     </p:extLst>
   </p:cSld>
@@ -1249,13 +1558,7 @@
       </p:grpSpPr>
       <p:sp>
         <p:nvSpPr>
-          <p:cNvPr id="2" name="標題 1">
-            <a:extLst>
-              <a:ext uri="{FF2B5EF4-FFF2-40B4-BE49-F238E27FC236}">
-                <a16:creationId xmlns:a16="http://schemas.microsoft.com/office/drawing/2014/main" id="{4B5E4DB1-012B-46FC-862B-6DAE48FED688}"/>
-              </a:ext>
-            </a:extLst>
-          </p:cNvPr>
+          <p:cNvPr id="2" name="Title 1"/>
           <p:cNvSpPr>
             <a:spLocks noGrp="1"/>
           </p:cNvSpPr>
@@ -1272,18 +1575,13 @@
               <a:rPr lang="zh-TW" altLang="en-US"/>
               <a:t>按一下以編輯母片標題樣式</a:t>
             </a:r>
-          </a:p>
-        </p:txBody>
-      </p:sp>
-      <p:sp>
-        <p:nvSpPr>
-          <p:cNvPr id="3" name="內容版面配置區 2">
-            <a:extLst>
-              <a:ext uri="{FF2B5EF4-FFF2-40B4-BE49-F238E27FC236}">
-                <a16:creationId xmlns:a16="http://schemas.microsoft.com/office/drawing/2014/main" id="{25416598-2EE7-4C8B-A54F-97BE69507B05}"/>
-              </a:ext>
-            </a:extLst>
-          </p:cNvPr>
+            <a:endParaRPr lang="en-US" dirty="0"/>
+          </a:p>
+        </p:txBody>
+      </p:sp>
+      <p:sp>
+        <p:nvSpPr>
+          <p:cNvPr id="3" name="Content Placeholder 2"/>
           <p:cNvSpPr>
             <a:spLocks noGrp="1"/>
           </p:cNvSpPr>
@@ -1293,175 +1591,209 @@
         </p:nvSpPr>
         <p:spPr>
           <a:xfrm>
-            <a:off x="838200" y="1825625"/>
-            <a:ext cx="5181600" cy="4351338"/>
+            <a:off x="1069848" y="2194560"/>
+            <a:ext cx="4754880" cy="3977640"/>
           </a:xfrm>
         </p:spPr>
+        <p:txBody>
+          <a:bodyPr/>
+          <a:lstStyle>
+            <a:lvl1pPr>
+              <a:defRPr sz="2000"/>
+            </a:lvl1pPr>
+            <a:lvl2pPr>
+              <a:defRPr sz="1800"/>
+            </a:lvl2pPr>
+            <a:lvl3pPr>
+              <a:defRPr sz="1600"/>
+            </a:lvl3pPr>
+            <a:lvl4pPr>
+              <a:defRPr sz="1600"/>
+            </a:lvl4pPr>
+            <a:lvl5pPr>
+              <a:defRPr sz="1600"/>
+            </a:lvl5pPr>
+            <a:lvl6pPr>
+              <a:defRPr sz="1600"/>
+            </a:lvl6pPr>
+            <a:lvl7pPr>
+              <a:defRPr sz="1600"/>
+            </a:lvl7pPr>
+            <a:lvl8pPr>
+              <a:defRPr sz="1600"/>
+            </a:lvl8pPr>
+            <a:lvl9pPr>
+              <a:defRPr sz="1600"/>
+            </a:lvl9pPr>
+          </a:lstStyle>
+          <a:p>
+            <a:pPr lvl="0"/>
+            <a:r>
+              <a:rPr lang="zh-TW" altLang="en-US"/>
+              <a:t>編輯母片文字樣式</a:t>
+            </a:r>
+          </a:p>
+          <a:p>
+            <a:pPr lvl="1"/>
+            <a:r>
+              <a:rPr lang="zh-TW" altLang="en-US"/>
+              <a:t>第二層</a:t>
+            </a:r>
+          </a:p>
+          <a:p>
+            <a:pPr lvl="2"/>
+            <a:r>
+              <a:rPr lang="zh-TW" altLang="en-US"/>
+              <a:t>第三層</a:t>
+            </a:r>
+          </a:p>
+          <a:p>
+            <a:pPr lvl="3"/>
+            <a:r>
+              <a:rPr lang="zh-TW" altLang="en-US"/>
+              <a:t>第四層</a:t>
+            </a:r>
+          </a:p>
+          <a:p>
+            <a:pPr lvl="4"/>
+            <a:r>
+              <a:rPr lang="zh-TW" altLang="en-US"/>
+              <a:t>第五層</a:t>
+            </a:r>
+            <a:endParaRPr lang="en-US" dirty="0"/>
+          </a:p>
+        </p:txBody>
+      </p:sp>
+      <p:sp>
+        <p:nvSpPr>
+          <p:cNvPr id="4" name="Content Placeholder 3"/>
+          <p:cNvSpPr>
+            <a:spLocks noGrp="1"/>
+          </p:cNvSpPr>
+          <p:nvPr>
+            <p:ph sz="half" idx="2"/>
+          </p:nvPr>
+        </p:nvSpPr>
+        <p:spPr>
+          <a:xfrm>
+            <a:off x="6364224" y="2194560"/>
+            <a:ext cx="4754880" cy="3977640"/>
+          </a:xfrm>
+        </p:spPr>
+        <p:txBody>
+          <a:bodyPr/>
+          <a:lstStyle>
+            <a:lvl1pPr>
+              <a:defRPr sz="2000"/>
+            </a:lvl1pPr>
+            <a:lvl2pPr>
+              <a:defRPr sz="1800"/>
+            </a:lvl2pPr>
+            <a:lvl3pPr>
+              <a:defRPr sz="1600"/>
+            </a:lvl3pPr>
+            <a:lvl4pPr>
+              <a:defRPr sz="1600"/>
+            </a:lvl4pPr>
+            <a:lvl5pPr>
+              <a:defRPr sz="1600"/>
+            </a:lvl5pPr>
+            <a:lvl6pPr>
+              <a:defRPr sz="1600"/>
+            </a:lvl6pPr>
+            <a:lvl7pPr>
+              <a:defRPr sz="1600"/>
+            </a:lvl7pPr>
+            <a:lvl8pPr>
+              <a:defRPr sz="1600"/>
+            </a:lvl8pPr>
+            <a:lvl9pPr>
+              <a:defRPr sz="1600"/>
+            </a:lvl9pPr>
+          </a:lstStyle>
+          <a:p>
+            <a:pPr lvl="0"/>
+            <a:r>
+              <a:rPr lang="zh-TW" altLang="en-US"/>
+              <a:t>編輯母片文字樣式</a:t>
+            </a:r>
+          </a:p>
+          <a:p>
+            <a:pPr lvl="1"/>
+            <a:r>
+              <a:rPr lang="zh-TW" altLang="en-US"/>
+              <a:t>第二層</a:t>
+            </a:r>
+          </a:p>
+          <a:p>
+            <a:pPr lvl="2"/>
+            <a:r>
+              <a:rPr lang="zh-TW" altLang="en-US"/>
+              <a:t>第三層</a:t>
+            </a:r>
+          </a:p>
+          <a:p>
+            <a:pPr lvl="3"/>
+            <a:r>
+              <a:rPr lang="zh-TW" altLang="en-US"/>
+              <a:t>第四層</a:t>
+            </a:r>
+          </a:p>
+          <a:p>
+            <a:pPr lvl="4"/>
+            <a:r>
+              <a:rPr lang="zh-TW" altLang="en-US"/>
+              <a:t>第五層</a:t>
+            </a:r>
+            <a:endParaRPr lang="en-US" dirty="0"/>
+          </a:p>
+        </p:txBody>
+      </p:sp>
+      <p:sp>
+        <p:nvSpPr>
+          <p:cNvPr id="5" name="Date Placeholder 4"/>
+          <p:cNvSpPr>
+            <a:spLocks noGrp="1"/>
+          </p:cNvSpPr>
+          <p:nvPr>
+            <p:ph type="dt" sz="half" idx="10"/>
+          </p:nvPr>
+        </p:nvSpPr>
+        <p:spPr/>
         <p:txBody>
           <a:bodyPr/>
           <a:lstStyle/>
           <a:p>
-            <a:pPr lvl="0"/>
-            <a:r>
-              <a:rPr lang="zh-TW" altLang="en-US"/>
-              <a:t>編輯母片文字樣式</a:t>
-            </a:r>
-          </a:p>
-          <a:p>
-            <a:pPr lvl="1"/>
-            <a:r>
-              <a:rPr lang="zh-TW" altLang="en-US"/>
-              <a:t>第二層</a:t>
-            </a:r>
-          </a:p>
-          <a:p>
-            <a:pPr lvl="2"/>
-            <a:r>
-              <a:rPr lang="zh-TW" altLang="en-US"/>
-              <a:t>第三層</a:t>
-            </a:r>
-          </a:p>
-          <a:p>
-            <a:pPr lvl="3"/>
-            <a:r>
-              <a:rPr lang="zh-TW" altLang="en-US"/>
-              <a:t>第四層</a:t>
-            </a:r>
-          </a:p>
-          <a:p>
-            <a:pPr lvl="4"/>
-            <a:r>
-              <a:rPr lang="zh-TW" altLang="en-US"/>
-              <a:t>第五層</a:t>
-            </a:r>
-          </a:p>
-        </p:txBody>
-      </p:sp>
-      <p:sp>
-        <p:nvSpPr>
-          <p:cNvPr id="4" name="內容版面配置區 3">
-            <a:extLst>
-              <a:ext uri="{FF2B5EF4-FFF2-40B4-BE49-F238E27FC236}">
-                <a16:creationId xmlns:a16="http://schemas.microsoft.com/office/drawing/2014/main" id="{9B1C3F1B-3A73-445F-A2A3-C3F8772971B4}"/>
-              </a:ext>
-            </a:extLst>
-          </p:cNvPr>
-          <p:cNvSpPr>
-            <a:spLocks noGrp="1"/>
-          </p:cNvSpPr>
-          <p:nvPr>
-            <p:ph sz="half" idx="2"/>
-          </p:nvPr>
-        </p:nvSpPr>
-        <p:spPr>
-          <a:xfrm>
-            <a:off x="6172200" y="1825625"/>
-            <a:ext cx="5181600" cy="4351338"/>
-          </a:xfrm>
-        </p:spPr>
+            <a:fld id="{22C6A78A-30B0-4E89-A598-CD8E7107BD21}" type="datetimeFigureOut">
+              <a:rPr lang="zh-TW" altLang="en-US" smtClean="0"/>
+              <a:t>2024/1/22</a:t>
+            </a:fld>
+            <a:endParaRPr lang="zh-TW" altLang="en-US"/>
+          </a:p>
+        </p:txBody>
+      </p:sp>
+      <p:sp>
+        <p:nvSpPr>
+          <p:cNvPr id="6" name="Footer Placeholder 5"/>
+          <p:cNvSpPr>
+            <a:spLocks noGrp="1"/>
+          </p:cNvSpPr>
+          <p:nvPr>
+            <p:ph type="ftr" sz="quarter" idx="11"/>
+          </p:nvPr>
+        </p:nvSpPr>
+        <p:spPr/>
         <p:txBody>
           <a:bodyPr/>
           <a:lstStyle/>
           <a:p>
-            <a:pPr lvl="0"/>
-            <a:r>
-              <a:rPr lang="zh-TW" altLang="en-US"/>
-              <a:t>編輯母片文字樣式</a:t>
-            </a:r>
-          </a:p>
-          <a:p>
-            <a:pPr lvl="1"/>
-            <a:r>
-              <a:rPr lang="zh-TW" altLang="en-US"/>
-              <a:t>第二層</a:t>
-            </a:r>
-          </a:p>
-          <a:p>
-            <a:pPr lvl="2"/>
-            <a:r>
-              <a:rPr lang="zh-TW" altLang="en-US"/>
-              <a:t>第三層</a:t>
-            </a:r>
-          </a:p>
-          <a:p>
-            <a:pPr lvl="3"/>
-            <a:r>
-              <a:rPr lang="zh-TW" altLang="en-US"/>
-              <a:t>第四層</a:t>
-            </a:r>
-          </a:p>
-          <a:p>
-            <a:pPr lvl="4"/>
-            <a:r>
-              <a:rPr lang="zh-TW" altLang="en-US"/>
-              <a:t>第五層</a:t>
-            </a:r>
-          </a:p>
-        </p:txBody>
-      </p:sp>
-      <p:sp>
-        <p:nvSpPr>
-          <p:cNvPr id="5" name="日期版面配置區 4">
-            <a:extLst>
-              <a:ext uri="{FF2B5EF4-FFF2-40B4-BE49-F238E27FC236}">
-                <a16:creationId xmlns:a16="http://schemas.microsoft.com/office/drawing/2014/main" id="{F8F67BCD-7A68-4DAD-BD2D-E635A87C9231}"/>
-              </a:ext>
-            </a:extLst>
-          </p:cNvPr>
-          <p:cNvSpPr>
-            <a:spLocks noGrp="1"/>
-          </p:cNvSpPr>
-          <p:nvPr>
-            <p:ph type="dt" sz="half" idx="10"/>
-          </p:nvPr>
-        </p:nvSpPr>
-        <p:spPr/>
-        <p:txBody>
-          <a:bodyPr/>
-          <a:lstStyle/>
-          <a:p>
-            <a:fld id="{22C6A78A-30B0-4E89-A598-CD8E7107BD21}" type="datetimeFigureOut">
-              <a:rPr lang="zh-TW" altLang="en-US" smtClean="0"/>
-              <a:t>2024/1/19</a:t>
-            </a:fld>
             <a:endParaRPr lang="zh-TW" altLang="en-US"/>
           </a:p>
         </p:txBody>
       </p:sp>
       <p:sp>
         <p:nvSpPr>
-          <p:cNvPr id="6" name="頁尾版面配置區 5">
-            <a:extLst>
-              <a:ext uri="{FF2B5EF4-FFF2-40B4-BE49-F238E27FC236}">
-                <a16:creationId xmlns:a16="http://schemas.microsoft.com/office/drawing/2014/main" id="{D074B3B5-4E38-4A5F-8516-C224F1F51DFD}"/>
-              </a:ext>
-            </a:extLst>
-          </p:cNvPr>
-          <p:cNvSpPr>
-            <a:spLocks noGrp="1"/>
-          </p:cNvSpPr>
-          <p:nvPr>
-            <p:ph type="ftr" sz="quarter" idx="11"/>
-          </p:nvPr>
-        </p:nvSpPr>
-        <p:spPr/>
-        <p:txBody>
-          <a:bodyPr/>
-          <a:lstStyle/>
-          <a:p>
-            <a:endParaRPr lang="zh-TW" altLang="en-US"/>
-          </a:p>
-        </p:txBody>
-      </p:sp>
-      <p:sp>
-        <p:nvSpPr>
-          <p:cNvPr id="7" name="投影片編號版面配置區 6">
-            <a:extLst>
-              <a:ext uri="{FF2B5EF4-FFF2-40B4-BE49-F238E27FC236}">
-                <a16:creationId xmlns:a16="http://schemas.microsoft.com/office/drawing/2014/main" id="{56C2E36C-10F5-4D24-9235-859824ED9EF0}"/>
-              </a:ext>
-            </a:extLst>
-          </p:cNvPr>
+          <p:cNvPr id="7" name="Slide Number Placeholder 6"/>
           <p:cNvSpPr>
             <a:spLocks noGrp="1"/>
           </p:cNvSpPr>
@@ -1485,7 +1817,7 @@
     </p:spTree>
     <p:extLst>
       <p:ext uri="{BB962C8B-B14F-4D97-AF65-F5344CB8AC3E}">
-        <p14:creationId xmlns:p14="http://schemas.microsoft.com/office/powerpoint/2010/main" val="732694883"/>
+        <p14:creationId xmlns:p14="http://schemas.microsoft.com/office/powerpoint/2010/main" val="1452234162"/>
       </p:ext>
     </p:extLst>
   </p:cSld>
@@ -1514,13 +1846,7 @@
       </p:grpSpPr>
       <p:sp>
         <p:nvSpPr>
-          <p:cNvPr id="2" name="標題 1">
-            <a:extLst>
-              <a:ext uri="{FF2B5EF4-FFF2-40B4-BE49-F238E27FC236}">
-                <a16:creationId xmlns:a16="http://schemas.microsoft.com/office/drawing/2014/main" id="{AAC41BEE-FD1E-49C6-A4AF-0F2A43484A43}"/>
-              </a:ext>
-            </a:extLst>
-          </p:cNvPr>
+          <p:cNvPr id="10" name="Title 9"/>
           <p:cNvSpPr>
             <a:spLocks noGrp="1"/>
           </p:cNvSpPr>
@@ -1528,12 +1854,7 @@
             <p:ph type="title"/>
           </p:nvPr>
         </p:nvSpPr>
-        <p:spPr>
-          <a:xfrm>
-            <a:off x="839788" y="365125"/>
-            <a:ext cx="10515600" cy="1325563"/>
-          </a:xfrm>
-        </p:spPr>
+        <p:spPr/>
         <p:txBody>
           <a:bodyPr/>
           <a:lstStyle/>
@@ -1542,18 +1863,13 @@
               <a:rPr lang="zh-TW" altLang="en-US"/>
               <a:t>按一下以編輯母片標題樣式</a:t>
             </a:r>
-          </a:p>
-        </p:txBody>
-      </p:sp>
-      <p:sp>
-        <p:nvSpPr>
-          <p:cNvPr id="3" name="文字版面配置區 2">
-            <a:extLst>
-              <a:ext uri="{FF2B5EF4-FFF2-40B4-BE49-F238E27FC236}">
-                <a16:creationId xmlns:a16="http://schemas.microsoft.com/office/drawing/2014/main" id="{905F1836-B2D3-42EB-AD16-4AD462C75930}"/>
-              </a:ext>
-            </a:extLst>
-          </p:cNvPr>
+            <a:endParaRPr lang="en-US" dirty="0"/>
+          </a:p>
+        </p:txBody>
+      </p:sp>
+      <p:sp>
+        <p:nvSpPr>
+          <p:cNvPr id="3" name="Text Placeholder 2"/>
           <p:cNvSpPr>
             <a:spLocks noGrp="1"/>
           </p:cNvSpPr>
@@ -1563,16 +1879,24 @@
         </p:nvSpPr>
         <p:spPr>
           <a:xfrm>
-            <a:off x="839788" y="1681163"/>
-            <a:ext cx="5157787" cy="823912"/>
+            <a:off x="1066800" y="2048256"/>
+            <a:ext cx="4754880" cy="640080"/>
           </a:xfrm>
         </p:spPr>
         <p:txBody>
-          <a:bodyPr anchor="b"/>
+          <a:bodyPr anchor="ctr">
+            <a:normAutofit/>
+          </a:bodyPr>
           <a:lstStyle>
             <a:lvl1pPr marL="0" indent="0">
               <a:buNone/>
-              <a:defRPr sz="2400" b="1"/>
+              <a:defRPr sz="2000" b="1">
+                <a:solidFill>
+                  <a:schemeClr val="accent1">
+                    <a:lumMod val="75000"/>
+                  </a:schemeClr>
+                </a:solidFill>
+              </a:defRPr>
             </a:lvl1pPr>
             <a:lvl2pPr marL="457200" indent="0">
               <a:buNone/>
@@ -1618,13 +1942,7 @@
       </p:sp>
       <p:sp>
         <p:nvSpPr>
-          <p:cNvPr id="4" name="內容版面配置區 3">
-            <a:extLst>
-              <a:ext uri="{FF2B5EF4-FFF2-40B4-BE49-F238E27FC236}">
-                <a16:creationId xmlns:a16="http://schemas.microsoft.com/office/drawing/2014/main" id="{4D20990F-EA62-41D4-A80A-97B5C762FB93}"/>
-              </a:ext>
-            </a:extLst>
-          </p:cNvPr>
+          <p:cNvPr id="4" name="Content Placeholder 3"/>
           <p:cNvSpPr>
             <a:spLocks noGrp="1"/>
           </p:cNvSpPr>
@@ -1634,13 +1952,41 @@
         </p:nvSpPr>
         <p:spPr>
           <a:xfrm>
-            <a:off x="839788" y="2505075"/>
-            <a:ext cx="5157787" cy="3684588"/>
+            <a:off x="1069848" y="2743200"/>
+            <a:ext cx="4754880" cy="3291840"/>
           </a:xfrm>
         </p:spPr>
         <p:txBody>
           <a:bodyPr/>
-          <a:lstStyle/>
+          <a:lstStyle>
+            <a:lvl1pPr>
+              <a:defRPr sz="2000"/>
+            </a:lvl1pPr>
+            <a:lvl2pPr>
+              <a:defRPr sz="1800"/>
+            </a:lvl2pPr>
+            <a:lvl3pPr>
+              <a:defRPr sz="1600"/>
+            </a:lvl3pPr>
+            <a:lvl4pPr>
+              <a:defRPr sz="1600"/>
+            </a:lvl4pPr>
+            <a:lvl5pPr>
+              <a:defRPr sz="1600"/>
+            </a:lvl5pPr>
+            <a:lvl6pPr>
+              <a:defRPr sz="1600"/>
+            </a:lvl6pPr>
+            <a:lvl7pPr>
+              <a:defRPr sz="1600"/>
+            </a:lvl7pPr>
+            <a:lvl8pPr>
+              <a:defRPr sz="1600"/>
+            </a:lvl8pPr>
+            <a:lvl9pPr>
+              <a:defRPr sz="1600"/>
+            </a:lvl9pPr>
+          </a:lstStyle>
           <a:p>
             <a:pPr lvl="0"/>
             <a:r>
@@ -1675,18 +2021,13 @@
               <a:rPr lang="zh-TW" altLang="en-US"/>
               <a:t>第五層</a:t>
             </a:r>
-          </a:p>
-        </p:txBody>
-      </p:sp>
-      <p:sp>
-        <p:nvSpPr>
-          <p:cNvPr id="5" name="文字版面配置區 4">
-            <a:extLst>
-              <a:ext uri="{FF2B5EF4-FFF2-40B4-BE49-F238E27FC236}">
-                <a16:creationId xmlns:a16="http://schemas.microsoft.com/office/drawing/2014/main" id="{0AFF9F96-8B07-45BB-A8E7-52F7661C53FB}"/>
-              </a:ext>
-            </a:extLst>
-          </p:cNvPr>
+            <a:endParaRPr lang="en-US" dirty="0"/>
+          </a:p>
+        </p:txBody>
+      </p:sp>
+      <p:sp>
+        <p:nvSpPr>
+          <p:cNvPr id="5" name="Text Placeholder 4"/>
           <p:cNvSpPr>
             <a:spLocks noGrp="1"/>
           </p:cNvSpPr>
@@ -1696,16 +2037,24 @@
         </p:nvSpPr>
         <p:spPr>
           <a:xfrm>
-            <a:off x="6172200" y="1681163"/>
-            <a:ext cx="5183188" cy="823912"/>
+            <a:off x="6364224" y="2048256"/>
+            <a:ext cx="4754880" cy="640080"/>
           </a:xfrm>
         </p:spPr>
         <p:txBody>
-          <a:bodyPr anchor="b"/>
+          <a:bodyPr anchor="ctr">
+            <a:normAutofit/>
+          </a:bodyPr>
           <a:lstStyle>
             <a:lvl1pPr marL="0" indent="0">
               <a:buNone/>
-              <a:defRPr sz="2400" b="1"/>
+              <a:defRPr sz="2000" b="1">
+                <a:solidFill>
+                  <a:schemeClr val="accent1">
+                    <a:lumMod val="75000"/>
+                  </a:schemeClr>
+                </a:solidFill>
+              </a:defRPr>
             </a:lvl1pPr>
             <a:lvl2pPr marL="457200" indent="0">
               <a:buNone/>
@@ -1751,13 +2100,7 @@
       </p:sp>
       <p:sp>
         <p:nvSpPr>
-          <p:cNvPr id="6" name="內容版面配置區 5">
-            <a:extLst>
-              <a:ext uri="{FF2B5EF4-FFF2-40B4-BE49-F238E27FC236}">
-                <a16:creationId xmlns:a16="http://schemas.microsoft.com/office/drawing/2014/main" id="{5FF8C4DD-1D07-4D67-89EB-85FAC2504F6F}"/>
-              </a:ext>
-            </a:extLst>
-          </p:cNvPr>
+          <p:cNvPr id="6" name="Content Placeholder 5"/>
           <p:cNvSpPr>
             <a:spLocks noGrp="1"/>
           </p:cNvSpPr>
@@ -1767,64 +2110,110 @@
         </p:nvSpPr>
         <p:spPr>
           <a:xfrm>
-            <a:off x="6172200" y="2505075"/>
-            <a:ext cx="5183188" cy="3684588"/>
+            <a:off x="6364224" y="2743200"/>
+            <a:ext cx="4754880" cy="3291840"/>
           </a:xfrm>
         </p:spPr>
+        <p:txBody>
+          <a:bodyPr/>
+          <a:lstStyle>
+            <a:lvl1pPr>
+              <a:defRPr sz="2000"/>
+            </a:lvl1pPr>
+            <a:lvl2pPr>
+              <a:defRPr sz="1800"/>
+            </a:lvl2pPr>
+            <a:lvl3pPr>
+              <a:defRPr sz="1600"/>
+            </a:lvl3pPr>
+            <a:lvl4pPr>
+              <a:defRPr sz="1600"/>
+            </a:lvl4pPr>
+            <a:lvl5pPr>
+              <a:defRPr sz="1600"/>
+            </a:lvl5pPr>
+            <a:lvl6pPr>
+              <a:defRPr sz="1600"/>
+            </a:lvl6pPr>
+            <a:lvl7pPr>
+              <a:defRPr sz="1600"/>
+            </a:lvl7pPr>
+            <a:lvl8pPr>
+              <a:defRPr sz="1600"/>
+            </a:lvl8pPr>
+            <a:lvl9pPr>
+              <a:defRPr sz="1600"/>
+            </a:lvl9pPr>
+          </a:lstStyle>
+          <a:p>
+            <a:pPr lvl="0"/>
+            <a:r>
+              <a:rPr lang="zh-TW" altLang="en-US"/>
+              <a:t>編輯母片文字樣式</a:t>
+            </a:r>
+          </a:p>
+          <a:p>
+            <a:pPr lvl="1"/>
+            <a:r>
+              <a:rPr lang="zh-TW" altLang="en-US"/>
+              <a:t>第二層</a:t>
+            </a:r>
+          </a:p>
+          <a:p>
+            <a:pPr lvl="2"/>
+            <a:r>
+              <a:rPr lang="zh-TW" altLang="en-US"/>
+              <a:t>第三層</a:t>
+            </a:r>
+          </a:p>
+          <a:p>
+            <a:pPr lvl="3"/>
+            <a:r>
+              <a:rPr lang="zh-TW" altLang="en-US"/>
+              <a:t>第四層</a:t>
+            </a:r>
+          </a:p>
+          <a:p>
+            <a:pPr lvl="4"/>
+            <a:r>
+              <a:rPr lang="zh-TW" altLang="en-US"/>
+              <a:t>第五層</a:t>
+            </a:r>
+            <a:endParaRPr lang="en-US" dirty="0"/>
+          </a:p>
+        </p:txBody>
+      </p:sp>
+      <p:sp>
+        <p:nvSpPr>
+          <p:cNvPr id="7" name="Date Placeholder 6"/>
+          <p:cNvSpPr>
+            <a:spLocks noGrp="1"/>
+          </p:cNvSpPr>
+          <p:nvPr>
+            <p:ph type="dt" sz="half" idx="10"/>
+          </p:nvPr>
+        </p:nvSpPr>
+        <p:spPr/>
         <p:txBody>
           <a:bodyPr/>
           <a:lstStyle/>
           <a:p>
-            <a:pPr lvl="0"/>
-            <a:r>
-              <a:rPr lang="zh-TW" altLang="en-US"/>
-              <a:t>編輯母片文字樣式</a:t>
-            </a:r>
-          </a:p>
-          <a:p>
-            <a:pPr lvl="1"/>
-            <a:r>
-              <a:rPr lang="zh-TW" altLang="en-US"/>
-              <a:t>第二層</a:t>
-            </a:r>
-          </a:p>
-          <a:p>
-            <a:pPr lvl="2"/>
-            <a:r>
-              <a:rPr lang="zh-TW" altLang="en-US"/>
-              <a:t>第三層</a:t>
-            </a:r>
-          </a:p>
-          <a:p>
-            <a:pPr lvl="3"/>
-            <a:r>
-              <a:rPr lang="zh-TW" altLang="en-US"/>
-              <a:t>第四層</a:t>
-            </a:r>
-          </a:p>
-          <a:p>
-            <a:pPr lvl="4"/>
-            <a:r>
-              <a:rPr lang="zh-TW" altLang="en-US"/>
-              <a:t>第五層</a:t>
-            </a:r>
-          </a:p>
-        </p:txBody>
-      </p:sp>
-      <p:sp>
-        <p:nvSpPr>
-          <p:cNvPr id="7" name="日期版面配置區 6">
-            <a:extLst>
-              <a:ext uri="{FF2B5EF4-FFF2-40B4-BE49-F238E27FC236}">
-                <a16:creationId xmlns:a16="http://schemas.microsoft.com/office/drawing/2014/main" id="{2FE20F20-5E77-447F-814B-5E874501CEEB}"/>
-              </a:ext>
-            </a:extLst>
-          </p:cNvPr>
-          <p:cNvSpPr>
-            <a:spLocks noGrp="1"/>
-          </p:cNvSpPr>
-          <p:nvPr>
-            <p:ph type="dt" sz="half" idx="10"/>
+            <a:fld id="{22C6A78A-30B0-4E89-A598-CD8E7107BD21}" type="datetimeFigureOut">
+              <a:rPr lang="zh-TW" altLang="en-US" smtClean="0"/>
+              <a:t>2024/1/22</a:t>
+            </a:fld>
+            <a:endParaRPr lang="zh-TW" altLang="en-US"/>
+          </a:p>
+        </p:txBody>
+      </p:sp>
+      <p:sp>
+        <p:nvSpPr>
+          <p:cNvPr id="8" name="Footer Placeholder 7"/>
+          <p:cNvSpPr>
+            <a:spLocks noGrp="1"/>
+          </p:cNvSpPr>
+          <p:nvPr>
+            <p:ph type="ftr" sz="quarter" idx="11"/>
           </p:nvPr>
         </p:nvSpPr>
         <p:spPr/>
@@ -1832,48 +2221,13 @@
           <a:bodyPr/>
           <a:lstStyle/>
           <a:p>
-            <a:fld id="{22C6A78A-30B0-4E89-A598-CD8E7107BD21}" type="datetimeFigureOut">
-              <a:rPr lang="zh-TW" altLang="en-US" smtClean="0"/>
-              <a:t>2024/1/19</a:t>
-            </a:fld>
             <a:endParaRPr lang="zh-TW" altLang="en-US"/>
           </a:p>
         </p:txBody>
       </p:sp>
       <p:sp>
         <p:nvSpPr>
-          <p:cNvPr id="8" name="頁尾版面配置區 7">
-            <a:extLst>
-              <a:ext uri="{FF2B5EF4-FFF2-40B4-BE49-F238E27FC236}">
-                <a16:creationId xmlns:a16="http://schemas.microsoft.com/office/drawing/2014/main" id="{90784B68-744F-4F94-AA68-A26E69BF0D34}"/>
-              </a:ext>
-            </a:extLst>
-          </p:cNvPr>
-          <p:cNvSpPr>
-            <a:spLocks noGrp="1"/>
-          </p:cNvSpPr>
-          <p:nvPr>
-            <p:ph type="ftr" sz="quarter" idx="11"/>
-          </p:nvPr>
-        </p:nvSpPr>
-        <p:spPr/>
-        <p:txBody>
-          <a:bodyPr/>
-          <a:lstStyle/>
-          <a:p>
-            <a:endParaRPr lang="zh-TW" altLang="en-US"/>
-          </a:p>
-        </p:txBody>
-      </p:sp>
-      <p:sp>
-        <p:nvSpPr>
-          <p:cNvPr id="9" name="投影片編號版面配置區 8">
-            <a:extLst>
-              <a:ext uri="{FF2B5EF4-FFF2-40B4-BE49-F238E27FC236}">
-                <a16:creationId xmlns:a16="http://schemas.microsoft.com/office/drawing/2014/main" id="{1ACC450D-223A-4B1F-B0B4-1A15E8325EE5}"/>
-              </a:ext>
-            </a:extLst>
-          </p:cNvPr>
+          <p:cNvPr id="9" name="Slide Number Placeholder 8"/>
           <p:cNvSpPr>
             <a:spLocks noGrp="1"/>
           </p:cNvSpPr>
@@ -1897,7 +2251,7 @@
     </p:spTree>
     <p:extLst>
       <p:ext uri="{BB962C8B-B14F-4D97-AF65-F5344CB8AC3E}">
-        <p14:creationId xmlns:p14="http://schemas.microsoft.com/office/powerpoint/2010/main" val="2601587313"/>
+        <p14:creationId xmlns:p14="http://schemas.microsoft.com/office/powerpoint/2010/main" val="3317135420"/>
       </p:ext>
     </p:extLst>
   </p:cSld>
@@ -1926,13 +2280,7 @@
       </p:grpSpPr>
       <p:sp>
         <p:nvSpPr>
-          <p:cNvPr id="2" name="標題 1">
-            <a:extLst>
-              <a:ext uri="{FF2B5EF4-FFF2-40B4-BE49-F238E27FC236}">
-                <a16:creationId xmlns:a16="http://schemas.microsoft.com/office/drawing/2014/main" id="{A9986F5C-E33E-4F53-BE09-F78DCB5ABD68}"/>
-              </a:ext>
-            </a:extLst>
-          </p:cNvPr>
+          <p:cNvPr id="6" name="Title 5"/>
           <p:cNvSpPr>
             <a:spLocks noGrp="1"/>
           </p:cNvSpPr>
@@ -1949,18 +2297,13 @@
               <a:rPr lang="zh-TW" altLang="en-US"/>
               <a:t>按一下以編輯母片標題樣式</a:t>
             </a:r>
-          </a:p>
-        </p:txBody>
-      </p:sp>
-      <p:sp>
-        <p:nvSpPr>
-          <p:cNvPr id="3" name="日期版面配置區 2">
-            <a:extLst>
-              <a:ext uri="{FF2B5EF4-FFF2-40B4-BE49-F238E27FC236}">
-                <a16:creationId xmlns:a16="http://schemas.microsoft.com/office/drawing/2014/main" id="{BFF0E0D4-0BC3-4B53-97FC-303C9EAD39B5}"/>
-              </a:ext>
-            </a:extLst>
-          </p:cNvPr>
+            <a:endParaRPr lang="en-US" dirty="0"/>
+          </a:p>
+        </p:txBody>
+      </p:sp>
+      <p:sp>
+        <p:nvSpPr>
+          <p:cNvPr id="3" name="Date Placeholder 2"/>
           <p:cNvSpPr>
             <a:spLocks noGrp="1"/>
           </p:cNvSpPr>
@@ -1975,7 +2318,7 @@
           <a:p>
             <a:fld id="{22C6A78A-30B0-4E89-A598-CD8E7107BD21}" type="datetimeFigureOut">
               <a:rPr lang="zh-TW" altLang="en-US" smtClean="0"/>
-              <a:t>2024/1/19</a:t>
+              <a:t>2024/1/22</a:t>
             </a:fld>
             <a:endParaRPr lang="zh-TW" altLang="en-US"/>
           </a:p>
@@ -1983,13 +2326,7 @@
       </p:sp>
       <p:sp>
         <p:nvSpPr>
-          <p:cNvPr id="4" name="頁尾版面配置區 3">
-            <a:extLst>
-              <a:ext uri="{FF2B5EF4-FFF2-40B4-BE49-F238E27FC236}">
-                <a16:creationId xmlns:a16="http://schemas.microsoft.com/office/drawing/2014/main" id="{03CF256B-5D0D-48F9-8F32-770A1534C7CB}"/>
-              </a:ext>
-            </a:extLst>
-          </p:cNvPr>
+          <p:cNvPr id="4" name="Footer Placeholder 3"/>
           <p:cNvSpPr>
             <a:spLocks noGrp="1"/>
           </p:cNvSpPr>
@@ -2008,13 +2345,7 @@
       </p:sp>
       <p:sp>
         <p:nvSpPr>
-          <p:cNvPr id="5" name="投影片編號版面配置區 4">
-            <a:extLst>
-              <a:ext uri="{FF2B5EF4-FFF2-40B4-BE49-F238E27FC236}">
-                <a16:creationId xmlns:a16="http://schemas.microsoft.com/office/drawing/2014/main" id="{FE2BEC29-B8D0-4F2E-AAB7-FEFD2558AA50}"/>
-              </a:ext>
-            </a:extLst>
-          </p:cNvPr>
+          <p:cNvPr id="5" name="Slide Number Placeholder 4"/>
           <p:cNvSpPr>
             <a:spLocks noGrp="1"/>
           </p:cNvSpPr>
@@ -2038,7 +2369,7 @@
     </p:spTree>
     <p:extLst>
       <p:ext uri="{BB962C8B-B14F-4D97-AF65-F5344CB8AC3E}">
-        <p14:creationId xmlns:p14="http://schemas.microsoft.com/office/powerpoint/2010/main" val="4252067872"/>
+        <p14:creationId xmlns:p14="http://schemas.microsoft.com/office/powerpoint/2010/main" val="637167030"/>
       </p:ext>
     </p:extLst>
   </p:cSld>
@@ -2067,13 +2398,7 @@
       </p:grpSpPr>
       <p:sp>
         <p:nvSpPr>
-          <p:cNvPr id="2" name="日期版面配置區 1">
-            <a:extLst>
-              <a:ext uri="{FF2B5EF4-FFF2-40B4-BE49-F238E27FC236}">
-                <a16:creationId xmlns:a16="http://schemas.microsoft.com/office/drawing/2014/main" id="{8F8DE70C-1610-4DBD-9781-5D3875FA14FA}"/>
-              </a:ext>
-            </a:extLst>
-          </p:cNvPr>
+          <p:cNvPr id="2" name="Date Placeholder 1"/>
           <p:cNvSpPr>
             <a:spLocks noGrp="1"/>
           </p:cNvSpPr>
@@ -2088,7 +2413,7 @@
           <a:p>
             <a:fld id="{22C6A78A-30B0-4E89-A598-CD8E7107BD21}" type="datetimeFigureOut">
               <a:rPr lang="zh-TW" altLang="en-US" smtClean="0"/>
-              <a:t>2024/1/19</a:t>
+              <a:t>2024/1/22</a:t>
             </a:fld>
             <a:endParaRPr lang="zh-TW" altLang="en-US"/>
           </a:p>
@@ -2096,13 +2421,7 @@
       </p:sp>
       <p:sp>
         <p:nvSpPr>
-          <p:cNvPr id="3" name="頁尾版面配置區 2">
-            <a:extLst>
-              <a:ext uri="{FF2B5EF4-FFF2-40B4-BE49-F238E27FC236}">
-                <a16:creationId xmlns:a16="http://schemas.microsoft.com/office/drawing/2014/main" id="{09E9B312-63FD-4747-AAAD-26BE22E68BAB}"/>
-              </a:ext>
-            </a:extLst>
-          </p:cNvPr>
+          <p:cNvPr id="3" name="Footer Placeholder 2"/>
           <p:cNvSpPr>
             <a:spLocks noGrp="1"/>
           </p:cNvSpPr>
@@ -2121,13 +2440,7 @@
       </p:sp>
       <p:sp>
         <p:nvSpPr>
-          <p:cNvPr id="4" name="投影片編號版面配置區 3">
-            <a:extLst>
-              <a:ext uri="{FF2B5EF4-FFF2-40B4-BE49-F238E27FC236}">
-                <a16:creationId xmlns:a16="http://schemas.microsoft.com/office/drawing/2014/main" id="{969C5102-48A7-4783-A297-F7CB3EEBAF95}"/>
-              </a:ext>
-            </a:extLst>
-          </p:cNvPr>
+          <p:cNvPr id="4" name="Slide Number Placeholder 3"/>
           <p:cNvSpPr>
             <a:spLocks noGrp="1"/>
           </p:cNvSpPr>
@@ -2151,7 +2464,7 @@
     </p:spTree>
     <p:extLst>
       <p:ext uri="{BB962C8B-B14F-4D97-AF65-F5344CB8AC3E}">
-        <p14:creationId xmlns:p14="http://schemas.microsoft.com/office/powerpoint/2010/main" val="2918697926"/>
+        <p14:creationId xmlns:p14="http://schemas.microsoft.com/office/powerpoint/2010/main" val="332513424"/>
       </p:ext>
     </p:extLst>
   </p:cSld>
@@ -2162,7 +2475,7 @@
 </file>
 
 <file path=ppt/slideLayouts/slideLayout8.xml><?xml version="1.0" encoding="utf-8"?>
-<p:sldLayout xmlns:a="http://schemas.openxmlformats.org/drawingml/2006/main" xmlns:r="http://schemas.openxmlformats.org/officeDocument/2006/relationships" xmlns:p="http://schemas.openxmlformats.org/presentationml/2006/main" type="objTx" preserve="1">
+<p:sldLayout xmlns:a="http://schemas.openxmlformats.org/drawingml/2006/main" xmlns:r="http://schemas.openxmlformats.org/officeDocument/2006/relationships" xmlns:p="http://schemas.openxmlformats.org/presentationml/2006/main" showMasterSp="0" type="objTx" preserve="1">
   <p:cSld name="含標題的內容">
     <p:spTree>
       <p:nvGrpSpPr>
@@ -2180,13 +2493,64 @@
       </p:grpSpPr>
       <p:sp>
         <p:nvSpPr>
-          <p:cNvPr id="2" name="標題 1">
-            <a:extLst>
-              <a:ext uri="{FF2B5EF4-FFF2-40B4-BE49-F238E27FC236}">
-                <a16:creationId xmlns:a16="http://schemas.microsoft.com/office/drawing/2014/main" id="{CFE3C02A-069E-4822-9985-94FE21347D1E}"/>
-              </a:ext>
-            </a:extLst>
-          </p:cNvPr>
+          <p:cNvPr id="8" name="Rectangle 7"/>
+          <p:cNvSpPr/>
+          <p:nvPr/>
+        </p:nvSpPr>
+        <p:spPr>
+          <a:xfrm>
+            <a:off x="8303740" y="0"/>
+            <a:ext cx="3888259" cy="6857999"/>
+          </a:xfrm>
+          <a:prstGeom prst="rect">
+            <a:avLst/>
+          </a:prstGeom>
+          <a:blipFill dpi="0" rotWithShape="1">
+            <a:blip r:embed="rId2">
+              <a:alphaModFix amt="60000"/>
+              <a:lum bright="70000" contrast="-70000"/>
+              <a:extLst>
+                <a:ext uri="{BEBA8EAE-BF5A-486C-A8C5-ECC9F3942E4B}">
+                  <a14:imgProps xmlns:a14="http://schemas.microsoft.com/office/drawing/2010/main">
+                    <a14:imgLayer r:embed="rId3">
+                      <a14:imgEffect>
+                        <a14:sharpenSoften amount="61000"/>
+                      </a14:imgEffect>
+                    </a14:imgLayer>
+                  </a14:imgProps>
+                </a:ext>
+                <a:ext uri="{28A0092B-C50C-407E-A947-70E740481C1C}">
+                  <a14:useLocalDpi xmlns:a14="http://schemas.microsoft.com/office/drawing/2010/main" val="0"/>
+                </a:ext>
+              </a:extLst>
+            </a:blip>
+            <a:srcRect/>
+            <a:tile tx="0" ty="-704850" sx="92000" sy="89000" flip="xy" algn="ctr"/>
+          </a:blipFill>
+          <a:ln>
+            <a:noFill/>
+          </a:ln>
+        </p:spPr>
+        <p:style>
+          <a:lnRef idx="2">
+            <a:schemeClr val="accent1">
+              <a:shade val="50000"/>
+            </a:schemeClr>
+          </a:lnRef>
+          <a:fillRef idx="1">
+            <a:schemeClr val="accent1"/>
+          </a:fillRef>
+          <a:effectRef idx="0">
+            <a:schemeClr val="accent1"/>
+          </a:effectRef>
+          <a:fontRef idx="minor">
+            <a:schemeClr val="lt1"/>
+          </a:fontRef>
+        </p:style>
+      </p:sp>
+      <p:sp>
+        <p:nvSpPr>
+          <p:cNvPr id="2" name="Title 1"/>
           <p:cNvSpPr>
             <a:spLocks noGrp="1"/>
           </p:cNvSpPr>
@@ -2196,15 +2560,17 @@
         </p:nvSpPr>
         <p:spPr>
           <a:xfrm>
-            <a:off x="839788" y="457200"/>
-            <a:ext cx="3932237" cy="1600200"/>
+            <a:off x="8549640" y="685800"/>
+            <a:ext cx="3200400" cy="1737360"/>
           </a:xfrm>
         </p:spPr>
         <p:txBody>
-          <a:bodyPr anchor="b"/>
+          <a:bodyPr anchor="b">
+            <a:normAutofit/>
+          </a:bodyPr>
           <a:lstStyle>
             <a:lvl1pPr>
-              <a:defRPr sz="3200"/>
+              <a:defRPr sz="3200" b="1"/>
             </a:lvl1pPr>
           </a:lstStyle>
           <a:p>
@@ -2212,18 +2578,13 @@
               <a:rPr lang="zh-TW" altLang="en-US"/>
               <a:t>按一下以編輯母片標題樣式</a:t>
             </a:r>
-          </a:p>
-        </p:txBody>
-      </p:sp>
-      <p:sp>
-        <p:nvSpPr>
-          <p:cNvPr id="3" name="內容版面配置區 2">
-            <a:extLst>
-              <a:ext uri="{FF2B5EF4-FFF2-40B4-BE49-F238E27FC236}">
-                <a16:creationId xmlns:a16="http://schemas.microsoft.com/office/drawing/2014/main" id="{0EEB6E21-4A5D-42FC-B934-EC817976D7D7}"/>
-              </a:ext>
-            </a:extLst>
-          </p:cNvPr>
+            <a:endParaRPr lang="en-US" dirty="0"/>
+          </a:p>
+        </p:txBody>
+      </p:sp>
+      <p:sp>
+        <p:nvSpPr>
+          <p:cNvPr id="3" name="Content Placeholder 2"/>
           <p:cNvSpPr>
             <a:spLocks noGrp="1"/>
           </p:cNvSpPr>
@@ -2233,39 +2594,39 @@
         </p:nvSpPr>
         <p:spPr>
           <a:xfrm>
-            <a:off x="5183188" y="987425"/>
-            <a:ext cx="6172200" cy="4873625"/>
+            <a:off x="838200" y="685800"/>
+            <a:ext cx="6711696" cy="5020056"/>
           </a:xfrm>
         </p:spPr>
         <p:txBody>
           <a:bodyPr/>
           <a:lstStyle>
             <a:lvl1pPr>
-              <a:defRPr sz="3200"/>
+              <a:defRPr sz="2000"/>
             </a:lvl1pPr>
             <a:lvl2pPr>
-              <a:defRPr sz="2800"/>
+              <a:defRPr sz="1800"/>
             </a:lvl2pPr>
             <a:lvl3pPr>
-              <a:defRPr sz="2400"/>
+              <a:defRPr sz="1600"/>
             </a:lvl3pPr>
             <a:lvl4pPr>
-              <a:defRPr sz="2000"/>
+              <a:defRPr sz="1600"/>
             </a:lvl4pPr>
             <a:lvl5pPr>
-              <a:defRPr sz="2000"/>
+              <a:defRPr sz="1600"/>
             </a:lvl5pPr>
             <a:lvl6pPr>
-              <a:defRPr sz="2000"/>
+              <a:defRPr sz="1600"/>
             </a:lvl6pPr>
             <a:lvl7pPr>
-              <a:defRPr sz="2000"/>
+              <a:defRPr sz="1600"/>
             </a:lvl7pPr>
             <a:lvl8pPr>
-              <a:defRPr sz="2000"/>
+              <a:defRPr sz="1600"/>
             </a:lvl8pPr>
             <a:lvl9pPr>
-              <a:defRPr sz="2000"/>
+              <a:defRPr sz="1600"/>
             </a:lvl9pPr>
           </a:lstStyle>
           <a:p>
@@ -2302,18 +2663,13 @@
               <a:rPr lang="zh-TW" altLang="en-US"/>
               <a:t>第五層</a:t>
             </a:r>
-          </a:p>
-        </p:txBody>
-      </p:sp>
-      <p:sp>
-        <p:nvSpPr>
-          <p:cNvPr id="4" name="文字版面配置區 3">
-            <a:extLst>
-              <a:ext uri="{FF2B5EF4-FFF2-40B4-BE49-F238E27FC236}">
-                <a16:creationId xmlns:a16="http://schemas.microsoft.com/office/drawing/2014/main" id="{206C22D7-D890-4399-AD47-5635A36AA8DD}"/>
-              </a:ext>
-            </a:extLst>
-          </p:cNvPr>
+            <a:endParaRPr lang="en-US" dirty="0"/>
+          </a:p>
+        </p:txBody>
+      </p:sp>
+      <p:sp>
+        <p:nvSpPr>
+          <p:cNvPr id="4" name="Text Placeholder 3"/>
           <p:cNvSpPr>
             <a:spLocks noGrp="1"/>
           </p:cNvSpPr>
@@ -2323,48 +2679,62 @@
         </p:nvSpPr>
         <p:spPr>
           <a:xfrm>
-            <a:off x="839788" y="2057400"/>
-            <a:ext cx="3932237" cy="3811588"/>
+            <a:off x="8549640" y="2423160"/>
+            <a:ext cx="3200400" cy="3291840"/>
           </a:xfrm>
         </p:spPr>
         <p:txBody>
-          <a:bodyPr/>
+          <a:bodyPr>
+            <a:normAutofit/>
+          </a:bodyPr>
           <a:lstStyle>
             <a:lvl1pPr marL="0" indent="0">
+              <a:lnSpc>
+                <a:spcPct val="100000"/>
+              </a:lnSpc>
+              <a:spcBef>
+                <a:spcPts val="1000"/>
+              </a:spcBef>
               <a:buNone/>
-              <a:defRPr sz="1600"/>
+              <a:defRPr sz="1400">
+                <a:solidFill>
+                  <a:schemeClr val="accent1">
+                    <a:lumMod val="75000"/>
+                  </a:schemeClr>
+                </a:solidFill>
+              </a:defRPr>
             </a:lvl1pPr>
             <a:lvl2pPr marL="457200" indent="0">
               <a:buNone/>
-              <a:defRPr sz="1400"/>
+              <a:defRPr sz="1200"/>
             </a:lvl2pPr>
             <a:lvl3pPr marL="914400" indent="0">
               <a:buNone/>
-              <a:defRPr sz="1200"/>
+              <a:defRPr sz="1000"/>
             </a:lvl3pPr>
             <a:lvl4pPr marL="1371600" indent="0">
               <a:buNone/>
-              <a:defRPr sz="1000"/>
+              <a:defRPr sz="900"/>
             </a:lvl4pPr>
             <a:lvl5pPr marL="1828800" indent="0">
               <a:buNone/>
-              <a:defRPr sz="1000"/>
+              <a:defRPr sz="900"/>
             </a:lvl5pPr>
             <a:lvl6pPr marL="2286000" indent="0">
               <a:buNone/>
-              <a:defRPr sz="1000"/>
+              <a:defRPr sz="900"/>
             </a:lvl6pPr>
             <a:lvl7pPr marL="2743200" indent="0">
               <a:buNone/>
-              <a:defRPr sz="1000"/>
+              <a:defRPr sz="900"/>
             </a:lvl7pPr>
             <a:lvl8pPr marL="3200400" indent="0">
               <a:buNone/>
-              <a:defRPr sz="1000"/>
+              <a:defRPr sz="900"/>
             </a:lvl8pPr>
             <a:lvl9pPr marL="3657600" indent="0">
               <a:buNone/>
-              <a:defRPr sz="1000"/>
+              <a:defRPr sz="900"/>
             </a:lvl9pPr>
           </a:lstStyle>
           <a:p>
@@ -2378,13 +2748,7 @@
       </p:sp>
       <p:sp>
         <p:nvSpPr>
-          <p:cNvPr id="5" name="日期版面配置區 4">
-            <a:extLst>
-              <a:ext uri="{FF2B5EF4-FFF2-40B4-BE49-F238E27FC236}">
-                <a16:creationId xmlns:a16="http://schemas.microsoft.com/office/drawing/2014/main" id="{7B20056A-A951-4AAC-97F8-A1309681A1C4}"/>
-              </a:ext>
-            </a:extLst>
-          </p:cNvPr>
+          <p:cNvPr id="5" name="Date Placeholder 4"/>
           <p:cNvSpPr>
             <a:spLocks noGrp="1"/>
           </p:cNvSpPr>
@@ -2399,7 +2763,7 @@
           <a:p>
             <a:fld id="{22C6A78A-30B0-4E89-A598-CD8E7107BD21}" type="datetimeFigureOut">
               <a:rPr lang="zh-TW" altLang="en-US" smtClean="0"/>
-              <a:t>2024/1/19</a:t>
+              <a:t>2024/1/22</a:t>
             </a:fld>
             <a:endParaRPr lang="zh-TW" altLang="en-US"/>
           </a:p>
@@ -2407,13 +2771,7 @@
       </p:sp>
       <p:sp>
         <p:nvSpPr>
-          <p:cNvPr id="6" name="頁尾版面配置區 5">
-            <a:extLst>
-              <a:ext uri="{FF2B5EF4-FFF2-40B4-BE49-F238E27FC236}">
-                <a16:creationId xmlns:a16="http://schemas.microsoft.com/office/drawing/2014/main" id="{3481D1A2-1AAD-43EE-B2F4-C16B463FD328}"/>
-              </a:ext>
-            </a:extLst>
-          </p:cNvPr>
+          <p:cNvPr id="6" name="Footer Placeholder 5"/>
           <p:cNvSpPr>
             <a:spLocks noGrp="1"/>
           </p:cNvSpPr>
@@ -2430,15 +2788,98 @@
           </a:p>
         </p:txBody>
       </p:sp>
-      <p:sp>
-        <p:nvSpPr>
-          <p:cNvPr id="7" name="投影片編號版面配置區 6">
-            <a:extLst>
-              <a:ext uri="{FF2B5EF4-FFF2-40B4-BE49-F238E27FC236}">
-                <a16:creationId xmlns:a16="http://schemas.microsoft.com/office/drawing/2014/main" id="{6D3C01EF-6E79-4404-855A-3890F228B19B}"/>
-              </a:ext>
-            </a:extLst>
-          </p:cNvPr>
+      <p:grpSp>
+        <p:nvGrpSpPr>
+          <p:cNvPr id="9" name="Group 8"/>
+          <p:cNvGrpSpPr>
+            <a:grpSpLocks noChangeAspect="1"/>
+          </p:cNvGrpSpPr>
+          <p:nvPr/>
+        </p:nvGrpSpPr>
+        <p:grpSpPr>
+          <a:xfrm>
+            <a:off x="11401725" y="6229681"/>
+            <a:ext cx="457200" cy="457200"/>
+            <a:chOff x="11361456" y="6195813"/>
+            <a:chExt cx="548640" cy="548640"/>
+          </a:xfrm>
+        </p:grpSpPr>
+        <p:sp>
+          <p:nvSpPr>
+            <p:cNvPr id="10" name="Oval 9"/>
+            <p:cNvSpPr/>
+            <p:nvPr/>
+          </p:nvSpPr>
+          <p:spPr>
+            <a:xfrm>
+              <a:off x="11361456" y="6195813"/>
+              <a:ext cx="548640" cy="548640"/>
+            </a:xfrm>
+            <a:prstGeom prst="ellipse">
+              <a:avLst/>
+            </a:prstGeom>
+            <a:blipFill dpi="0" rotWithShape="1">
+              <a:blip r:embed="rId4">
+                <a:duotone>
+                  <a:schemeClr val="accent1">
+                    <a:shade val="45000"/>
+                    <a:satMod val="135000"/>
+                  </a:schemeClr>
+                  <a:prstClr val="white"/>
+                </a:duotone>
+                <a:extLst>
+                  <a:ext uri="{BEBA8EAE-BF5A-486C-A8C5-ECC9F3942E4B}">
+                    <a14:imgProps xmlns:a14="http://schemas.microsoft.com/office/drawing/2010/main">
+                      <a14:imgLayer r:embed="rId5">
+                        <a14:imgEffect>
+                          <a14:saturation sat="95000"/>
+                        </a14:imgEffect>
+                        <a14:imgEffect>
+                          <a14:brightnessContrast bright="-40000" contrast="20000"/>
+                        </a14:imgEffect>
+                      </a14:imgLayer>
+                    </a14:imgProps>
+                  </a:ext>
+                </a:extLst>
+              </a:blip>
+              <a:srcRect/>
+              <a:tile tx="50800" ty="0" sx="85000" sy="85000" flip="none" algn="tl"/>
+            </a:blipFill>
+            <a:ln w="25400" cap="flat" cmpd="sng" algn="ctr">
+              <a:noFill/>
+              <a:prstDash val="solid"/>
+            </a:ln>
+            <a:effectLst/>
+          </p:spPr>
+        </p:sp>
+        <p:sp>
+          <p:nvSpPr>
+            <p:cNvPr id="11" name="Oval 10"/>
+            <p:cNvSpPr/>
+            <p:nvPr/>
+          </p:nvSpPr>
+          <p:spPr>
+            <a:xfrm>
+              <a:off x="11396488" y="6230844"/>
+              <a:ext cx="478576" cy="478578"/>
+            </a:xfrm>
+            <a:prstGeom prst="ellipse">
+              <a:avLst/>
+            </a:prstGeom>
+            <a:noFill/>
+            <a:ln w="12700" cap="flat" cmpd="sng" algn="ctr">
+              <a:solidFill>
+                <a:sysClr val="window" lastClr="FFFFFF"/>
+              </a:solidFill>
+              <a:prstDash val="solid"/>
+            </a:ln>
+            <a:effectLst/>
+          </p:spPr>
+        </p:sp>
+      </p:grpSp>
+      <p:sp>
+        <p:nvSpPr>
+          <p:cNvPr id="7" name="Slide Number Placeholder 6"/>
           <p:cNvSpPr>
             <a:spLocks noGrp="1"/>
           </p:cNvSpPr>
@@ -2462,7 +2903,7 @@
     </p:spTree>
     <p:extLst>
       <p:ext uri="{BB962C8B-B14F-4D97-AF65-F5344CB8AC3E}">
-        <p14:creationId xmlns:p14="http://schemas.microsoft.com/office/powerpoint/2010/main" val="2889977041"/>
+        <p14:creationId xmlns:p14="http://schemas.microsoft.com/office/powerpoint/2010/main" val="539868776"/>
       </p:ext>
     </p:extLst>
   </p:cSld>
@@ -2473,7 +2914,7 @@
 </file>
 
 <file path=ppt/slideLayouts/slideLayout9.xml><?xml version="1.0" encoding="utf-8"?>
-<p:sldLayout xmlns:a="http://schemas.openxmlformats.org/drawingml/2006/main" xmlns:r="http://schemas.openxmlformats.org/officeDocument/2006/relationships" xmlns:p="http://schemas.openxmlformats.org/presentationml/2006/main" type="picTx" preserve="1">
+<p:sldLayout xmlns:a="http://schemas.openxmlformats.org/drawingml/2006/main" xmlns:r="http://schemas.openxmlformats.org/officeDocument/2006/relationships" xmlns:p="http://schemas.openxmlformats.org/presentationml/2006/main" showMasterSp="0" type="picTx" preserve="1">
   <p:cSld name="含標題的圖片">
     <p:spTree>
       <p:nvGrpSpPr>
@@ -2491,13 +2932,64 @@
       </p:grpSpPr>
       <p:sp>
         <p:nvSpPr>
-          <p:cNvPr id="2" name="標題 1">
-            <a:extLst>
-              <a:ext uri="{FF2B5EF4-FFF2-40B4-BE49-F238E27FC236}">
-                <a16:creationId xmlns:a16="http://schemas.microsoft.com/office/drawing/2014/main" id="{3B71B805-08C5-40DD-A302-D13139317380}"/>
-              </a:ext>
-            </a:extLst>
-          </p:cNvPr>
+          <p:cNvPr id="11" name="Rectangle 10"/>
+          <p:cNvSpPr/>
+          <p:nvPr/>
+        </p:nvSpPr>
+        <p:spPr>
+          <a:xfrm>
+            <a:off x="8303740" y="0"/>
+            <a:ext cx="3888259" cy="6857999"/>
+          </a:xfrm>
+          <a:prstGeom prst="rect">
+            <a:avLst/>
+          </a:prstGeom>
+          <a:blipFill dpi="0" rotWithShape="1">
+            <a:blip r:embed="rId2">
+              <a:alphaModFix amt="60000"/>
+              <a:lum bright="70000" contrast="-70000"/>
+              <a:extLst>
+                <a:ext uri="{BEBA8EAE-BF5A-486C-A8C5-ECC9F3942E4B}">
+                  <a14:imgProps xmlns:a14="http://schemas.microsoft.com/office/drawing/2010/main">
+                    <a14:imgLayer r:embed="rId3">
+                      <a14:imgEffect>
+                        <a14:sharpenSoften amount="61000"/>
+                      </a14:imgEffect>
+                    </a14:imgLayer>
+                  </a14:imgProps>
+                </a:ext>
+                <a:ext uri="{28A0092B-C50C-407E-A947-70E740481C1C}">
+                  <a14:useLocalDpi xmlns:a14="http://schemas.microsoft.com/office/drawing/2010/main" val="0"/>
+                </a:ext>
+              </a:extLst>
+            </a:blip>
+            <a:srcRect/>
+            <a:tile tx="0" ty="-704850" sx="92000" sy="89000" flip="xy" algn="ctr"/>
+          </a:blipFill>
+          <a:ln>
+            <a:noFill/>
+          </a:ln>
+        </p:spPr>
+        <p:style>
+          <a:lnRef idx="2">
+            <a:schemeClr val="accent1">
+              <a:shade val="50000"/>
+            </a:schemeClr>
+          </a:lnRef>
+          <a:fillRef idx="1">
+            <a:schemeClr val="accent1"/>
+          </a:fillRef>
+          <a:effectRef idx="0">
+            <a:schemeClr val="accent1"/>
+          </a:effectRef>
+          <a:fontRef idx="minor">
+            <a:schemeClr val="lt1"/>
+          </a:fontRef>
+        </p:style>
+      </p:sp>
+      <p:sp>
+        <p:nvSpPr>
+          <p:cNvPr id="2" name="Title 1"/>
           <p:cNvSpPr>
             <a:spLocks noGrp="1"/>
           </p:cNvSpPr>
@@ -2507,15 +2999,17 @@
         </p:nvSpPr>
         <p:spPr>
           <a:xfrm>
-            <a:off x="839788" y="457200"/>
-            <a:ext cx="3932237" cy="1600200"/>
+            <a:off x="8549640" y="685800"/>
+            <a:ext cx="3200400" cy="1737360"/>
           </a:xfrm>
         </p:spPr>
         <p:txBody>
-          <a:bodyPr anchor="b"/>
+          <a:bodyPr anchor="b">
+            <a:normAutofit/>
+          </a:bodyPr>
           <a:lstStyle>
             <a:lvl1pPr>
-              <a:defRPr sz="3200"/>
+              <a:defRPr sz="3200" b="1"/>
             </a:lvl1pPr>
           </a:lstStyle>
           <a:p>
@@ -2523,20 +3017,15 @@
               <a:rPr lang="zh-TW" altLang="en-US"/>
               <a:t>按一下以編輯母片標題樣式</a:t>
             </a:r>
-          </a:p>
-        </p:txBody>
-      </p:sp>
-      <p:sp>
-        <p:nvSpPr>
-          <p:cNvPr id="3" name="圖片版面配置區 2">
-            <a:extLst>
-              <a:ext uri="{FF2B5EF4-FFF2-40B4-BE49-F238E27FC236}">
-                <a16:creationId xmlns:a16="http://schemas.microsoft.com/office/drawing/2014/main" id="{79636590-1D1B-4E52-8683-AC1E3093F64B}"/>
-              </a:ext>
-            </a:extLst>
-          </p:cNvPr>
-          <p:cNvSpPr>
-            <a:spLocks noGrp="1"/>
+            <a:endParaRPr lang="en-US" dirty="0"/>
+          </a:p>
+        </p:txBody>
+      </p:sp>
+      <p:sp>
+        <p:nvSpPr>
+          <p:cNvPr id="3" name="Picture Placeholder 2"/>
+          <p:cNvSpPr>
+            <a:spLocks noGrp="1" noChangeAspect="1"/>
           </p:cNvSpPr>
           <p:nvPr>
             <p:ph type="pic" idx="1"/>
@@ -2544,12 +3033,18 @@
         </p:nvSpPr>
         <p:spPr>
           <a:xfrm>
-            <a:off x="5183188" y="987425"/>
-            <a:ext cx="6172200" cy="4873625"/>
-          </a:xfrm>
+            <a:off x="0" y="0"/>
+            <a:ext cx="8303740" cy="6858000"/>
+          </a:xfrm>
+          <a:solidFill>
+            <a:schemeClr val="tx2">
+              <a:lumMod val="20000"/>
+              <a:lumOff val="80000"/>
+            </a:schemeClr>
+          </a:solidFill>
         </p:spPr>
         <p:txBody>
-          <a:bodyPr/>
+          <a:bodyPr anchor="t"/>
           <a:lstStyle>
             <a:lvl1pPr marL="0" indent="0">
               <a:buNone/>
@@ -2589,19 +3084,17 @@
             </a:lvl9pPr>
           </a:lstStyle>
           <a:p>
-            <a:endParaRPr lang="zh-TW" altLang="en-US"/>
-          </a:p>
-        </p:txBody>
-      </p:sp>
-      <p:sp>
-        <p:nvSpPr>
-          <p:cNvPr id="4" name="文字版面配置區 3">
-            <a:extLst>
-              <a:ext uri="{FF2B5EF4-FFF2-40B4-BE49-F238E27FC236}">
-                <a16:creationId xmlns:a16="http://schemas.microsoft.com/office/drawing/2014/main" id="{6418278C-4560-48F6-86FD-4DA86642D6AD}"/>
-              </a:ext>
-            </a:extLst>
-          </p:cNvPr>
+            <a:r>
+              <a:rPr lang="zh-TW" altLang="en-US"/>
+              <a:t>按一下圖示以新增圖片</a:t>
+            </a:r>
+            <a:endParaRPr lang="en-US" dirty="0"/>
+          </a:p>
+        </p:txBody>
+      </p:sp>
+      <p:sp>
+        <p:nvSpPr>
+          <p:cNvPr id="4" name="Text Placeholder 3"/>
           <p:cNvSpPr>
             <a:spLocks noGrp="1"/>
           </p:cNvSpPr>
@@ -2611,48 +3104,62 @@
         </p:nvSpPr>
         <p:spPr>
           <a:xfrm>
-            <a:off x="839788" y="2057400"/>
-            <a:ext cx="3932237" cy="3811588"/>
+            <a:off x="8549640" y="2423160"/>
+            <a:ext cx="3200400" cy="3291840"/>
           </a:xfrm>
         </p:spPr>
         <p:txBody>
-          <a:bodyPr/>
+          <a:bodyPr>
+            <a:normAutofit/>
+          </a:bodyPr>
           <a:lstStyle>
             <a:lvl1pPr marL="0" indent="0">
+              <a:lnSpc>
+                <a:spcPct val="100000"/>
+              </a:lnSpc>
+              <a:spcBef>
+                <a:spcPts val="1000"/>
+              </a:spcBef>
               <a:buNone/>
-              <a:defRPr sz="1600"/>
+              <a:defRPr sz="1400">
+                <a:solidFill>
+                  <a:schemeClr val="accent1">
+                    <a:lumMod val="75000"/>
+                  </a:schemeClr>
+                </a:solidFill>
+              </a:defRPr>
             </a:lvl1pPr>
             <a:lvl2pPr marL="457200" indent="0">
               <a:buNone/>
-              <a:defRPr sz="1400"/>
+              <a:defRPr sz="1200"/>
             </a:lvl2pPr>
             <a:lvl3pPr marL="914400" indent="0">
               <a:buNone/>
-              <a:defRPr sz="1200"/>
+              <a:defRPr sz="1000"/>
             </a:lvl3pPr>
             <a:lvl4pPr marL="1371600" indent="0">
               <a:buNone/>
-              <a:defRPr sz="1000"/>
+              <a:defRPr sz="900"/>
             </a:lvl4pPr>
             <a:lvl5pPr marL="1828800" indent="0">
               <a:buNone/>
-              <a:defRPr sz="1000"/>
+              <a:defRPr sz="900"/>
             </a:lvl5pPr>
             <a:lvl6pPr marL="2286000" indent="0">
               <a:buNone/>
-              <a:defRPr sz="1000"/>
+              <a:defRPr sz="900"/>
             </a:lvl6pPr>
             <a:lvl7pPr marL="2743200" indent="0">
               <a:buNone/>
-              <a:defRPr sz="1000"/>
+              <a:defRPr sz="900"/>
             </a:lvl7pPr>
             <a:lvl8pPr marL="3200400" indent="0">
               <a:buNone/>
-              <a:defRPr sz="1000"/>
+              <a:defRPr sz="900"/>
             </a:lvl8pPr>
             <a:lvl9pPr marL="3657600" indent="0">
               <a:buNone/>
-              <a:defRPr sz="1000"/>
+              <a:defRPr sz="900"/>
             </a:lvl9pPr>
           </a:lstStyle>
           <a:p>
@@ -2666,13 +3173,7 @@
       </p:sp>
       <p:sp>
         <p:nvSpPr>
-          <p:cNvPr id="5" name="日期版面配置區 4">
-            <a:extLst>
-              <a:ext uri="{FF2B5EF4-FFF2-40B4-BE49-F238E27FC236}">
-                <a16:creationId xmlns:a16="http://schemas.microsoft.com/office/drawing/2014/main" id="{86B6E5BF-9778-4E07-9A76-7A01DEDE40F5}"/>
-              </a:ext>
-            </a:extLst>
-          </p:cNvPr>
+          <p:cNvPr id="5" name="Date Placeholder 4"/>
           <p:cNvSpPr>
             <a:spLocks noGrp="1"/>
           </p:cNvSpPr>
@@ -2687,46 +3188,104 @@
           <a:p>
             <a:fld id="{22C6A78A-30B0-4E89-A598-CD8E7107BD21}" type="datetimeFigureOut">
               <a:rPr lang="zh-TW" altLang="en-US" smtClean="0"/>
-              <a:t>2024/1/19</a:t>
+              <a:t>2024/1/22</a:t>
             </a:fld>
             <a:endParaRPr lang="zh-TW" altLang="en-US"/>
           </a:p>
         </p:txBody>
       </p:sp>
-      <p:sp>
-        <p:nvSpPr>
-          <p:cNvPr id="6" name="頁尾版面配置區 5">
-            <a:extLst>
-              <a:ext uri="{FF2B5EF4-FFF2-40B4-BE49-F238E27FC236}">
-                <a16:creationId xmlns:a16="http://schemas.microsoft.com/office/drawing/2014/main" id="{97985922-1B1C-48DD-92D5-896053C2F0E4}"/>
-              </a:ext>
-            </a:extLst>
-          </p:cNvPr>
-          <p:cNvSpPr>
-            <a:spLocks noGrp="1"/>
-          </p:cNvSpPr>
-          <p:nvPr>
-            <p:ph type="ftr" sz="quarter" idx="11"/>
-          </p:nvPr>
-        </p:nvSpPr>
-        <p:spPr/>
-        <p:txBody>
-          <a:bodyPr/>
-          <a:lstStyle/>
-          <a:p>
-            <a:endParaRPr lang="zh-TW" altLang="en-US"/>
-          </a:p>
-        </p:txBody>
-      </p:sp>
-      <p:sp>
-        <p:nvSpPr>
-          <p:cNvPr id="7" name="投影片編號版面配置區 6">
-            <a:extLst>
-              <a:ext uri="{FF2B5EF4-FFF2-40B4-BE49-F238E27FC236}">
-                <a16:creationId xmlns:a16="http://schemas.microsoft.com/office/drawing/2014/main" id="{71DE6069-164D-4CE0-A71E-540B6219C8D8}"/>
-              </a:ext>
-            </a:extLst>
-          </p:cNvPr>
+      <p:grpSp>
+        <p:nvGrpSpPr>
+          <p:cNvPr id="8" name="Group 7"/>
+          <p:cNvGrpSpPr>
+            <a:grpSpLocks noChangeAspect="1"/>
+          </p:cNvGrpSpPr>
+          <p:nvPr/>
+        </p:nvGrpSpPr>
+        <p:grpSpPr>
+          <a:xfrm>
+            <a:off x="11401725" y="6229681"/>
+            <a:ext cx="457200" cy="457200"/>
+            <a:chOff x="11361456" y="6195813"/>
+            <a:chExt cx="548640" cy="548640"/>
+          </a:xfrm>
+        </p:grpSpPr>
+        <p:sp>
+          <p:nvSpPr>
+            <p:cNvPr id="9" name="Oval 8"/>
+            <p:cNvSpPr/>
+            <p:nvPr/>
+          </p:nvSpPr>
+          <p:spPr>
+            <a:xfrm>
+              <a:off x="11361456" y="6195813"/>
+              <a:ext cx="548640" cy="548640"/>
+            </a:xfrm>
+            <a:prstGeom prst="ellipse">
+              <a:avLst/>
+            </a:prstGeom>
+            <a:blipFill dpi="0" rotWithShape="1">
+              <a:blip r:embed="rId4">
+                <a:duotone>
+                  <a:schemeClr val="accent1">
+                    <a:shade val="45000"/>
+                    <a:satMod val="135000"/>
+                  </a:schemeClr>
+                  <a:prstClr val="white"/>
+                </a:duotone>
+                <a:extLst>
+                  <a:ext uri="{BEBA8EAE-BF5A-486C-A8C5-ECC9F3942E4B}">
+                    <a14:imgProps xmlns:a14="http://schemas.microsoft.com/office/drawing/2010/main">
+                      <a14:imgLayer r:embed="rId5">
+                        <a14:imgEffect>
+                          <a14:saturation sat="95000"/>
+                        </a14:imgEffect>
+                        <a14:imgEffect>
+                          <a14:brightnessContrast bright="-40000" contrast="20000"/>
+                        </a14:imgEffect>
+                      </a14:imgLayer>
+                    </a14:imgProps>
+                  </a:ext>
+                </a:extLst>
+              </a:blip>
+              <a:srcRect/>
+              <a:tile tx="50800" ty="0" sx="85000" sy="85000" flip="none" algn="tl"/>
+            </a:blipFill>
+            <a:ln w="25400" cap="flat" cmpd="sng" algn="ctr">
+              <a:noFill/>
+              <a:prstDash val="solid"/>
+            </a:ln>
+            <a:effectLst/>
+          </p:spPr>
+        </p:sp>
+        <p:sp>
+          <p:nvSpPr>
+            <p:cNvPr id="10" name="Oval 9"/>
+            <p:cNvSpPr/>
+            <p:nvPr/>
+          </p:nvSpPr>
+          <p:spPr>
+            <a:xfrm>
+              <a:off x="11396488" y="6230844"/>
+              <a:ext cx="478576" cy="478578"/>
+            </a:xfrm>
+            <a:prstGeom prst="ellipse">
+              <a:avLst/>
+            </a:prstGeom>
+            <a:noFill/>
+            <a:ln w="12700" cap="flat" cmpd="sng" algn="ctr">
+              <a:solidFill>
+                <a:sysClr val="window" lastClr="FFFFFF"/>
+              </a:solidFill>
+              <a:prstDash val="solid"/>
+            </a:ln>
+            <a:effectLst/>
+          </p:spPr>
+        </p:sp>
+      </p:grpSp>
+      <p:sp>
+        <p:nvSpPr>
+          <p:cNvPr id="7" name="Slide Number Placeholder 6"/>
           <p:cNvSpPr>
             <a:spLocks noGrp="1"/>
           </p:cNvSpPr>
@@ -2750,7 +3309,7 @@
     </p:spTree>
     <p:extLst>
       <p:ext uri="{BB962C8B-B14F-4D97-AF65-F5344CB8AC3E}">
-        <p14:creationId xmlns:p14="http://schemas.microsoft.com/office/powerpoint/2010/main" val="3769164267"/>
+        <p14:creationId xmlns:p14="http://schemas.microsoft.com/office/powerpoint/2010/main" val="3525346431"/>
       </p:ext>
     </p:extLst>
   </p:cSld>
@@ -2784,13 +3343,7 @@
       </p:grpSpPr>
       <p:sp>
         <p:nvSpPr>
-          <p:cNvPr id="2" name="標題版面配置區 1">
-            <a:extLst>
-              <a:ext uri="{FF2B5EF4-FFF2-40B4-BE49-F238E27FC236}">
-                <a16:creationId xmlns:a16="http://schemas.microsoft.com/office/drawing/2014/main" id="{8CF1FB87-55A1-462F-BA3D-D1B8703A6DCD}"/>
-              </a:ext>
-            </a:extLst>
-          </p:cNvPr>
+          <p:cNvPr id="2" name="Title Placeholder 1"/>
           <p:cNvSpPr>
             <a:spLocks noGrp="1"/>
           </p:cNvSpPr>
@@ -2800,8 +3353,8 @@
         </p:nvSpPr>
         <p:spPr>
           <a:xfrm>
-            <a:off x="838200" y="365125"/>
-            <a:ext cx="10515600" cy="1325563"/>
+            <a:off x="1069848" y="484632"/>
+            <a:ext cx="10058400" cy="1609344"/>
           </a:xfrm>
           <a:prstGeom prst="rect">
             <a:avLst/>
@@ -2817,18 +3370,13 @@
               <a:rPr lang="zh-TW" altLang="en-US"/>
               <a:t>按一下以編輯母片標題樣式</a:t>
             </a:r>
-          </a:p>
-        </p:txBody>
-      </p:sp>
-      <p:sp>
-        <p:nvSpPr>
-          <p:cNvPr id="3" name="文字版面配置區 2">
-            <a:extLst>
-              <a:ext uri="{FF2B5EF4-FFF2-40B4-BE49-F238E27FC236}">
-                <a16:creationId xmlns:a16="http://schemas.microsoft.com/office/drawing/2014/main" id="{531B41DC-B654-4232-B195-CFB0F89649C8}"/>
-              </a:ext>
-            </a:extLst>
-          </p:cNvPr>
+            <a:endParaRPr lang="en-US" dirty="0"/>
+          </a:p>
+        </p:txBody>
+      </p:sp>
+      <p:sp>
+        <p:nvSpPr>
+          <p:cNvPr id="3" name="Text Placeholder 2"/>
           <p:cNvSpPr>
             <a:spLocks noGrp="1"/>
           </p:cNvSpPr>
@@ -2838,8 +3386,8 @@
         </p:nvSpPr>
         <p:spPr>
           <a:xfrm>
-            <a:off x="838200" y="1825625"/>
-            <a:ext cx="10515600" cy="4351338"/>
+            <a:off x="1069848" y="2121408"/>
+            <a:ext cx="10058400" cy="4050792"/>
           </a:xfrm>
           <a:prstGeom prst="rect">
             <a:avLst/>
@@ -2884,18 +3432,13 @@
               <a:rPr lang="zh-TW" altLang="en-US"/>
               <a:t>第五層</a:t>
             </a:r>
-          </a:p>
-        </p:txBody>
-      </p:sp>
-      <p:sp>
-        <p:nvSpPr>
-          <p:cNvPr id="4" name="日期版面配置區 3">
-            <a:extLst>
-              <a:ext uri="{FF2B5EF4-FFF2-40B4-BE49-F238E27FC236}">
-                <a16:creationId xmlns:a16="http://schemas.microsoft.com/office/drawing/2014/main" id="{BCB1021A-E872-4291-959B-75DCA68D2C1F}"/>
-              </a:ext>
-            </a:extLst>
-          </p:cNvPr>
+            <a:endParaRPr lang="en-US" dirty="0"/>
+          </a:p>
+        </p:txBody>
+      </p:sp>
+      <p:sp>
+        <p:nvSpPr>
+          <p:cNvPr id="4" name="Date Placeholder 3"/>
           <p:cNvSpPr>
             <a:spLocks noGrp="1"/>
           </p:cNvSpPr>
@@ -2905,8 +3448,8 @@
         </p:nvSpPr>
         <p:spPr>
           <a:xfrm>
-            <a:off x="838200" y="6356350"/>
-            <a:ext cx="2743200" cy="365125"/>
+            <a:off x="7964424" y="6272784"/>
+            <a:ext cx="3273552" cy="365125"/>
           </a:xfrm>
           <a:prstGeom prst="rect">
             <a:avLst/>
@@ -2915,12 +3458,10 @@
         <p:txBody>
           <a:bodyPr vert="horz" lIns="91440" tIns="45720" rIns="91440" bIns="45720" rtlCol="0" anchor="ctr"/>
           <a:lstStyle>
-            <a:lvl1pPr algn="l">
-              <a:defRPr sz="1200">
+            <a:lvl1pPr algn="r">
+              <a:defRPr sz="1100">
                 <a:solidFill>
-                  <a:schemeClr val="tx1">
-                    <a:tint val="75000"/>
-                  </a:schemeClr>
+                  <a:schemeClr val="tx2"/>
                 </a:solidFill>
               </a:defRPr>
             </a:lvl1pPr>
@@ -2928,7 +3469,7 @@
           <a:p>
             <a:fld id="{22C6A78A-30B0-4E89-A598-CD8E7107BD21}" type="datetimeFigureOut">
               <a:rPr lang="zh-TW" altLang="en-US" smtClean="0"/>
-              <a:t>2024/1/19</a:t>
+              <a:t>2024/1/22</a:t>
             </a:fld>
             <a:endParaRPr lang="zh-TW" altLang="en-US"/>
           </a:p>
@@ -2936,13 +3477,7 @@
       </p:sp>
       <p:sp>
         <p:nvSpPr>
-          <p:cNvPr id="5" name="頁尾版面配置區 4">
-            <a:extLst>
-              <a:ext uri="{FF2B5EF4-FFF2-40B4-BE49-F238E27FC236}">
-                <a16:creationId xmlns:a16="http://schemas.microsoft.com/office/drawing/2014/main" id="{C8B3B24F-435F-4284-A626-03D82B01B25E}"/>
-              </a:ext>
-            </a:extLst>
-          </p:cNvPr>
+          <p:cNvPr id="5" name="Footer Placeholder 4"/>
           <p:cNvSpPr>
             <a:spLocks noGrp="1"/>
           </p:cNvSpPr>
@@ -2952,8 +3487,8 @@
         </p:nvSpPr>
         <p:spPr>
           <a:xfrm>
-            <a:off x="4038600" y="6356350"/>
-            <a:ext cx="4114800" cy="365125"/>
+            <a:off x="1088136" y="6272784"/>
+            <a:ext cx="6327648" cy="365125"/>
           </a:xfrm>
           <a:prstGeom prst="rect">
             <a:avLst/>
@@ -2962,12 +3497,10 @@
         <p:txBody>
           <a:bodyPr vert="horz" lIns="91440" tIns="45720" rIns="91440" bIns="45720" rtlCol="0" anchor="ctr"/>
           <a:lstStyle>
-            <a:lvl1pPr algn="ctr">
-              <a:defRPr sz="1200">
+            <a:lvl1pPr algn="l">
+              <a:defRPr sz="1100">
                 <a:solidFill>
-                  <a:schemeClr val="tx1">
-                    <a:tint val="75000"/>
-                  </a:schemeClr>
+                  <a:schemeClr val="tx2"/>
                 </a:solidFill>
               </a:defRPr>
             </a:lvl1pPr>
@@ -2977,15 +3510,98 @@
           </a:p>
         </p:txBody>
       </p:sp>
-      <p:sp>
-        <p:nvSpPr>
-          <p:cNvPr id="6" name="投影片編號版面配置區 5">
-            <a:extLst>
-              <a:ext uri="{FF2B5EF4-FFF2-40B4-BE49-F238E27FC236}">
-                <a16:creationId xmlns:a16="http://schemas.microsoft.com/office/drawing/2014/main" id="{7BF869BE-193A-4043-912C-A211DF0564C1}"/>
-              </a:ext>
-            </a:extLst>
-          </p:cNvPr>
+      <p:grpSp>
+        <p:nvGrpSpPr>
+          <p:cNvPr id="7" name="Group 6"/>
+          <p:cNvGrpSpPr>
+            <a:grpSpLocks noChangeAspect="1"/>
+          </p:cNvGrpSpPr>
+          <p:nvPr/>
+        </p:nvGrpSpPr>
+        <p:grpSpPr>
+          <a:xfrm>
+            <a:off x="11401725" y="6229681"/>
+            <a:ext cx="457200" cy="457200"/>
+            <a:chOff x="11361456" y="6195813"/>
+            <a:chExt cx="548640" cy="548640"/>
+          </a:xfrm>
+        </p:grpSpPr>
+        <p:sp>
+          <p:nvSpPr>
+            <p:cNvPr id="8" name="Oval 7"/>
+            <p:cNvSpPr/>
+            <p:nvPr/>
+          </p:nvSpPr>
+          <p:spPr>
+            <a:xfrm>
+              <a:off x="11361456" y="6195813"/>
+              <a:ext cx="548640" cy="548640"/>
+            </a:xfrm>
+            <a:prstGeom prst="ellipse">
+              <a:avLst/>
+            </a:prstGeom>
+            <a:blipFill dpi="0" rotWithShape="1">
+              <a:blip r:embed="rId13">
+                <a:duotone>
+                  <a:schemeClr val="accent1">
+                    <a:shade val="45000"/>
+                    <a:satMod val="135000"/>
+                  </a:schemeClr>
+                  <a:prstClr val="white"/>
+                </a:duotone>
+                <a:extLst>
+                  <a:ext uri="{BEBA8EAE-BF5A-486C-A8C5-ECC9F3942E4B}">
+                    <a14:imgProps xmlns:a14="http://schemas.microsoft.com/office/drawing/2010/main">
+                      <a14:imgLayer r:embed="rId14">
+                        <a14:imgEffect>
+                          <a14:saturation sat="95000"/>
+                        </a14:imgEffect>
+                        <a14:imgEffect>
+                          <a14:brightnessContrast bright="-40000" contrast="20000"/>
+                        </a14:imgEffect>
+                      </a14:imgLayer>
+                    </a14:imgProps>
+                  </a:ext>
+                </a:extLst>
+              </a:blip>
+              <a:srcRect/>
+              <a:tile tx="50800" ty="0" sx="85000" sy="85000" flip="none" algn="tl"/>
+            </a:blipFill>
+            <a:ln w="25400" cap="flat" cmpd="sng" algn="ctr">
+              <a:noFill/>
+              <a:prstDash val="solid"/>
+            </a:ln>
+            <a:effectLst/>
+          </p:spPr>
+        </p:sp>
+        <p:sp>
+          <p:nvSpPr>
+            <p:cNvPr id="9" name="Oval 8"/>
+            <p:cNvSpPr/>
+            <p:nvPr/>
+          </p:nvSpPr>
+          <p:spPr>
+            <a:xfrm>
+              <a:off x="11396488" y="6230844"/>
+              <a:ext cx="478576" cy="478578"/>
+            </a:xfrm>
+            <a:prstGeom prst="ellipse">
+              <a:avLst/>
+            </a:prstGeom>
+            <a:noFill/>
+            <a:ln w="12700" cap="flat" cmpd="sng" algn="ctr">
+              <a:solidFill>
+                <a:srgbClr val="FFFFFF"/>
+              </a:solidFill>
+              <a:prstDash val="solid"/>
+            </a:ln>
+            <a:effectLst/>
+          </p:spPr>
+        </p:sp>
+      </p:grpSp>
+      <p:sp>
+        <p:nvSpPr>
+          <p:cNvPr id="6" name="Slide Number Placeholder 5"/>
           <p:cNvSpPr>
             <a:spLocks noGrp="1"/>
           </p:cNvSpPr>
@@ -2995,8 +3611,8 @@
         </p:nvSpPr>
         <p:spPr>
           <a:xfrm>
-            <a:off x="8610600" y="6356350"/>
-            <a:ext cx="2743200" cy="365125"/>
+            <a:off x="11311128" y="6272784"/>
+            <a:ext cx="640080" cy="365125"/>
           </a:xfrm>
           <a:prstGeom prst="rect">
             <a:avLst/>
@@ -3005,13 +3621,12 @@
         <p:txBody>
           <a:bodyPr vert="horz" lIns="91440" tIns="45720" rIns="91440" bIns="45720" rtlCol="0" anchor="ctr"/>
           <a:lstStyle>
-            <a:lvl1pPr algn="r">
-              <a:defRPr sz="1200">
+            <a:lvl1pPr algn="ctr">
+              <a:defRPr sz="1400" b="1">
                 <a:solidFill>
-                  <a:schemeClr val="tx1">
-                    <a:tint val="75000"/>
-                  </a:schemeClr>
+                  <a:srgbClr val="FFFFFF"/>
                 </a:solidFill>
+                <a:latin typeface="+mj-lt"/>
               </a:defRPr>
             </a:lvl1pPr>
           </a:lstStyle>
@@ -3027,23 +3642,23 @@
     </p:spTree>
     <p:extLst>
       <p:ext uri="{BB962C8B-B14F-4D97-AF65-F5344CB8AC3E}">
-        <p14:creationId xmlns:p14="http://schemas.microsoft.com/office/powerpoint/2010/main" val="720902418"/>
+        <p14:creationId xmlns:p14="http://schemas.microsoft.com/office/powerpoint/2010/main" val="3713335915"/>
       </p:ext>
     </p:extLst>
   </p:cSld>
   <p:clrMap bg1="lt1" tx1="dk1" bg2="lt2" tx2="dk2" accent1="accent1" accent2="accent2" accent3="accent3" accent4="accent4" accent5="accent5" accent6="accent6" hlink="hlink" folHlink="folHlink"/>
   <p:sldLayoutIdLst>
-    <p:sldLayoutId id="2147483649" r:id="rId1"/>
-    <p:sldLayoutId id="2147483650" r:id="rId2"/>
-    <p:sldLayoutId id="2147483651" r:id="rId3"/>
-    <p:sldLayoutId id="2147483652" r:id="rId4"/>
-    <p:sldLayoutId id="2147483653" r:id="rId5"/>
-    <p:sldLayoutId id="2147483654" r:id="rId6"/>
-    <p:sldLayoutId id="2147483655" r:id="rId7"/>
-    <p:sldLayoutId id="2147483656" r:id="rId8"/>
-    <p:sldLayoutId id="2147483657" r:id="rId9"/>
-    <p:sldLayoutId id="2147483658" r:id="rId10"/>
-    <p:sldLayoutId id="2147483659" r:id="rId11"/>
+    <p:sldLayoutId id="2147483661" r:id="rId1"/>
+    <p:sldLayoutId id="2147483662" r:id="rId2"/>
+    <p:sldLayoutId id="2147483663" r:id="rId3"/>
+    <p:sldLayoutId id="2147483664" r:id="rId4"/>
+    <p:sldLayoutId id="2147483665" r:id="rId5"/>
+    <p:sldLayoutId id="2147483666" r:id="rId6"/>
+    <p:sldLayoutId id="2147483667" r:id="rId7"/>
+    <p:sldLayoutId id="2147483668" r:id="rId8"/>
+    <p:sldLayoutId id="2147483669" r:id="rId9"/>
+    <p:sldLayoutId id="2147483670" r:id="rId10"/>
+    <p:sldLayoutId id="2147483671" r:id="rId11"/>
   </p:sldLayoutIdLst>
   <p:txStyles>
     <p:titleStyle>
@@ -3055,10 +3670,17 @@
           <a:spcPct val="0"/>
         </a:spcBef>
         <a:buNone/>
-        <a:defRPr sz="4400" kern="1200">
-          <a:solidFill>
-            <a:schemeClr val="tx1"/>
-          </a:solidFill>
+        <a:defRPr sz="5400" kern="1200" cap="all" baseline="0">
+          <a:blipFill>
+            <a:blip r:embed="rId15">
+              <a:extLst>
+                <a:ext uri="{28A0092B-C50C-407E-A947-70E740481C1C}">
+                  <a14:useLocalDpi xmlns:a14="http://schemas.microsoft.com/office/drawing/2010/main" val="0"/>
+                </a:ext>
+              </a:extLst>
+            </a:blip>
+            <a:tile tx="6350" ty="-127000" sx="65000" sy="64000" flip="none" algn="tl"/>
+          </a:blipFill>
           <a:latin typeface="+mj-lt"/>
           <a:ea typeface="+mj-ea"/>
           <a:cs typeface="+mj-cs"/>
@@ -3066,16 +3688,22 @@
       </a:lvl1pPr>
     </p:titleStyle>
     <p:bodyStyle>
-      <a:lvl1pPr marL="228600" indent="-228600" algn="l" defTabSz="914400" rtl="0" eaLnBrk="1" latinLnBrk="0" hangingPunct="1">
+      <a:lvl1pPr marL="182880" indent="-182880" algn="l" defTabSz="914400" rtl="0" eaLnBrk="1" latinLnBrk="0" hangingPunct="1">
         <a:lnSpc>
           <a:spcPct val="90000"/>
         </a:lnSpc>
         <a:spcBef>
-          <a:spcPts val="1000"/>
+          <a:spcPts val="1200"/>
         </a:spcBef>
-        <a:buFont typeface="Arial" panose="020B0604020202020204" pitchFamily="34" charset="0"/>
-        <a:buChar char="•"/>
-        <a:defRPr sz="2800" kern="1200">
+        <a:buClr>
+          <a:schemeClr val="accent1">
+            <a:lumMod val="75000"/>
+          </a:schemeClr>
+        </a:buClr>
+        <a:buSzPct val="85000"/>
+        <a:buFont typeface="Wingdings" pitchFamily="2" charset="2"/>
+        <a:buChar char="§"/>
+        <a:defRPr sz="2000" kern="1200">
           <a:solidFill>
             <a:schemeClr val="tx1"/>
           </a:solidFill>
@@ -3084,16 +3712,25 @@
           <a:cs typeface="+mn-cs"/>
         </a:defRPr>
       </a:lvl1pPr>
-      <a:lvl2pPr marL="685800" indent="-228600" algn="l" defTabSz="914400" rtl="0" eaLnBrk="1" latinLnBrk="0" hangingPunct="1">
+      <a:lvl2pPr marL="457200" indent="-182880" algn="l" defTabSz="914400" rtl="0" eaLnBrk="1" latinLnBrk="0" hangingPunct="1">
         <a:lnSpc>
           <a:spcPct val="90000"/>
         </a:lnSpc>
         <a:spcBef>
-          <a:spcPts val="500"/>
+          <a:spcPts val="400"/>
         </a:spcBef>
-        <a:buFont typeface="Arial" panose="020B0604020202020204" pitchFamily="34" charset="0"/>
-        <a:buChar char="•"/>
-        <a:defRPr sz="2400" kern="1200">
+        <a:spcAft>
+          <a:spcPts val="200"/>
+        </a:spcAft>
+        <a:buClr>
+          <a:schemeClr val="accent1">
+            <a:lumMod val="75000"/>
+          </a:schemeClr>
+        </a:buClr>
+        <a:buSzPct val="85000"/>
+        <a:buFont typeface="Wingdings" pitchFamily="2" charset="2"/>
+        <a:buChar char="§"/>
+        <a:defRPr sz="1800" kern="1200">
           <a:solidFill>
             <a:schemeClr val="tx1"/>
           </a:solidFill>
@@ -3102,16 +3739,25 @@
           <a:cs typeface="+mn-cs"/>
         </a:defRPr>
       </a:lvl2pPr>
-      <a:lvl3pPr marL="1143000" indent="-228600" algn="l" defTabSz="914400" rtl="0" eaLnBrk="1" latinLnBrk="0" hangingPunct="1">
+      <a:lvl3pPr marL="731520" indent="-182880" algn="l" defTabSz="914400" rtl="0" eaLnBrk="1" latinLnBrk="0" hangingPunct="1">
         <a:lnSpc>
           <a:spcPct val="90000"/>
         </a:lnSpc>
         <a:spcBef>
-          <a:spcPts val="500"/>
+          <a:spcPts val="400"/>
         </a:spcBef>
-        <a:buFont typeface="Arial" panose="020B0604020202020204" pitchFamily="34" charset="0"/>
-        <a:buChar char="•"/>
-        <a:defRPr sz="2000" kern="1200">
+        <a:spcAft>
+          <a:spcPts val="200"/>
+        </a:spcAft>
+        <a:buClr>
+          <a:schemeClr val="accent1">
+            <a:lumMod val="75000"/>
+          </a:schemeClr>
+        </a:buClr>
+        <a:buSzPct val="85000"/>
+        <a:buFont typeface="Wingdings" pitchFamily="2" charset="2"/>
+        <a:buChar char="§"/>
+        <a:defRPr sz="1600" kern="1200">
           <a:solidFill>
             <a:schemeClr val="tx1"/>
           </a:solidFill>
@@ -3120,16 +3766,25 @@
           <a:cs typeface="+mn-cs"/>
         </a:defRPr>
       </a:lvl3pPr>
-      <a:lvl4pPr marL="1600200" indent="-228600" algn="l" defTabSz="914400" rtl="0" eaLnBrk="1" latinLnBrk="0" hangingPunct="1">
+      <a:lvl4pPr marL="1005840" indent="-182880" algn="l" defTabSz="914400" rtl="0" eaLnBrk="1" latinLnBrk="0" hangingPunct="1">
         <a:lnSpc>
           <a:spcPct val="90000"/>
         </a:lnSpc>
         <a:spcBef>
-          <a:spcPts val="500"/>
+          <a:spcPts val="400"/>
         </a:spcBef>
-        <a:buFont typeface="Arial" panose="020B0604020202020204" pitchFamily="34" charset="0"/>
-        <a:buChar char="•"/>
-        <a:defRPr sz="1800" kern="1200">
+        <a:spcAft>
+          <a:spcPts val="200"/>
+        </a:spcAft>
+        <a:buClr>
+          <a:schemeClr val="accent1">
+            <a:lumMod val="75000"/>
+          </a:schemeClr>
+        </a:buClr>
+        <a:buSzPct val="85000"/>
+        <a:buFont typeface="Wingdings" pitchFamily="2" charset="2"/>
+        <a:buChar char="§"/>
+        <a:defRPr sz="1600" kern="1200">
           <a:solidFill>
             <a:schemeClr val="tx1"/>
           </a:solidFill>
@@ -3138,16 +3793,25 @@
           <a:cs typeface="+mn-cs"/>
         </a:defRPr>
       </a:lvl4pPr>
-      <a:lvl5pPr marL="2057400" indent="-228600" algn="l" defTabSz="914400" rtl="0" eaLnBrk="1" latinLnBrk="0" hangingPunct="1">
+      <a:lvl5pPr marL="1280160" indent="-182880" algn="l" defTabSz="914400" rtl="0" eaLnBrk="1" latinLnBrk="0" hangingPunct="1">
         <a:lnSpc>
           <a:spcPct val="90000"/>
         </a:lnSpc>
         <a:spcBef>
-          <a:spcPts val="500"/>
+          <a:spcPts val="400"/>
         </a:spcBef>
-        <a:buFont typeface="Arial" panose="020B0604020202020204" pitchFamily="34" charset="0"/>
-        <a:buChar char="•"/>
-        <a:defRPr sz="1800" kern="1200">
+        <a:spcAft>
+          <a:spcPts val="200"/>
+        </a:spcAft>
+        <a:buClr>
+          <a:schemeClr val="accent1">
+            <a:lumMod val="75000"/>
+          </a:schemeClr>
+        </a:buClr>
+        <a:buSzPct val="85000"/>
+        <a:buFont typeface="Wingdings" pitchFamily="2" charset="2"/>
+        <a:buChar char="§"/>
+        <a:defRPr sz="1600" kern="1200">
           <a:solidFill>
             <a:schemeClr val="tx1"/>
           </a:solidFill>
@@ -3156,16 +3820,25 @@
           <a:cs typeface="+mn-cs"/>
         </a:defRPr>
       </a:lvl5pPr>
-      <a:lvl6pPr marL="2514600" indent="-228600" algn="l" defTabSz="914400" rtl="0" eaLnBrk="1" latinLnBrk="0" hangingPunct="1">
+      <a:lvl6pPr marL="1600000" indent="-228600" algn="l" defTabSz="914400" rtl="0" eaLnBrk="1" latinLnBrk="0" hangingPunct="1">
         <a:lnSpc>
           <a:spcPct val="90000"/>
         </a:lnSpc>
         <a:spcBef>
-          <a:spcPts val="500"/>
+          <a:spcPts val="400"/>
         </a:spcBef>
-        <a:buFont typeface="Arial" panose="020B0604020202020204" pitchFamily="34" charset="0"/>
-        <a:buChar char="•"/>
-        <a:defRPr sz="1800" kern="1200">
+        <a:spcAft>
+          <a:spcPts val="200"/>
+        </a:spcAft>
+        <a:buClr>
+          <a:schemeClr val="accent1">
+            <a:lumMod val="75000"/>
+          </a:schemeClr>
+        </a:buClr>
+        <a:buSzPct val="85000"/>
+        <a:buFont typeface="Wingdings" pitchFamily="2" charset="2"/>
+        <a:buChar char="§"/>
+        <a:defRPr sz="1600" kern="1200">
           <a:solidFill>
             <a:schemeClr val="tx1"/>
           </a:solidFill>
@@ -3174,16 +3847,25 @@
           <a:cs typeface="+mn-cs"/>
         </a:defRPr>
       </a:lvl6pPr>
-      <a:lvl7pPr marL="2971800" indent="-228600" algn="l" defTabSz="914400" rtl="0" eaLnBrk="1" latinLnBrk="0" hangingPunct="1">
+      <a:lvl7pPr marL="1900000" indent="-228600" algn="l" defTabSz="914400" rtl="0" eaLnBrk="1" latinLnBrk="0" hangingPunct="1">
         <a:lnSpc>
           <a:spcPct val="90000"/>
         </a:lnSpc>
         <a:spcBef>
-          <a:spcPts val="500"/>
+          <a:spcPts val="400"/>
         </a:spcBef>
-        <a:buFont typeface="Arial" panose="020B0604020202020204" pitchFamily="34" charset="0"/>
-        <a:buChar char="•"/>
-        <a:defRPr sz="1800" kern="1200">
+        <a:spcAft>
+          <a:spcPts val="200"/>
+        </a:spcAft>
+        <a:buClr>
+          <a:schemeClr val="accent1">
+            <a:lumMod val="75000"/>
+          </a:schemeClr>
+        </a:buClr>
+        <a:buSzPct val="85000"/>
+        <a:buFont typeface="Wingdings" pitchFamily="2" charset="2"/>
+        <a:buChar char="§"/>
+        <a:defRPr sz="1600" kern="1200">
           <a:solidFill>
             <a:schemeClr val="tx1"/>
           </a:solidFill>
@@ -3192,16 +3874,25 @@
           <a:cs typeface="+mn-cs"/>
         </a:defRPr>
       </a:lvl7pPr>
-      <a:lvl8pPr marL="3429000" indent="-228600" algn="l" defTabSz="914400" rtl="0" eaLnBrk="1" latinLnBrk="0" hangingPunct="1">
+      <a:lvl8pPr marL="2200000" indent="-228600" algn="l" defTabSz="914400" rtl="0" eaLnBrk="1" latinLnBrk="0" hangingPunct="1">
         <a:lnSpc>
           <a:spcPct val="90000"/>
         </a:lnSpc>
         <a:spcBef>
-          <a:spcPts val="500"/>
+          <a:spcPts val="400"/>
         </a:spcBef>
-        <a:buFont typeface="Arial" panose="020B0604020202020204" pitchFamily="34" charset="0"/>
-        <a:buChar char="•"/>
-        <a:defRPr sz="1800" kern="1200">
+        <a:spcAft>
+          <a:spcPts val="200"/>
+        </a:spcAft>
+        <a:buClr>
+          <a:schemeClr val="accent1">
+            <a:lumMod val="75000"/>
+          </a:schemeClr>
+        </a:buClr>
+        <a:buSzPct val="85000"/>
+        <a:buFont typeface="Wingdings" pitchFamily="2" charset="2"/>
+        <a:buChar char="§"/>
+        <a:defRPr sz="1600" kern="1200">
           <a:solidFill>
             <a:schemeClr val="tx1"/>
           </a:solidFill>
@@ -3210,16 +3901,25 @@
           <a:cs typeface="+mn-cs"/>
         </a:defRPr>
       </a:lvl8pPr>
-      <a:lvl9pPr marL="3886200" indent="-228600" algn="l" defTabSz="914400" rtl="0" eaLnBrk="1" latinLnBrk="0" hangingPunct="1">
+      <a:lvl9pPr marL="2500000" indent="-228600" algn="l" defTabSz="914400" rtl="0" eaLnBrk="1" latinLnBrk="0" hangingPunct="1">
         <a:lnSpc>
           <a:spcPct val="90000"/>
         </a:lnSpc>
         <a:spcBef>
-          <a:spcPts val="500"/>
+          <a:spcPts val="400"/>
         </a:spcBef>
-        <a:buFont typeface="Arial" panose="020B0604020202020204" pitchFamily="34" charset="0"/>
-        <a:buChar char="•"/>
-        <a:defRPr sz="1800" kern="1200">
+        <a:spcAft>
+          <a:spcPts val="200"/>
+        </a:spcAft>
+        <a:buClr>
+          <a:schemeClr val="accent1">
+            <a:lumMod val="75000"/>
+          </a:schemeClr>
+        </a:buClr>
+        <a:buSzPct val="85000"/>
+        <a:buFont typeface="Wingdings" pitchFamily="2" charset="2"/>
+        <a:buChar char="§"/>
+        <a:defRPr sz="1600" kern="1200">
           <a:solidFill>
             <a:schemeClr val="tx1"/>
           </a:solidFill>
@@ -3231,7 +3931,7 @@
     </p:bodyStyle>
     <p:otherStyle>
       <a:defPPr>
-        <a:defRPr lang="zh-TW"/>
+        <a:defRPr lang="en-US"/>
       </a:defPPr>
       <a:lvl1pPr marL="0" algn="l" defTabSz="914400" rtl="0" eaLnBrk="1" latinLnBrk="0" hangingPunct="1">
         <a:defRPr sz="1800" kern="1200">
@@ -3391,16 +4091,21 @@
         </p:nvSpPr>
         <p:spPr>
           <a:xfrm>
-            <a:off x="2881184" y="4917989"/>
+            <a:off x="1051560" y="4912972"/>
             <a:ext cx="6429632" cy="512805"/>
           </a:xfrm>
         </p:spPr>
         <p:txBody>
-          <a:bodyPr/>
+          <a:bodyPr>
+            <a:noAutofit/>
+          </a:bodyPr>
           <a:lstStyle/>
           <a:p>
             <a:r>
-              <a:rPr lang="zh-TW" altLang="en-US" dirty="0"/>
+              <a:rPr lang="zh-TW" altLang="en-US" sz="4000" dirty="0">
+                <a:latin typeface="+mj-ea"/>
+                <a:ea typeface="+mj-ea"/>
+              </a:rPr>
               <a:t>賴彥廷</a:t>
             </a:r>
           </a:p>
@@ -4234,6 +4939,488 @@
           <a:chExt cx="0" cy="0"/>
         </a:xfrm>
       </p:grpSpPr>
+      <p:pic>
+        <p:nvPicPr>
+          <p:cNvPr id="17" name="圖片 16">
+            <a:extLst>
+              <a:ext uri="{FF2B5EF4-FFF2-40B4-BE49-F238E27FC236}">
+                <a16:creationId xmlns:a16="http://schemas.microsoft.com/office/drawing/2014/main" id="{9862B3D4-EB21-4BE3-8CD4-BC938B207383}"/>
+              </a:ext>
+            </a:extLst>
+          </p:cNvPr>
+          <p:cNvPicPr>
+            <a:picLocks noChangeAspect="1"/>
+          </p:cNvPicPr>
+          <p:nvPr/>
+        </p:nvPicPr>
+        <p:blipFill>
+          <a:blip r:embed="rId2">
+            <a:extLst>
+              <a:ext uri="{28A0092B-C50C-407E-A947-70E740481C1C}">
+                <a14:useLocalDpi xmlns:a14="http://schemas.microsoft.com/office/drawing/2010/main" val="0"/>
+              </a:ext>
+            </a:extLst>
+          </a:blip>
+          <a:stretch>
+            <a:fillRect/>
+          </a:stretch>
+        </p:blipFill>
+        <p:spPr>
+          <a:xfrm>
+            <a:off x="99370" y="1312112"/>
+            <a:ext cx="3594100" cy="1999218"/>
+          </a:xfrm>
+          <a:prstGeom prst="rect">
+            <a:avLst/>
+          </a:prstGeom>
+        </p:spPr>
+      </p:pic>
+      <p:sp>
+        <p:nvSpPr>
+          <p:cNvPr id="2" name="標題 1">
+            <a:extLst>
+              <a:ext uri="{FF2B5EF4-FFF2-40B4-BE49-F238E27FC236}">
+                <a16:creationId xmlns:a16="http://schemas.microsoft.com/office/drawing/2014/main" id="{134FD916-07CA-4F22-BC01-74CD5768805D}"/>
+              </a:ext>
+            </a:extLst>
+          </p:cNvPr>
+          <p:cNvSpPr>
+            <a:spLocks noGrp="1"/>
+          </p:cNvSpPr>
+          <p:nvPr>
+            <p:ph type="title"/>
+          </p:nvPr>
+        </p:nvSpPr>
+        <p:spPr>
+          <a:xfrm>
+            <a:off x="1276865" y="491855"/>
+            <a:ext cx="10058400" cy="1097033"/>
+          </a:xfrm>
+        </p:spPr>
+        <p:txBody>
+          <a:bodyPr>
+            <a:normAutofit fontScale="90000"/>
+          </a:bodyPr>
+          <a:lstStyle/>
+          <a:p>
+            <a:r>
+              <a:rPr lang="en-US" altLang="zh-TW" dirty="0"/>
+              <a:t>JMeter</a:t>
+            </a:r>
+            <a:r>
+              <a:rPr lang="zh-TW" altLang="en-US" dirty="0"/>
+              <a:t>測試</a:t>
+            </a:r>
+            <a:br>
+              <a:rPr lang="en-US" altLang="zh-TW" dirty="0"/>
+            </a:br>
+            <a:r>
+              <a:rPr lang="en-US" altLang="zh-TW" dirty="0"/>
+              <a:t>(</a:t>
+            </a:r>
+            <a:r>
+              <a:rPr lang="zh-TW" altLang="en-US" dirty="0"/>
+              <a:t>首頁</a:t>
+            </a:r>
+            <a:r>
+              <a:rPr lang="en-US" altLang="zh-TW" dirty="0"/>
+              <a:t>1</a:t>
+            </a:r>
+            <a:r>
+              <a:rPr lang="zh-TW" altLang="en-US" dirty="0"/>
+              <a:t>秒內</a:t>
+            </a:r>
+            <a:r>
+              <a:rPr lang="en-US" altLang="zh-TW" dirty="0"/>
+              <a:t>100</a:t>
+            </a:r>
+            <a:r>
+              <a:rPr lang="zh-TW" altLang="en-US" dirty="0"/>
+              <a:t>人進入重複</a:t>
+            </a:r>
+            <a:r>
+              <a:rPr lang="en-US" altLang="zh-TW" dirty="0"/>
+              <a:t>3</a:t>
+            </a:r>
+            <a:r>
+              <a:rPr lang="zh-TW" altLang="en-US" dirty="0"/>
+              <a:t>次</a:t>
+            </a:r>
+            <a:r>
+              <a:rPr lang="en-US" altLang="zh-TW" dirty="0"/>
+              <a:t>)</a:t>
+            </a:r>
+            <a:endParaRPr lang="zh-TW" altLang="en-US" dirty="0"/>
+          </a:p>
+        </p:txBody>
+      </p:sp>
+      <p:pic>
+        <p:nvPicPr>
+          <p:cNvPr id="13" name="內容版面配置區 12">
+            <a:extLst>
+              <a:ext uri="{FF2B5EF4-FFF2-40B4-BE49-F238E27FC236}">
+                <a16:creationId xmlns:a16="http://schemas.microsoft.com/office/drawing/2014/main" id="{FBC21521-4CA5-42FD-A17F-4998F8A0E5C5}"/>
+              </a:ext>
+            </a:extLst>
+          </p:cNvPr>
+          <p:cNvPicPr>
+            <a:picLocks noGrp="1" noChangeAspect="1"/>
+          </p:cNvPicPr>
+          <p:nvPr>
+            <p:ph idx="1"/>
+          </p:nvPr>
+        </p:nvPicPr>
+        <p:blipFill>
+          <a:blip r:embed="rId3">
+            <a:extLst>
+              <a:ext uri="{28A0092B-C50C-407E-A947-70E740481C1C}">
+                <a14:useLocalDpi xmlns:a14="http://schemas.microsoft.com/office/drawing/2010/main" val="0"/>
+              </a:ext>
+            </a:extLst>
+          </a:blip>
+          <a:stretch>
+            <a:fillRect/>
+          </a:stretch>
+        </p:blipFill>
+        <p:spPr>
+          <a:xfrm>
+            <a:off x="200610" y="2619632"/>
+            <a:ext cx="5685326" cy="3194967"/>
+          </a:xfrm>
+        </p:spPr>
+      </p:pic>
+      <p:pic>
+        <p:nvPicPr>
+          <p:cNvPr id="15" name="圖片 14">
+            <a:extLst>
+              <a:ext uri="{FF2B5EF4-FFF2-40B4-BE49-F238E27FC236}">
+                <a16:creationId xmlns:a16="http://schemas.microsoft.com/office/drawing/2014/main" id="{BA1BCD2B-BE63-463F-A6C3-824FB4848A5B}"/>
+              </a:ext>
+            </a:extLst>
+          </p:cNvPr>
+          <p:cNvPicPr>
+            <a:picLocks noChangeAspect="1"/>
+          </p:cNvPicPr>
+          <p:nvPr/>
+        </p:nvPicPr>
+        <p:blipFill>
+          <a:blip r:embed="rId4">
+            <a:extLst>
+              <a:ext uri="{28A0092B-C50C-407E-A947-70E740481C1C}">
+                <a14:useLocalDpi xmlns:a14="http://schemas.microsoft.com/office/drawing/2010/main" val="0"/>
+              </a:ext>
+            </a:extLst>
+          </a:blip>
+          <a:stretch>
+            <a:fillRect/>
+          </a:stretch>
+        </p:blipFill>
+        <p:spPr>
+          <a:xfrm>
+            <a:off x="6306065" y="2619632"/>
+            <a:ext cx="5685326" cy="3197996"/>
+          </a:xfrm>
+          <a:prstGeom prst="rect">
+            <a:avLst/>
+          </a:prstGeom>
+        </p:spPr>
+      </p:pic>
+    </p:spTree>
+    <p:extLst>
+      <p:ext uri="{BB962C8B-B14F-4D97-AF65-F5344CB8AC3E}">
+        <p14:creationId xmlns:p14="http://schemas.microsoft.com/office/powerpoint/2010/main" val="579736071"/>
+      </p:ext>
+    </p:extLst>
+  </p:cSld>
+  <p:clrMapOvr>
+    <a:masterClrMapping/>
+  </p:clrMapOvr>
+</p:sld>
+</file>
+
+<file path=ppt/slides/slide21.xml><?xml version="1.0" encoding="utf-8"?>
+<p:sld xmlns:a="http://schemas.openxmlformats.org/drawingml/2006/main" xmlns:r="http://schemas.openxmlformats.org/officeDocument/2006/relationships" xmlns:p="http://schemas.openxmlformats.org/presentationml/2006/main">
+  <p:cSld>
+    <p:spTree>
+      <p:nvGrpSpPr>
+        <p:cNvPr id="1" name=""/>
+        <p:cNvGrpSpPr/>
+        <p:nvPr/>
+      </p:nvGrpSpPr>
+      <p:grpSpPr>
+        <a:xfrm>
+          <a:off x="0" y="0"/>
+          <a:ext cx="0" cy="0"/>
+          <a:chOff x="0" y="0"/>
+          <a:chExt cx="0" cy="0"/>
+        </a:xfrm>
+      </p:grpSpPr>
+      <p:sp>
+        <p:nvSpPr>
+          <p:cNvPr id="2" name="標題 1">
+            <a:extLst>
+              <a:ext uri="{FF2B5EF4-FFF2-40B4-BE49-F238E27FC236}">
+                <a16:creationId xmlns:a16="http://schemas.microsoft.com/office/drawing/2014/main" id="{76FEF051-2F16-40A9-B6D1-E5FBD785C8CE}"/>
+              </a:ext>
+            </a:extLst>
+          </p:cNvPr>
+          <p:cNvSpPr>
+            <a:spLocks noGrp="1"/>
+          </p:cNvSpPr>
+          <p:nvPr>
+            <p:ph type="title"/>
+          </p:nvPr>
+        </p:nvSpPr>
+        <p:spPr>
+          <a:xfrm>
+            <a:off x="356287" y="93276"/>
+            <a:ext cx="10515600" cy="1325563"/>
+          </a:xfrm>
+        </p:spPr>
+        <p:txBody>
+          <a:bodyPr/>
+          <a:lstStyle/>
+          <a:p>
+            <a:r>
+              <a:rPr lang="zh-TW" altLang="en-US" dirty="0"/>
+              <a:t>測試結果</a:t>
+            </a:r>
+          </a:p>
+        </p:txBody>
+      </p:sp>
+      <p:pic>
+        <p:nvPicPr>
+          <p:cNvPr id="7" name="圖片 6">
+            <a:extLst>
+              <a:ext uri="{FF2B5EF4-FFF2-40B4-BE49-F238E27FC236}">
+                <a16:creationId xmlns:a16="http://schemas.microsoft.com/office/drawing/2014/main" id="{7A643744-F509-4C84-90FF-55E2073357CA}"/>
+              </a:ext>
+            </a:extLst>
+          </p:cNvPr>
+          <p:cNvPicPr>
+            <a:picLocks noChangeAspect="1"/>
+          </p:cNvPicPr>
+          <p:nvPr/>
+        </p:nvPicPr>
+        <p:blipFill>
+          <a:blip r:embed="rId2">
+            <a:extLst>
+              <a:ext uri="{28A0092B-C50C-407E-A947-70E740481C1C}">
+                <a14:useLocalDpi xmlns:a14="http://schemas.microsoft.com/office/drawing/2010/main" val="0"/>
+              </a:ext>
+            </a:extLst>
+          </a:blip>
+          <a:stretch>
+            <a:fillRect/>
+          </a:stretch>
+        </p:blipFill>
+        <p:spPr>
+          <a:xfrm>
+            <a:off x="1623236" y="1186249"/>
+            <a:ext cx="9631710" cy="5417837"/>
+          </a:xfrm>
+          <a:prstGeom prst="rect">
+            <a:avLst/>
+          </a:prstGeom>
+        </p:spPr>
+      </p:pic>
+    </p:spTree>
+    <p:extLst>
+      <p:ext uri="{BB962C8B-B14F-4D97-AF65-F5344CB8AC3E}">
+        <p14:creationId xmlns:p14="http://schemas.microsoft.com/office/powerpoint/2010/main" val="2448037737"/>
+      </p:ext>
+    </p:extLst>
+  </p:cSld>
+  <p:clrMapOvr>
+    <a:masterClrMapping/>
+  </p:clrMapOvr>
+</p:sld>
+</file>
+
+<file path=ppt/slides/slide22.xml><?xml version="1.0" encoding="utf-8"?>
+<p:sld xmlns:a="http://schemas.openxmlformats.org/drawingml/2006/main" xmlns:r="http://schemas.openxmlformats.org/officeDocument/2006/relationships" xmlns:p="http://schemas.openxmlformats.org/presentationml/2006/main">
+  <p:cSld>
+    <p:spTree>
+      <p:nvGrpSpPr>
+        <p:cNvPr id="1" name=""/>
+        <p:cNvGrpSpPr/>
+        <p:nvPr/>
+      </p:nvGrpSpPr>
+      <p:grpSpPr>
+        <a:xfrm>
+          <a:off x="0" y="0"/>
+          <a:ext cx="0" cy="0"/>
+          <a:chOff x="0" y="0"/>
+          <a:chExt cx="0" cy="0"/>
+        </a:xfrm>
+      </p:grpSpPr>
+      <p:pic>
+        <p:nvPicPr>
+          <p:cNvPr id="4" name="內容版面配置區 4">
+            <a:extLst>
+              <a:ext uri="{FF2B5EF4-FFF2-40B4-BE49-F238E27FC236}">
+                <a16:creationId xmlns:a16="http://schemas.microsoft.com/office/drawing/2014/main" id="{805A4990-9A4F-428E-9CC5-9258FE81E8EB}"/>
+              </a:ext>
+            </a:extLst>
+          </p:cNvPr>
+          <p:cNvPicPr>
+            <a:picLocks noGrp="1" noChangeAspect="1"/>
+          </p:cNvPicPr>
+          <p:nvPr>
+            <p:ph idx="1"/>
+          </p:nvPr>
+        </p:nvPicPr>
+        <p:blipFill>
+          <a:blip r:embed="rId2">
+            <a:extLst>
+              <a:ext uri="{28A0092B-C50C-407E-A947-70E740481C1C}">
+                <a14:useLocalDpi xmlns:a14="http://schemas.microsoft.com/office/drawing/2010/main" val="0"/>
+              </a:ext>
+            </a:extLst>
+          </a:blip>
+          <a:stretch>
+            <a:fillRect/>
+          </a:stretch>
+        </p:blipFill>
+        <p:spPr>
+          <a:xfrm>
+            <a:off x="1264316" y="753762"/>
+            <a:ext cx="9992727" cy="5620909"/>
+          </a:xfrm>
+        </p:spPr>
+      </p:pic>
+    </p:spTree>
+    <p:extLst>
+      <p:ext uri="{BB962C8B-B14F-4D97-AF65-F5344CB8AC3E}">
+        <p14:creationId xmlns:p14="http://schemas.microsoft.com/office/powerpoint/2010/main" val="91409222"/>
+      </p:ext>
+    </p:extLst>
+  </p:cSld>
+  <p:clrMapOvr>
+    <a:masterClrMapping/>
+  </p:clrMapOvr>
+</p:sld>
+</file>
+
+<file path=ppt/slides/slide23.xml><?xml version="1.0" encoding="utf-8"?>
+<p:sld xmlns:a="http://schemas.openxmlformats.org/drawingml/2006/main" xmlns:r="http://schemas.openxmlformats.org/officeDocument/2006/relationships" xmlns:p="http://schemas.openxmlformats.org/presentationml/2006/main">
+  <p:cSld>
+    <p:spTree>
+      <p:nvGrpSpPr>
+        <p:cNvPr id="1" name=""/>
+        <p:cNvGrpSpPr/>
+        <p:nvPr/>
+      </p:nvGrpSpPr>
+      <p:grpSpPr>
+        <a:xfrm>
+          <a:off x="0" y="0"/>
+          <a:ext cx="0" cy="0"/>
+          <a:chOff x="0" y="0"/>
+          <a:chExt cx="0" cy="0"/>
+        </a:xfrm>
+      </p:grpSpPr>
+      <p:sp>
+        <p:nvSpPr>
+          <p:cNvPr id="2" name="標題 1">
+            <a:extLst>
+              <a:ext uri="{FF2B5EF4-FFF2-40B4-BE49-F238E27FC236}">
+                <a16:creationId xmlns:a16="http://schemas.microsoft.com/office/drawing/2014/main" id="{871169EC-48E4-4B08-B03D-F5338582D270}"/>
+              </a:ext>
+            </a:extLst>
+          </p:cNvPr>
+          <p:cNvSpPr>
+            <a:spLocks noGrp="1"/>
+          </p:cNvSpPr>
+          <p:nvPr>
+            <p:ph type="title"/>
+          </p:nvPr>
+        </p:nvSpPr>
+        <p:spPr/>
+        <p:txBody>
+          <a:bodyPr/>
+          <a:lstStyle/>
+          <a:p>
+            <a:r>
+              <a:rPr lang="en-US" altLang="zh-TW" dirty="0" err="1"/>
+              <a:t>Jmeter</a:t>
+            </a:r>
+            <a:r>
+              <a:rPr lang="zh-TW" altLang="en-US" dirty="0"/>
+              <a:t>測試後的</a:t>
+            </a:r>
+            <a:r>
+              <a:rPr lang="en-US" altLang="zh-TW" dirty="0"/>
+              <a:t>Log4j2</a:t>
+            </a:r>
+            <a:endParaRPr lang="zh-TW" altLang="en-US" dirty="0"/>
+          </a:p>
+        </p:txBody>
+      </p:sp>
+      <p:pic>
+        <p:nvPicPr>
+          <p:cNvPr id="5" name="內容版面配置區 4">
+            <a:extLst>
+              <a:ext uri="{FF2B5EF4-FFF2-40B4-BE49-F238E27FC236}">
+                <a16:creationId xmlns:a16="http://schemas.microsoft.com/office/drawing/2014/main" id="{9609A085-034B-4AC9-A906-2717D5F5F7EB}"/>
+              </a:ext>
+            </a:extLst>
+          </p:cNvPr>
+          <p:cNvPicPr>
+            <a:picLocks noGrp="1" noChangeAspect="1"/>
+          </p:cNvPicPr>
+          <p:nvPr>
+            <p:ph idx="1"/>
+          </p:nvPr>
+        </p:nvPicPr>
+        <p:blipFill>
+          <a:blip r:embed="rId2">
+            <a:extLst>
+              <a:ext uri="{28A0092B-C50C-407E-A947-70E740481C1C}">
+                <a14:useLocalDpi xmlns:a14="http://schemas.microsoft.com/office/drawing/2010/main" val="0"/>
+              </a:ext>
+            </a:extLst>
+          </a:blip>
+          <a:stretch>
+            <a:fillRect/>
+          </a:stretch>
+        </p:blipFill>
+        <p:spPr>
+          <a:xfrm>
+            <a:off x="2010413" y="1690688"/>
+            <a:ext cx="8171173" cy="4596285"/>
+          </a:xfrm>
+        </p:spPr>
+      </p:pic>
+    </p:spTree>
+    <p:extLst>
+      <p:ext uri="{BB962C8B-B14F-4D97-AF65-F5344CB8AC3E}">
+        <p14:creationId xmlns:p14="http://schemas.microsoft.com/office/powerpoint/2010/main" val="2719204727"/>
+      </p:ext>
+    </p:extLst>
+  </p:cSld>
+  <p:clrMapOvr>
+    <a:masterClrMapping/>
+  </p:clrMapOvr>
+</p:sld>
+</file>
+
+<file path=ppt/slides/slide24.xml><?xml version="1.0" encoding="utf-8"?>
+<p:sld xmlns:a="http://schemas.openxmlformats.org/drawingml/2006/main" xmlns:r="http://schemas.openxmlformats.org/officeDocument/2006/relationships" xmlns:p="http://schemas.openxmlformats.org/presentationml/2006/main">
+  <p:cSld>
+    <p:spTree>
+      <p:nvGrpSpPr>
+        <p:cNvPr id="1" name=""/>
+        <p:cNvGrpSpPr/>
+        <p:nvPr/>
+      </p:nvGrpSpPr>
+      <p:grpSpPr>
+        <a:xfrm>
+          <a:off x="0" y="0"/>
+          <a:ext cx="0" cy="0"/>
+          <a:chOff x="0" y="0"/>
+          <a:chExt cx="0" cy="0"/>
+        </a:xfrm>
+      </p:grpSpPr>
       <p:sp>
         <p:nvSpPr>
           <p:cNvPr id="2" name="標題 1">
@@ -4483,10 +5670,15 @@
             <p:ph idx="1"/>
           </p:nvPr>
         </p:nvSpPr>
-        <p:spPr/>
+        <p:spPr>
+          <a:xfrm>
+            <a:off x="838200" y="1690688"/>
+            <a:ext cx="10801865" cy="4990714"/>
+          </a:xfrm>
+        </p:spPr>
         <p:txBody>
           <a:bodyPr>
-            <a:normAutofit lnSpcReduction="10000"/>
+            <a:normAutofit fontScale="92500" lnSpcReduction="20000"/>
           </a:bodyPr>
           <a:lstStyle/>
           <a:p>
@@ -4558,6 +5750,24 @@
             <a:r>
               <a:rPr lang="en-US" altLang="zh-TW" sz="4000" dirty="0"/>
               <a:t>Swagger</a:t>
+            </a:r>
+          </a:p>
+          <a:p>
+            <a:pPr marL="514350" indent="-514350">
+              <a:buAutoNum type="arabicPeriod"/>
+            </a:pPr>
+            <a:r>
+              <a:rPr lang="en-US" altLang="zh-TW" sz="4000" dirty="0"/>
+              <a:t>Log4j2</a:t>
+            </a:r>
+          </a:p>
+          <a:p>
+            <a:pPr marL="514350" indent="-514350">
+              <a:buAutoNum type="arabicPeriod"/>
+            </a:pPr>
+            <a:r>
+              <a:rPr lang="en-US" altLang="zh-TW" sz="4000" dirty="0"/>
+              <a:t>JMeter</a:t>
             </a:r>
           </a:p>
           <a:p>
@@ -4598,42 +5808,6 @@
           <a:chExt cx="0" cy="0"/>
         </a:xfrm>
       </p:grpSpPr>
-      <p:sp>
-        <p:nvSpPr>
-          <p:cNvPr id="2" name="標題 1">
-            <a:extLst>
-              <a:ext uri="{FF2B5EF4-FFF2-40B4-BE49-F238E27FC236}">
-                <a16:creationId xmlns:a16="http://schemas.microsoft.com/office/drawing/2014/main" id="{83CC6649-995B-4B44-ACA7-9703354EDC7D}"/>
-              </a:ext>
-            </a:extLst>
-          </p:cNvPr>
-          <p:cNvSpPr>
-            <a:spLocks noGrp="1"/>
-          </p:cNvSpPr>
-          <p:nvPr>
-            <p:ph type="ctrTitle"/>
-          </p:nvPr>
-        </p:nvSpPr>
-        <p:spPr>
-          <a:xfrm>
-            <a:off x="1881316" y="516882"/>
-            <a:ext cx="7986584" cy="904145"/>
-          </a:xfrm>
-        </p:spPr>
-        <p:txBody>
-          <a:bodyPr>
-            <a:normAutofit fontScale="90000"/>
-          </a:bodyPr>
-          <a:lstStyle/>
-          <a:p>
-            <a:r>
-              <a:rPr lang="en-US" altLang="zh-TW" dirty="0"/>
-              <a:t>ERD</a:t>
-            </a:r>
-            <a:endParaRPr lang="zh-TW" altLang="en-US" dirty="0"/>
-          </a:p>
-        </p:txBody>
-      </p:sp>
       <p:pic>
         <p:nvPicPr>
           <p:cNvPr id="5" name="圖片 4">
@@ -4662,7 +5836,7 @@
         </p:blipFill>
         <p:spPr>
           <a:xfrm>
-            <a:off x="1189642" y="2028953"/>
+            <a:off x="1189641" y="1408670"/>
             <a:ext cx="9812715" cy="2800093"/>
           </a:xfrm>
           <a:prstGeom prst="rect">
@@ -4670,6 +5844,43 @@
           </a:prstGeom>
         </p:spPr>
       </p:pic>
+      <p:sp>
+        <p:nvSpPr>
+          <p:cNvPr id="2" name="標題 1">
+            <a:extLst>
+              <a:ext uri="{FF2B5EF4-FFF2-40B4-BE49-F238E27FC236}">
+                <a16:creationId xmlns:a16="http://schemas.microsoft.com/office/drawing/2014/main" id="{83CC6649-995B-4B44-ACA7-9703354EDC7D}"/>
+              </a:ext>
+            </a:extLst>
+          </p:cNvPr>
+          <p:cNvSpPr>
+            <a:spLocks noGrp="1"/>
+          </p:cNvSpPr>
+          <p:nvPr>
+            <p:ph type="ctrTitle"/>
+          </p:nvPr>
+        </p:nvSpPr>
+        <p:spPr>
+          <a:xfrm>
+            <a:off x="2102707" y="282104"/>
+            <a:ext cx="7986584" cy="904145"/>
+          </a:xfrm>
+        </p:spPr>
+        <p:txBody>
+          <a:bodyPr>
+            <a:noAutofit/>
+          </a:bodyPr>
+          <a:lstStyle/>
+          <a:p>
+            <a:pPr algn="ctr"/>
+            <a:r>
+              <a:rPr lang="en-US" altLang="zh-TW" sz="8000" dirty="0"/>
+              <a:t>ERD</a:t>
+            </a:r>
+            <a:endParaRPr lang="zh-TW" altLang="en-US" sz="8000" dirty="0"/>
+          </a:p>
+        </p:txBody>
+      </p:sp>
     </p:spTree>
     <p:extLst>
       <p:ext uri="{BB962C8B-B14F-4D97-AF65-F5344CB8AC3E}">
@@ -4948,9 +6159,9 @@
 </file>
 
 <file path=ppt/theme/theme1.xml><?xml version="1.0" encoding="utf-8"?>
-<a:theme xmlns:a="http://schemas.openxmlformats.org/drawingml/2006/main" name="Office 佈景主題">
+<a:theme xmlns:a="http://schemas.openxmlformats.org/drawingml/2006/main" name="木刻字型">
   <a:themeElements>
-    <a:clrScheme name="Office">
+    <a:clrScheme name="木刻字型">
       <a:dk1>
         <a:sysClr val="windowText" lastClr="000000"/>
       </a:dk1>
@@ -4958,48 +6169,86 @@
         <a:sysClr val="window" lastClr="FFFFFF"/>
       </a:lt1>
       <a:dk2>
-        <a:srgbClr val="44546A"/>
+        <a:srgbClr val="696464"/>
       </a:dk2>
       <a:lt2>
-        <a:srgbClr val="E7E6E6"/>
+        <a:srgbClr val="E9E5DC"/>
       </a:lt2>
       <a:accent1>
-        <a:srgbClr val="4472C4"/>
+        <a:srgbClr val="D34817"/>
       </a:accent1>
       <a:accent2>
-        <a:srgbClr val="ED7D31"/>
+        <a:srgbClr val="9B2D1F"/>
       </a:accent2>
       <a:accent3>
-        <a:srgbClr val="A5A5A5"/>
+        <a:srgbClr val="A28E6A"/>
       </a:accent3>
       <a:accent4>
-        <a:srgbClr val="FFC000"/>
+        <a:srgbClr val="956251"/>
       </a:accent4>
       <a:accent5>
-        <a:srgbClr val="5B9BD5"/>
+        <a:srgbClr val="918485"/>
       </a:accent5>
       <a:accent6>
-        <a:srgbClr val="70AD47"/>
+        <a:srgbClr val="855D5D"/>
       </a:accent6>
       <a:hlink>
-        <a:srgbClr val="0563C1"/>
+        <a:srgbClr val="CC9900"/>
       </a:hlink>
       <a:folHlink>
-        <a:srgbClr val="954F72"/>
+        <a:srgbClr val="96A9A9"/>
       </a:folHlink>
     </a:clrScheme>
-    <a:fontScheme name="Office">
+    <a:fontScheme name="木刻字型">
       <a:majorFont>
-        <a:latin typeface="Calibri Light" panose="020F0302020204030204"/>
+        <a:latin typeface="Rockwell Condensed" panose="02060603050405020104"/>
         <a:ea typeface=""/>
         <a:cs typeface=""/>
-        <a:font script="Jpan" typeface="游ゴシック Light"/>
-        <a:font script="Hang" typeface="맑은 고딕"/>
-        <a:font script="Hans" typeface="等线 Light"/>
-        <a:font script="Hant" typeface="新細明體"/>
+        <a:font script="Grek" typeface="Cambria"/>
+        <a:font script="Cyrl" typeface="Cambria"/>
+        <a:font script="Jpan" typeface="HG明朝B"/>
+        <a:font script="Hang" typeface="바탕"/>
+        <a:font script="Hans" typeface="方正姚体"/>
+        <a:font script="Hant" typeface="微軟正黑體"/>
         <a:font script="Arab" typeface="Times New Roman"/>
-        <a:font script="Hebr" typeface="Times New Roman"/>
-        <a:font script="Thai" typeface="Angsana New"/>
+        <a:font script="Hebr" typeface="David"/>
+        <a:font script="Thai" typeface="JasmineUPC"/>
+        <a:font script="Ethi" typeface="Nyala"/>
+        <a:font script="Beng" typeface="Vrinda"/>
+        <a:font script="Gujr" typeface="Shruti"/>
+        <a:font script="Khmr" typeface="MoolBoran"/>
+        <a:font script="Knda" typeface="Tunga"/>
+        <a:font script="Guru" typeface="Raavi"/>
+        <a:font script="Cans" typeface="Euphemia"/>
+        <a:font script="Cher" typeface="Plantagenet Cherokee"/>
+        <a:font script="Yiii" typeface="Microsoft Yi Baiti"/>
+        <a:font script="Tibt" typeface="Microsoft Himalaya"/>
+        <a:font script="Thaa" typeface="MV Boli"/>
+        <a:font script="Deva" typeface="Mangal"/>
+        <a:font script="Telu" typeface="Gautami"/>
+        <a:font script="Taml" typeface="Latha"/>
+        <a:font script="Syrc" typeface="Estrangelo Edessa"/>
+        <a:font script="Orya" typeface="Kalinga"/>
+        <a:font script="Mlym" typeface="Kartika"/>
+        <a:font script="Laoo" typeface="DokChampa"/>
+        <a:font script="Sinh" typeface="Iskoola Pota"/>
+        <a:font script="Mong" typeface="Mongolian Baiti"/>
+        <a:font script="Viet" typeface="Arial"/>
+        <a:font script="Uigh" typeface="Microsoft Uighur"/>
+      </a:majorFont>
+      <a:minorFont>
+        <a:latin typeface="Rockwell" panose="02060603020205020403"/>
+        <a:ea typeface=""/>
+        <a:cs typeface=""/>
+        <a:font script="Grek" typeface="Cambria"/>
+        <a:font script="Cyrl" typeface="Cambria"/>
+        <a:font script="Jpan" typeface="HG明朝B"/>
+        <a:font script="Hang" typeface="바탕"/>
+        <a:font script="Hans" typeface="方正姚体"/>
+        <a:font script="Hant" typeface="標楷體"/>
+        <a:font script="Arab" typeface="Times New Roman"/>
+        <a:font script="Hebr" typeface="David"/>
+        <a:font script="Thai" typeface="JasmineUPC"/>
         <a:font script="Ethi" typeface="Nyala"/>
         <a:font script="Beng" typeface="Vrinda"/>
         <a:font script="Gujr" typeface="Shruti"/>
@@ -5022,135 +6271,42 @@
         <a:font script="Mong" typeface="Mongolian Baiti"/>
         <a:font script="Viet" typeface="Times New Roman"/>
         <a:font script="Uigh" typeface="Microsoft Uighur"/>
-        <a:font script="Geor" typeface="Sylfaen"/>
-        <a:font script="Armn" typeface="Arial"/>
-        <a:font script="Bugi" typeface="Leelawadee UI"/>
-        <a:font script="Bopo" typeface="Microsoft JhengHei"/>
-        <a:font script="Java" typeface="Javanese Text"/>
-        <a:font script="Lisu" typeface="Segoe UI"/>
-        <a:font script="Mymr" typeface="Myanmar Text"/>
-        <a:font script="Nkoo" typeface="Ebrima"/>
-        <a:font script="Olck" typeface="Nirmala UI"/>
-        <a:font script="Osma" typeface="Ebrima"/>
-        <a:font script="Phag" typeface="Phagspa"/>
-        <a:font script="Syrn" typeface="Estrangelo Edessa"/>
-        <a:font script="Syrj" typeface="Estrangelo Edessa"/>
-        <a:font script="Syre" typeface="Estrangelo Edessa"/>
-        <a:font script="Sora" typeface="Nirmala UI"/>
-        <a:font script="Tale" typeface="Microsoft Tai Le"/>
-        <a:font script="Talu" typeface="Microsoft New Tai Lue"/>
-        <a:font script="Tfng" typeface="Ebrima"/>
-      </a:majorFont>
-      <a:minorFont>
-        <a:latin typeface="Calibri" panose="020F0502020204030204"/>
-        <a:ea typeface=""/>
-        <a:cs typeface=""/>
-        <a:font script="Jpan" typeface="游ゴシック"/>
-        <a:font script="Hang" typeface="맑은 고딕"/>
-        <a:font script="Hans" typeface="等线"/>
-        <a:font script="Hant" typeface="新細明體"/>
-        <a:font script="Arab" typeface="Arial"/>
-        <a:font script="Hebr" typeface="Arial"/>
-        <a:font script="Thai" typeface="Cordia New"/>
-        <a:font script="Ethi" typeface="Nyala"/>
-        <a:font script="Beng" typeface="Vrinda"/>
-        <a:font script="Gujr" typeface="Shruti"/>
-        <a:font script="Khmr" typeface="DaunPenh"/>
-        <a:font script="Knda" typeface="Tunga"/>
-        <a:font script="Guru" typeface="Raavi"/>
-        <a:font script="Cans" typeface="Euphemia"/>
-        <a:font script="Cher" typeface="Plantagenet Cherokee"/>
-        <a:font script="Yiii" typeface="Microsoft Yi Baiti"/>
-        <a:font script="Tibt" typeface="Microsoft Himalaya"/>
-        <a:font script="Thaa" typeface="MV Boli"/>
-        <a:font script="Deva" typeface="Mangal"/>
-        <a:font script="Telu" typeface="Gautami"/>
-        <a:font script="Taml" typeface="Latha"/>
-        <a:font script="Syrc" typeface="Estrangelo Edessa"/>
-        <a:font script="Orya" typeface="Kalinga"/>
-        <a:font script="Mlym" typeface="Kartika"/>
-        <a:font script="Laoo" typeface="DokChampa"/>
-        <a:font script="Sinh" typeface="Iskoola Pota"/>
-        <a:font script="Mong" typeface="Mongolian Baiti"/>
-        <a:font script="Viet" typeface="Arial"/>
-        <a:font script="Uigh" typeface="Microsoft Uighur"/>
-        <a:font script="Geor" typeface="Sylfaen"/>
-        <a:font script="Armn" typeface="Arial"/>
-        <a:font script="Bugi" typeface="Leelawadee UI"/>
-        <a:font script="Bopo" typeface="Microsoft JhengHei"/>
-        <a:font script="Java" typeface="Javanese Text"/>
-        <a:font script="Lisu" typeface="Segoe UI"/>
-        <a:font script="Mymr" typeface="Myanmar Text"/>
-        <a:font script="Nkoo" typeface="Ebrima"/>
-        <a:font script="Olck" typeface="Nirmala UI"/>
-        <a:font script="Osma" typeface="Ebrima"/>
-        <a:font script="Phag" typeface="Phagspa"/>
-        <a:font script="Syrn" typeface="Estrangelo Edessa"/>
-        <a:font script="Syrj" typeface="Estrangelo Edessa"/>
-        <a:font script="Syre" typeface="Estrangelo Edessa"/>
-        <a:font script="Sora" typeface="Nirmala UI"/>
-        <a:font script="Tale" typeface="Microsoft Tai Le"/>
-        <a:font script="Talu" typeface="Microsoft New Tai Lue"/>
-        <a:font script="Tfng" typeface="Ebrima"/>
       </a:minorFont>
     </a:fontScheme>
-    <a:fmtScheme name="Office">
+    <a:fmtScheme name="木刻字型">
       <a:fillStyleLst>
         <a:solidFill>
           <a:schemeClr val="phClr"/>
         </a:solidFill>
-        <a:gradFill rotWithShape="1">
-          <a:gsLst>
-            <a:gs pos="0">
+        <a:blipFill rotWithShape="1">
+          <a:blip xmlns:r="http://schemas.openxmlformats.org/officeDocument/2006/relationships" r:embed="rId1">
+            <a:duotone>
               <a:schemeClr val="phClr">
-                <a:lumMod val="110000"/>
-                <a:satMod val="105000"/>
-                <a:tint val="67000"/>
+                <a:tint val="70000"/>
+                <a:shade val="63000"/>
               </a:schemeClr>
-            </a:gs>
-            <a:gs pos="50000">
               <a:schemeClr val="phClr">
-                <a:lumMod val="105000"/>
-                <a:satMod val="103000"/>
-                <a:tint val="73000"/>
+                <a:tint val="10000"/>
+                <a:satMod val="150000"/>
               </a:schemeClr>
-            </a:gs>
-            <a:gs pos="100000">
+            </a:duotone>
+          </a:blip>
+          <a:tile tx="0" ty="0" sx="60000" sy="59000" flip="none" algn="tl"/>
+        </a:blipFill>
+        <a:blipFill rotWithShape="1">
+          <a:blip xmlns:r="http://schemas.openxmlformats.org/officeDocument/2006/relationships" r:embed="rId1">
+            <a:duotone>
               <a:schemeClr val="phClr">
-                <a:lumMod val="105000"/>
-                <a:satMod val="109000"/>
-                <a:tint val="81000"/>
+                <a:shade val="36000"/>
+                <a:satMod val="120000"/>
               </a:schemeClr>
-            </a:gs>
-          </a:gsLst>
-          <a:lin ang="5400000" scaled="0"/>
-        </a:gradFill>
-        <a:gradFill rotWithShape="1">
-          <a:gsLst>
-            <a:gs pos="0">
               <a:schemeClr val="phClr">
-                <a:satMod val="103000"/>
-                <a:lumMod val="102000"/>
-                <a:tint val="94000"/>
+                <a:tint val="40000"/>
               </a:schemeClr>
-            </a:gs>
-            <a:gs pos="50000">
-              <a:schemeClr val="phClr">
-                <a:satMod val="110000"/>
-                <a:lumMod val="100000"/>
-                <a:shade val="100000"/>
-              </a:schemeClr>
-            </a:gs>
-            <a:gs pos="100000">
-              <a:schemeClr val="phClr">
-                <a:lumMod val="99000"/>
-                <a:satMod val="120000"/>
-                <a:shade val="78000"/>
-              </a:schemeClr>
-            </a:gs>
-          </a:gsLst>
-          <a:lin ang="5400000" scaled="0"/>
-        </a:gradFill>
+            </a:duotone>
+          </a:blip>
+          <a:tile tx="0" ty="0" sx="60000" sy="59000" flip="none" algn="tl"/>
+        </a:blipFill>
       </a:fillStyleLst>
       <a:lnStyleLst>
         <a:ln w="6350" cap="flat" cmpd="sng" algn="ctr">
@@ -5158,21 +6314,18 @@
             <a:schemeClr val="phClr"/>
           </a:solidFill>
           <a:prstDash val="solid"/>
-          <a:miter lim="800000"/>
         </a:ln>
         <a:ln w="12700" cap="flat" cmpd="sng" algn="ctr">
           <a:solidFill>
             <a:schemeClr val="phClr"/>
           </a:solidFill>
           <a:prstDash val="solid"/>
-          <a:miter lim="800000"/>
         </a:ln>
         <a:ln w="19050" cap="flat" cmpd="sng" algn="ctr">
           <a:solidFill>
             <a:schemeClr val="phClr"/>
           </a:solidFill>
           <a:prstDash val="solid"/>
-          <a:miter lim="800000"/>
         </a:ln>
       </a:lnStyleLst>
       <a:effectStyleLst>
@@ -5180,15 +6333,18 @@
           <a:effectLst/>
         </a:effectStyle>
         <a:effectStyle>
-          <a:effectLst/>
+          <a:effectLst>
+            <a:softEdge rad="12700"/>
+          </a:effectLst>
         </a:effectStyle>
         <a:effectStyle>
           <a:effectLst>
-            <a:outerShdw blurRad="57150" dist="19050" dir="5400000" algn="ctr" rotWithShape="0">
+            <a:outerShdw blurRad="50800" dist="19050" dir="5400000" algn="tl" rotWithShape="0">
               <a:srgbClr val="000000">
-                <a:alpha val="63000"/>
+                <a:alpha val="60000"/>
               </a:srgbClr>
             </a:outerShdw>
+            <a:softEdge rad="12700"/>
           </a:effectLst>
         </a:effectStyle>
       </a:effectStyleLst>
@@ -5198,37 +6354,26 @@
         </a:solidFill>
         <a:solidFill>
           <a:schemeClr val="phClr">
-            <a:tint val="95000"/>
-            <a:satMod val="170000"/>
+            <a:shade val="97000"/>
+            <a:satMod val="150000"/>
           </a:schemeClr>
         </a:solidFill>
-        <a:gradFill rotWithShape="1">
-          <a:gsLst>
-            <a:gs pos="0">
+        <a:blipFill rotWithShape="1">
+          <a:blip xmlns:r="http://schemas.openxmlformats.org/officeDocument/2006/relationships" r:embed="rId1">
+            <a:duotone>
               <a:schemeClr val="phClr">
-                <a:tint val="93000"/>
-                <a:satMod val="150000"/>
-                <a:shade val="98000"/>
-                <a:lumMod val="102000"/>
-              </a:schemeClr>
-            </a:gs>
-            <a:gs pos="50000">
-              <a:schemeClr val="phClr">
-                <a:tint val="98000"/>
-                <a:satMod val="130000"/>
-                <a:shade val="90000"/>
-                <a:lumMod val="103000"/>
-              </a:schemeClr>
-            </a:gs>
-            <a:gs pos="100000">
-              <a:schemeClr val="phClr">
-                <a:shade val="63000"/>
+                <a:tint val="75000"/>
+                <a:shade val="58000"/>
                 <a:satMod val="120000"/>
               </a:schemeClr>
-            </a:gs>
-          </a:gsLst>
-          <a:lin ang="5400000" scaled="0"/>
-        </a:gradFill>
+              <a:schemeClr val="phClr">
+                <a:tint val="50000"/>
+                <a:shade val="96000"/>
+              </a:schemeClr>
+            </a:duotone>
+          </a:blip>
+          <a:tile tx="0" ty="0" sx="100000" sy="100000" flip="none" algn="tl"/>
+        </a:blipFill>
       </a:bgFillStyleLst>
     </a:fmtScheme>
   </a:themeElements>
@@ -5236,7 +6381,7 @@
   <a:extraClrSchemeLst/>
   <a:extLst>
     <a:ext uri="{05A4C25C-085E-4340-85A3-A5531E510DB2}">
-      <thm15:themeFamily xmlns:thm15="http://schemas.microsoft.com/office/thememl/2012/main" name="Office Theme" id="{62F939B6-93AF-4DB8-9C6B-D6C7DFDC589F}" vid="{4A3C46E8-61CC-4603-A589-7422A47A8E4A}"/>
+      <thm15:themeFamily xmlns:thm15="http://schemas.microsoft.com/office/thememl/2012/main" name="Wood Type" id="{7ACABC62-BF99-48CF-A9DC-4DB89C7B13DC}" vid="{142A1326-48AB-42A9-8428-CB14AA30176D}"/>
     </a:ext>
   </a:extLst>
 </a:theme>
